--- a/slides/Week 7 - unsupervised learning.pptx
+++ b/slides/Week 7 - unsupervised learning.pptx
@@ -5,27 +5,28 @@
     <p:sldMasterId id="2147483649" r:id="rId1"/>
   </p:sldMasterIdLst>
   <p:notesMasterIdLst>
-    <p:notesMasterId r:id="rId17"/>
+    <p:notesMasterId r:id="rId18"/>
   </p:notesMasterIdLst>
   <p:handoutMasterIdLst>
-    <p:handoutMasterId r:id="rId18"/>
+    <p:handoutMasterId r:id="rId19"/>
   </p:handoutMasterIdLst>
   <p:sldIdLst>
     <p:sldId id="276" r:id="rId2"/>
-    <p:sldId id="304" r:id="rId3"/>
-    <p:sldId id="292" r:id="rId4"/>
-    <p:sldId id="293" r:id="rId5"/>
-    <p:sldId id="295" r:id="rId6"/>
-    <p:sldId id="297" r:id="rId7"/>
-    <p:sldId id="288" r:id="rId8"/>
-    <p:sldId id="284" r:id="rId9"/>
-    <p:sldId id="283" r:id="rId10"/>
-    <p:sldId id="301" r:id="rId11"/>
-    <p:sldId id="306" r:id="rId12"/>
-    <p:sldId id="305" r:id="rId13"/>
-    <p:sldId id="302" r:id="rId14"/>
-    <p:sldId id="303" r:id="rId15"/>
-    <p:sldId id="285" r:id="rId16"/>
+    <p:sldId id="308" r:id="rId3"/>
+    <p:sldId id="304" r:id="rId4"/>
+    <p:sldId id="292" r:id="rId5"/>
+    <p:sldId id="293" r:id="rId6"/>
+    <p:sldId id="295" r:id="rId7"/>
+    <p:sldId id="297" r:id="rId8"/>
+    <p:sldId id="288" r:id="rId9"/>
+    <p:sldId id="284" r:id="rId10"/>
+    <p:sldId id="283" r:id="rId11"/>
+    <p:sldId id="307" r:id="rId12"/>
+    <p:sldId id="301" r:id="rId13"/>
+    <p:sldId id="306" r:id="rId14"/>
+    <p:sldId id="305" r:id="rId15"/>
+    <p:sldId id="302" r:id="rId16"/>
+    <p:sldId id="285" r:id="rId17"/>
   </p:sldIdLst>
   <p:sldSz cx="9144000" cy="6858000" type="screen4x3"/>
   <p:notesSz cx="9926638" cy="14301788"/>
@@ -304,7 +305,7 @@
             <a:fld id="{373F1B60-BDF4-4D63-AD79-99D5A5B1DF99}" type="datetime1">
               <a:rPr lang="en-US"/>
               <a:pPr/>
-              <a:t>1/8/2020</a:t>
+              <a:t>1/6/2021</a:t>
             </a:fld>
             <a:endParaRPr lang="en-US"/>
           </a:p>
@@ -523,7 +524,7 @@
             <a:fld id="{4387A7AA-DFE9-4771-BEDE-3294FCEBFB02}" type="datetime1">
               <a:rPr lang="en-US"/>
               <a:pPr/>
-              <a:t>1/8/2020</a:t>
+              <a:t>1/6/2021</a:t>
             </a:fld>
             <a:endParaRPr lang="en-US"/>
           </a:p>
@@ -914,7 +915,7 @@
             <a:fld id="{8541E2CD-DBF4-40F9-B6F8-EEFD0DF8A138}" type="datetime1">
               <a:rPr lang="en-US"/>
               <a:pPr/>
-              <a:t>1/8/2020</a:t>
+              <a:t>1/6/2021</a:t>
             </a:fld>
             <a:endParaRPr lang="en-US"/>
           </a:p>
@@ -1134,7 +1135,7 @@
             <a:fld id="{93F21019-3A00-48AC-9663-40DF67A83229}" type="datetime1">
               <a:rPr lang="en-US"/>
               <a:pPr/>
-              <a:t>1/8/2020</a:t>
+              <a:t>1/6/2021</a:t>
             </a:fld>
             <a:endParaRPr lang="en-US">
               <a:solidFill>
@@ -1320,7 +1321,7 @@
             <a:fld id="{8B2EF9C8-0AC3-4A53-9A61-1834A571F420}" type="datetime1">
               <a:rPr lang="en-US"/>
               <a:pPr/>
-              <a:t>1/8/2020</a:t>
+              <a:t>1/6/2021</a:t>
             </a:fld>
             <a:endParaRPr lang="en-US" sz="1400">
               <a:solidFill>
@@ -1517,7 +1518,7 @@
             <a:fld id="{F02960F3-A385-4905-A491-FDC17E063DD1}" type="datetime1">
               <a:rPr lang="en-US"/>
               <a:pPr/>
-              <a:t>1/8/2020</a:t>
+              <a:t>1/6/2021</a:t>
             </a:fld>
             <a:endParaRPr lang="en-US" sz="1400">
               <a:solidFill>
@@ -1776,7 +1777,7 @@
             <a:fld id="{CD3AD70A-8E2A-47B5-AC18-ABBB5A8E737D}" type="datetime1">
               <a:rPr lang="en-US"/>
               <a:pPr/>
-              <a:t>1/8/2020</a:t>
+              <a:t>1/6/2021</a:t>
             </a:fld>
             <a:endParaRPr lang="en-US" sz="1400">
               <a:solidFill>
@@ -2012,7 +2013,7 @@
             <a:fld id="{07008C2E-9BD6-496B-BFC3-B4A975EBC85E}" type="datetime1">
               <a:rPr lang="en-US"/>
               <a:pPr/>
-              <a:t>1/8/2020</a:t>
+              <a:t>1/6/2021</a:t>
             </a:fld>
             <a:endParaRPr lang="en-US" sz="1400">
               <a:solidFill>
@@ -2191,7 +2192,7 @@
             <a:fld id="{1AA2C3CF-866C-4FDE-B76D-4E9536901630}" type="datetime1">
               <a:rPr lang="en-US"/>
               <a:pPr/>
-              <a:t>1/8/2020</a:t>
+              <a:t>1/6/2021</a:t>
             </a:fld>
             <a:endParaRPr lang="en-US" sz="1400">
               <a:solidFill>
@@ -2370,7 +2371,7 @@
             <a:fld id="{555EE259-FE08-4558-B721-B189FFE77284}" type="datetime1">
               <a:rPr lang="en-US"/>
               <a:pPr/>
-              <a:t>1/8/2020</a:t>
+              <a:t>1/6/2021</a:t>
             </a:fld>
             <a:endParaRPr lang="en-US" sz="1400">
               <a:solidFill>
@@ -2639,7 +2640,7 @@
             <a:fld id="{0AF4064E-5624-49AB-B7C6-E301A8F6B1FF}" type="datetime1">
               <a:rPr lang="en-US"/>
               <a:pPr/>
-              <a:t>1/8/2020</a:t>
+              <a:t>1/6/2021</a:t>
             </a:fld>
             <a:endParaRPr lang="en-US" sz="1400">
               <a:solidFill>
@@ -2836,7 +2837,7 @@
             <a:fld id="{CBC97FCD-6C54-4833-B032-BFBCDFA8379D}" type="datetime1">
               <a:rPr lang="en-US"/>
               <a:pPr/>
-              <a:t>1/8/2020</a:t>
+              <a:t>1/6/2021</a:t>
             </a:fld>
             <a:endParaRPr lang="en-US" sz="1400">
               <a:solidFill>
@@ -3045,7 +3046,7 @@
             <a:fld id="{F04AA577-515A-431F-98B6-3B03494ABB11}" type="datetime1">
               <a:rPr lang="en-US"/>
               <a:pPr/>
-              <a:t>1/8/2020</a:t>
+              <a:t>1/6/2021</a:t>
             </a:fld>
             <a:endParaRPr lang="en-US" sz="1400">
               <a:solidFill>
@@ -3350,7 +3351,7 @@
             <a:fld id="{6475F1A4-C474-4345-A800-2F40B0E4E70C}" type="datetime1">
               <a:rPr lang="en-US"/>
               <a:pPr/>
-              <a:t>1/8/2020</a:t>
+              <a:t>1/6/2021</a:t>
             </a:fld>
             <a:endParaRPr lang="en-US" sz="1400">
               <a:solidFill>
@@ -3794,7 +3795,7 @@
             <a:fld id="{7BA535AB-820E-4207-9DA8-5F37106C7AF4}" type="datetime1">
               <a:rPr lang="en-US"/>
               <a:pPr/>
-              <a:t>1/8/2020</a:t>
+              <a:t>1/6/2021</a:t>
             </a:fld>
             <a:endParaRPr lang="en-US" sz="1400">
               <a:solidFill>
@@ -3929,7 +3930,7 @@
             <a:fld id="{0A7E69FA-D7EE-42C0-9117-1971B541885F}" type="datetime1">
               <a:rPr lang="en-US"/>
               <a:pPr/>
-              <a:t>1/8/2020</a:t>
+              <a:t>1/6/2021</a:t>
             </a:fld>
             <a:endParaRPr lang="en-US" sz="1400">
               <a:solidFill>
@@ -4041,7 +4042,7 @@
             <a:fld id="{10D7644E-1B5D-4325-BA79-338DF2B89B56}" type="datetime1">
               <a:rPr lang="en-US"/>
               <a:pPr/>
-              <a:t>1/8/2020</a:t>
+              <a:t>1/6/2021</a:t>
             </a:fld>
             <a:endParaRPr lang="en-US" sz="1400">
               <a:solidFill>
@@ -4335,7 +4336,7 @@
             <a:fld id="{B790C882-0B74-4932-8998-E9ABB8AF1740}" type="datetime1">
               <a:rPr lang="en-US"/>
               <a:pPr/>
-              <a:t>1/8/2020</a:t>
+              <a:t>1/6/2021</a:t>
             </a:fld>
             <a:endParaRPr lang="en-US" sz="1400">
               <a:solidFill>
@@ -4605,7 +4606,7 @@
             <a:fld id="{9DC585DC-AE7D-44C1-90AB-C3A391DEA065}" type="datetime1">
               <a:rPr lang="en-US"/>
               <a:pPr/>
-              <a:t>1/8/2020</a:t>
+              <a:t>1/6/2021</a:t>
             </a:fld>
             <a:endParaRPr lang="en-US" sz="1400">
               <a:solidFill>
@@ -4869,7 +4870,7 @@
             <a:fld id="{256CE565-1940-4E5F-9190-C0815CEAAA9D}" type="datetime1">
               <a:rPr lang="en-US"/>
               <a:pPr/>
-              <a:t>1/8/2020</a:t>
+              <a:t>1/6/2021</a:t>
             </a:fld>
             <a:endParaRPr lang="en-US"/>
           </a:p>
@@ -5653,53 +5654,10 @@
             <p:ph type="title"/>
           </p:nvPr>
         </p:nvSpPr>
-        <p:spPr/>
-        <p:txBody>
-          <a:bodyPr/>
-          <a:lstStyle/>
-          <a:p>
-            <a:r>
-              <a:rPr lang="nl-NL" dirty="0" err="1" smtClean="0"/>
-              <a:t>Problems</a:t>
-            </a:r>
-            <a:r>
-              <a:rPr lang="nl-NL" dirty="0" smtClean="0"/>
-              <a:t> </a:t>
-            </a:r>
-            <a:r>
-              <a:rPr lang="nl-NL" dirty="0" err="1" smtClean="0"/>
-              <a:t>with</a:t>
-            </a:r>
-            <a:r>
-              <a:rPr lang="nl-NL" dirty="0" smtClean="0"/>
-              <a:t> </a:t>
-            </a:r>
-            <a:r>
-              <a:rPr lang="nl-NL" i="1" dirty="0" smtClean="0"/>
-              <a:t>k</a:t>
-            </a:r>
-            <a:r>
-              <a:rPr lang="nl-NL" dirty="0" smtClean="0"/>
-              <a:t>-means</a:t>
-            </a:r>
-            <a:endParaRPr lang="nl-NL" i="1" dirty="0"/>
-          </a:p>
-        </p:txBody>
-      </p:sp>
-      <p:sp>
-        <p:nvSpPr>
-          <p:cNvPr id="3" name="Tijdelijke aanduiding voor inhoud 2"/>
-          <p:cNvSpPr>
-            <a:spLocks noGrp="1"/>
-          </p:cNvSpPr>
-          <p:nvPr>
-            <p:ph idx="1"/>
-          </p:nvPr>
-        </p:nvSpPr>
         <p:spPr>
           <a:xfrm>
-            <a:off x="762000" y="1762125"/>
-            <a:ext cx="7881938" cy="2603790"/>
+            <a:off x="838200" y="234931"/>
+            <a:ext cx="6326088" cy="954107"/>
           </a:xfrm>
         </p:spPr>
         <p:txBody>
@@ -5707,108 +5665,1614 @@
           <a:lstStyle/>
           <a:p>
             <a:r>
-              <a:rPr lang="nl-NL" sz="2400" i="1" dirty="0"/>
-              <a:t>k</a:t>
-            </a:r>
-            <a:r>
-              <a:rPr lang="nl-NL" sz="2400" dirty="0" smtClean="0"/>
-              <a:t>-means can </a:t>
-            </a:r>
-            <a:r>
-              <a:rPr lang="nl-NL" sz="2400" dirty="0" err="1" smtClean="0"/>
+              <a:rPr lang="nl-NL" sz="2800" dirty="0" err="1" smtClean="0"/>
+              <a:t>Exercise</a:t>
+            </a:r>
+            <a:r>
+              <a:rPr lang="nl-NL" sz="2800" dirty="0" smtClean="0"/>
+              <a:t>: clustering </a:t>
+            </a:r>
+            <a:r>
+              <a:rPr lang="nl-NL" sz="2800" i="1" dirty="0" smtClean="0"/>
+              <a:t>Iris </a:t>
+            </a:r>
+            <a:r>
+              <a:rPr lang="nl-NL" sz="2800" dirty="0" smtClean="0"/>
+              <a:t>data set (1)</a:t>
+            </a:r>
+            <a:endParaRPr lang="nl-NL" sz="2800" dirty="0"/>
+          </a:p>
+        </p:txBody>
+      </p:sp>
+      <p:sp>
+        <p:nvSpPr>
+          <p:cNvPr id="4" name="Tijdelijke aanduiding voor inhoud 2"/>
+          <p:cNvSpPr txBox="1">
+            <a:spLocks/>
+          </p:cNvSpPr>
+          <p:nvPr/>
+        </p:nvSpPr>
+        <p:spPr bwMode="auto">
+          <a:xfrm>
+            <a:off x="838200" y="1484784"/>
+            <a:ext cx="7881938" cy="6426375"/>
+          </a:xfrm>
+          <a:prstGeom prst="rect">
+            <a:avLst/>
+          </a:prstGeom>
+          <a:noFill/>
+          <a:ln w="9525">
+            <a:noFill/>
+            <a:miter lim="800000"/>
+            <a:headEnd/>
+            <a:tailEnd/>
+          </a:ln>
+          <a:effectLst/>
+        </p:spPr>
+        <p:txBody>
+          <a:bodyPr vert="horz" wrap="square" lIns="91440" tIns="45720" rIns="91440" bIns="45720" numCol="1" anchor="t" anchorCtr="0" compatLnSpc="1">
+            <a:prstTxWarp prst="textNoShape">
+              <a:avLst/>
+            </a:prstTxWarp>
+            <a:spAutoFit/>
+          </a:bodyPr>
+          <a:lstStyle>
+            <a:lvl1pPr marL="342900" indent="-342900" algn="l" rtl="0" fontAlgn="base">
+              <a:spcBef>
+                <a:spcPct val="20000"/>
+              </a:spcBef>
+              <a:spcAft>
+                <a:spcPct val="0"/>
+              </a:spcAft>
+              <a:buClr>
+                <a:srgbClr val="ED0010"/>
+              </a:buClr>
+              <a:buSzPct val="60000"/>
+              <a:buFont typeface="Zapf Dingbats" charset="2"/>
+              <a:buChar char="n"/>
+              <a:defRPr sz="2800">
+                <a:solidFill>
+                  <a:srgbClr val="000000"/>
+                </a:solidFill>
+                <a:latin typeface="+mn-lt"/>
+                <a:ea typeface="+mn-ea"/>
+                <a:cs typeface="+mn-cs"/>
+              </a:defRPr>
+            </a:lvl1pPr>
+            <a:lvl2pPr marL="819150" indent="-285750" algn="l" rtl="0" fontAlgn="base">
+              <a:spcBef>
+                <a:spcPct val="20000"/>
+              </a:spcBef>
+              <a:spcAft>
+                <a:spcPct val="0"/>
+              </a:spcAft>
+              <a:buClr>
+                <a:schemeClr val="accent1"/>
+              </a:buClr>
+              <a:buSzPct val="60000"/>
+              <a:buFont typeface="Zapf Dingbats" charset="2"/>
+              <a:buChar char="n"/>
+              <a:defRPr sz="2600">
+                <a:solidFill>
+                  <a:srgbClr val="000000"/>
+                </a:solidFill>
+                <a:latin typeface="+mn-lt"/>
+              </a:defRPr>
+            </a:lvl2pPr>
+            <a:lvl3pPr marL="1143000" indent="-228600" algn="l" rtl="0" fontAlgn="base">
+              <a:spcBef>
+                <a:spcPct val="20000"/>
+              </a:spcBef>
+              <a:spcAft>
+                <a:spcPct val="0"/>
+              </a:spcAft>
+              <a:buClr>
+                <a:schemeClr val="accent1"/>
+              </a:buClr>
+              <a:buSzPct val="60000"/>
+              <a:buFont typeface="Zapf Dingbats" charset="2"/>
+              <a:buChar char="n"/>
+              <a:defRPr sz="2400">
+                <a:solidFill>
+                  <a:srgbClr val="000000"/>
+                </a:solidFill>
+                <a:latin typeface="+mn-lt"/>
+              </a:defRPr>
+            </a:lvl3pPr>
+            <a:lvl4pPr marL="1562100" indent="-228600" algn="l" rtl="0" fontAlgn="base">
+              <a:spcBef>
+                <a:spcPct val="20000"/>
+              </a:spcBef>
+              <a:spcAft>
+                <a:spcPct val="0"/>
+              </a:spcAft>
+              <a:buClr>
+                <a:schemeClr val="accent1"/>
+              </a:buClr>
+              <a:buSzPct val="60000"/>
+              <a:buFont typeface="Zapf Dingbats" charset="2"/>
+              <a:buChar char="n"/>
+              <a:defRPr sz="2200">
+                <a:solidFill>
+                  <a:srgbClr val="000000"/>
+                </a:solidFill>
+                <a:latin typeface="+mn-lt"/>
+              </a:defRPr>
+            </a:lvl4pPr>
+            <a:lvl5pPr marL="1981200" indent="-228600" algn="l" rtl="0" fontAlgn="base">
+              <a:spcBef>
+                <a:spcPct val="20000"/>
+              </a:spcBef>
+              <a:spcAft>
+                <a:spcPct val="0"/>
+              </a:spcAft>
+              <a:buClr>
+                <a:schemeClr val="accent1"/>
+              </a:buClr>
+              <a:buSzPct val="60000"/>
+              <a:buFont typeface="Zapf Dingbats" charset="2"/>
+              <a:buChar char="n"/>
+              <a:defRPr sz="2000">
+                <a:solidFill>
+                  <a:srgbClr val="000000"/>
+                </a:solidFill>
+                <a:latin typeface="+mn-lt"/>
+              </a:defRPr>
+            </a:lvl5pPr>
+            <a:lvl6pPr marL="2438400" indent="-228600" algn="l" rtl="0" fontAlgn="base">
+              <a:spcBef>
+                <a:spcPct val="20000"/>
+              </a:spcBef>
+              <a:spcAft>
+                <a:spcPct val="0"/>
+              </a:spcAft>
+              <a:buClr>
+                <a:schemeClr val="accent1"/>
+              </a:buClr>
+              <a:buSzPct val="60000"/>
+              <a:buFont typeface="Zapf Dingbats" charset="2"/>
+              <a:buChar char="n"/>
+              <a:defRPr sz="2000">
+                <a:solidFill>
+                  <a:srgbClr val="000000"/>
+                </a:solidFill>
+                <a:latin typeface="+mn-lt"/>
+              </a:defRPr>
+            </a:lvl6pPr>
+            <a:lvl7pPr marL="2895600" indent="-228600" algn="l" rtl="0" fontAlgn="base">
+              <a:spcBef>
+                <a:spcPct val="20000"/>
+              </a:spcBef>
+              <a:spcAft>
+                <a:spcPct val="0"/>
+              </a:spcAft>
+              <a:buClr>
+                <a:schemeClr val="accent1"/>
+              </a:buClr>
+              <a:buSzPct val="60000"/>
+              <a:buFont typeface="Zapf Dingbats" charset="2"/>
+              <a:buChar char="n"/>
+              <a:defRPr sz="2000">
+                <a:solidFill>
+                  <a:srgbClr val="000000"/>
+                </a:solidFill>
+                <a:latin typeface="+mn-lt"/>
+              </a:defRPr>
+            </a:lvl7pPr>
+            <a:lvl8pPr marL="3352800" indent="-228600" algn="l" rtl="0" fontAlgn="base">
+              <a:spcBef>
+                <a:spcPct val="20000"/>
+              </a:spcBef>
+              <a:spcAft>
+                <a:spcPct val="0"/>
+              </a:spcAft>
+              <a:buClr>
+                <a:schemeClr val="accent1"/>
+              </a:buClr>
+              <a:buSzPct val="60000"/>
+              <a:buFont typeface="Zapf Dingbats" charset="2"/>
+              <a:buChar char="n"/>
+              <a:defRPr sz="2000">
+                <a:solidFill>
+                  <a:srgbClr val="000000"/>
+                </a:solidFill>
+                <a:latin typeface="+mn-lt"/>
+              </a:defRPr>
+            </a:lvl8pPr>
+            <a:lvl9pPr marL="3810000" indent="-228600" algn="l" rtl="0" fontAlgn="base">
+              <a:spcBef>
+                <a:spcPct val="20000"/>
+              </a:spcBef>
+              <a:spcAft>
+                <a:spcPct val="0"/>
+              </a:spcAft>
+              <a:buClr>
+                <a:schemeClr val="accent1"/>
+              </a:buClr>
+              <a:buSzPct val="60000"/>
+              <a:buFont typeface="Zapf Dingbats" charset="2"/>
+              <a:buChar char="n"/>
+              <a:defRPr sz="2000">
+                <a:solidFill>
+                  <a:srgbClr val="000000"/>
+                </a:solidFill>
+                <a:latin typeface="+mn-lt"/>
+              </a:defRPr>
+            </a:lvl9pPr>
+          </a:lstStyle>
+          <a:p>
+            <a:pPr marL="0" indent="0">
+              <a:buNone/>
+            </a:pPr>
+            <a:r>
+              <a:rPr lang="nl-NL" sz="1400" kern="0" dirty="0" smtClean="0">
+                <a:latin typeface="Courier New" panose="02070309020205020404" pitchFamily="49" charset="0"/>
+                <a:cs typeface="Courier New" panose="02070309020205020404" pitchFamily="49" charset="0"/>
+              </a:rPr>
+              <a:t>In this </a:t>
+            </a:r>
+            <a:r>
+              <a:rPr lang="nl-NL" sz="1400" kern="0" dirty="0" err="1" smtClean="0">
+                <a:latin typeface="Courier New" panose="02070309020205020404" pitchFamily="49" charset="0"/>
+                <a:cs typeface="Courier New" panose="02070309020205020404" pitchFamily="49" charset="0"/>
+              </a:rPr>
+              <a:t>exercise</a:t>
+            </a:r>
+            <a:r>
+              <a:rPr lang="nl-NL" sz="1400" kern="0" dirty="0" smtClean="0">
+                <a:latin typeface="Courier New" panose="02070309020205020404" pitchFamily="49" charset="0"/>
+                <a:cs typeface="Courier New" panose="02070309020205020404" pitchFamily="49" charset="0"/>
+              </a:rPr>
+              <a:t>, </a:t>
+            </a:r>
+            <a:r>
+              <a:rPr lang="nl-NL" sz="1400" kern="0" dirty="0" err="1" smtClean="0">
+                <a:latin typeface="Courier New" panose="02070309020205020404" pitchFamily="49" charset="0"/>
+                <a:cs typeface="Courier New" panose="02070309020205020404" pitchFamily="49" charset="0"/>
+              </a:rPr>
+              <a:t>you</a:t>
+            </a:r>
+            <a:r>
+              <a:rPr lang="nl-NL" sz="1400" kern="0" dirty="0" smtClean="0">
+                <a:latin typeface="Courier New" panose="02070309020205020404" pitchFamily="49" charset="0"/>
+                <a:cs typeface="Courier New" panose="02070309020205020404" pitchFamily="49" charset="0"/>
+              </a:rPr>
+              <a:t> </a:t>
+            </a:r>
+            <a:r>
+              <a:rPr lang="nl-NL" sz="1400" kern="0" dirty="0" err="1" smtClean="0">
+                <a:latin typeface="Courier New" panose="02070309020205020404" pitchFamily="49" charset="0"/>
+                <a:cs typeface="Courier New" panose="02070309020205020404" pitchFamily="49" charset="0"/>
+              </a:rPr>
+              <a:t>will</a:t>
+            </a:r>
+            <a:r>
+              <a:rPr lang="nl-NL" sz="1400" kern="0" dirty="0" smtClean="0">
+                <a:latin typeface="Courier New" panose="02070309020205020404" pitchFamily="49" charset="0"/>
+                <a:cs typeface="Courier New" panose="02070309020205020404" pitchFamily="49" charset="0"/>
+              </a:rPr>
+              <a:t> </a:t>
+            </a:r>
+            <a:r>
+              <a:rPr lang="nl-NL" sz="1400" kern="0" dirty="0" err="1" smtClean="0">
+                <a:latin typeface="Courier New" panose="02070309020205020404" pitchFamily="49" charset="0"/>
+                <a:cs typeface="Courier New" panose="02070309020205020404" pitchFamily="49" charset="0"/>
+              </a:rPr>
+              <a:t>explore</a:t>
+            </a:r>
+            <a:r>
+              <a:rPr lang="nl-NL" sz="1400" kern="0" dirty="0" smtClean="0">
+                <a:latin typeface="Courier New" panose="02070309020205020404" pitchFamily="49" charset="0"/>
+                <a:cs typeface="Courier New" panose="02070309020205020404" pitchFamily="49" charset="0"/>
+              </a:rPr>
+              <a:t> the logic of clustering </a:t>
+            </a:r>
+            <a:r>
+              <a:rPr lang="nl-NL" sz="1400" kern="0" dirty="0" err="1" smtClean="0">
+                <a:latin typeface="Courier New" panose="02070309020205020404" pitchFamily="49" charset="0"/>
+                <a:cs typeface="Courier New" panose="02070309020205020404" pitchFamily="49" charset="0"/>
+              </a:rPr>
+              <a:t>using</a:t>
+            </a:r>
+            <a:r>
+              <a:rPr lang="nl-NL" sz="1400" kern="0" dirty="0" smtClean="0">
+                <a:latin typeface="Courier New" panose="02070309020205020404" pitchFamily="49" charset="0"/>
+                <a:cs typeface="Courier New" panose="02070309020205020404" pitchFamily="49" charset="0"/>
+              </a:rPr>
+              <a:t> the </a:t>
+            </a:r>
+            <a:r>
+              <a:rPr lang="nl-NL" sz="1400" kern="0" dirty="0" err="1" smtClean="0">
+                <a:latin typeface="Courier New" panose="02070309020205020404" pitchFamily="49" charset="0"/>
+                <a:cs typeface="Courier New" panose="02070309020205020404" pitchFamily="49" charset="0"/>
+              </a:rPr>
+              <a:t>famous</a:t>
+            </a:r>
+            <a:r>
+              <a:rPr lang="nl-NL" sz="1400" kern="0" dirty="0" smtClean="0">
+                <a:latin typeface="Courier New" panose="02070309020205020404" pitchFamily="49" charset="0"/>
+                <a:cs typeface="Courier New" panose="02070309020205020404" pitchFamily="49" charset="0"/>
+              </a:rPr>
+              <a:t> </a:t>
+            </a:r>
+            <a:r>
+              <a:rPr lang="nl-NL" sz="1400" i="1" kern="0" dirty="0" smtClean="0">
+                <a:latin typeface="Courier New" panose="02070309020205020404" pitchFamily="49" charset="0"/>
+                <a:cs typeface="Courier New" panose="02070309020205020404" pitchFamily="49" charset="0"/>
+              </a:rPr>
+              <a:t>Iris</a:t>
+            </a:r>
+            <a:r>
+              <a:rPr lang="nl-NL" sz="1400" kern="0" dirty="0" smtClean="0">
+                <a:latin typeface="Courier New" panose="02070309020205020404" pitchFamily="49" charset="0"/>
+                <a:cs typeface="Courier New" panose="02070309020205020404" pitchFamily="49" charset="0"/>
+              </a:rPr>
+              <a:t> data set. See the </a:t>
+            </a:r>
+            <a:r>
+              <a:rPr lang="nl-NL" sz="1400" kern="0" dirty="0" err="1" smtClean="0">
+                <a:latin typeface="Courier New" panose="02070309020205020404" pitchFamily="49" charset="0"/>
+                <a:cs typeface="Courier New" panose="02070309020205020404" pitchFamily="49" charset="0"/>
+              </a:rPr>
+              <a:t>Exercise</a:t>
+            </a:r>
+            <a:r>
+              <a:rPr lang="nl-NL" sz="1400" kern="0" dirty="0" smtClean="0">
+                <a:latin typeface="Courier New" panose="02070309020205020404" pitchFamily="49" charset="0"/>
+                <a:cs typeface="Courier New" panose="02070309020205020404" pitchFamily="49" charset="0"/>
+              </a:rPr>
+              <a:t> folder for the data set (</a:t>
+            </a:r>
+            <a:r>
+              <a:rPr lang="nl-NL" sz="1400" i="1" kern="0" dirty="0" smtClean="0">
+                <a:latin typeface="Courier New" panose="02070309020205020404" pitchFamily="49" charset="0"/>
+                <a:cs typeface="Courier New" panose="02070309020205020404" pitchFamily="49" charset="0"/>
+              </a:rPr>
+              <a:t>iris.csv</a:t>
+            </a:r>
+            <a:r>
+              <a:rPr lang="nl-NL" sz="1400" kern="0" dirty="0" smtClean="0">
+                <a:latin typeface="Courier New" panose="02070309020205020404" pitchFamily="49" charset="0"/>
+                <a:cs typeface="Courier New" panose="02070309020205020404" pitchFamily="49" charset="0"/>
+              </a:rPr>
+              <a:t>), </a:t>
+            </a:r>
+            <a:r>
+              <a:rPr lang="nl-NL" sz="1400" kern="0" dirty="0" err="1" smtClean="0">
+                <a:latin typeface="Courier New" panose="02070309020205020404" pitchFamily="49" charset="0"/>
+                <a:cs typeface="Courier New" panose="02070309020205020404" pitchFamily="49" charset="0"/>
+              </a:rPr>
+              <a:t>and</a:t>
+            </a:r>
+            <a:r>
+              <a:rPr lang="nl-NL" sz="1400" kern="0" dirty="0" smtClean="0">
+                <a:latin typeface="Courier New" panose="02070309020205020404" pitchFamily="49" charset="0"/>
+                <a:cs typeface="Courier New" panose="02070309020205020404" pitchFamily="49" charset="0"/>
+              </a:rPr>
+              <a:t> the Notebook </a:t>
+            </a:r>
+            <a:r>
+              <a:rPr lang="nl-NL" sz="1400" i="1" kern="0" dirty="0" smtClean="0">
+                <a:latin typeface="Courier New" panose="02070309020205020404" pitchFamily="49" charset="0"/>
+                <a:cs typeface="Courier New" panose="02070309020205020404" pitchFamily="49" charset="0"/>
+              </a:rPr>
+              <a:t>k-means </a:t>
+            </a:r>
+            <a:r>
+              <a:rPr lang="nl-NL" sz="1400" kern="0" dirty="0" smtClean="0">
+                <a:latin typeface="Courier New" panose="02070309020205020404" pitchFamily="49" charset="0"/>
+                <a:cs typeface="Courier New" panose="02070309020205020404" pitchFamily="49" charset="0"/>
+              </a:rPr>
+              <a:t>in the </a:t>
+            </a:r>
+            <a:r>
+              <a:rPr lang="nl-NL" sz="1400" kern="0" dirty="0" err="1" smtClean="0">
+                <a:latin typeface="Courier New" panose="02070309020205020404" pitchFamily="49" charset="0"/>
+                <a:cs typeface="Courier New" panose="02070309020205020404" pitchFamily="49" charset="0"/>
+              </a:rPr>
+              <a:t>Examples</a:t>
+            </a:r>
+            <a:r>
+              <a:rPr lang="nl-NL" sz="1400" kern="0" dirty="0" smtClean="0">
+                <a:latin typeface="Courier New" panose="02070309020205020404" pitchFamily="49" charset="0"/>
+                <a:cs typeface="Courier New" panose="02070309020205020404" pitchFamily="49" charset="0"/>
+              </a:rPr>
+              <a:t> folder. </a:t>
+            </a:r>
+            <a:endParaRPr lang="nl-NL" sz="1400" kern="0" dirty="0">
+              <a:latin typeface="Courier New" panose="02070309020205020404" pitchFamily="49" charset="0"/>
+              <a:cs typeface="Courier New" panose="02070309020205020404" pitchFamily="49" charset="0"/>
+            </a:endParaRPr>
+          </a:p>
+          <a:p>
+            <a:pPr>
+              <a:buFont typeface="+mj-lt"/>
+              <a:buAutoNum type="arabicPeriod"/>
+            </a:pPr>
+            <a:endParaRPr lang="nl-NL" sz="1400" kern="0" dirty="0" smtClean="0">
+              <a:latin typeface="Courier New" panose="02070309020205020404" pitchFamily="49" charset="0"/>
+              <a:cs typeface="Courier New" panose="02070309020205020404" pitchFamily="49" charset="0"/>
+            </a:endParaRPr>
+          </a:p>
+          <a:p>
+            <a:pPr>
+              <a:buFont typeface="+mj-lt"/>
+              <a:buAutoNum type="arabicPeriod"/>
+            </a:pPr>
+            <a:r>
+              <a:rPr lang="nl-NL" sz="1400" kern="0" dirty="0" smtClean="0">
+                <a:latin typeface="Courier New" panose="02070309020205020404" pitchFamily="49" charset="0"/>
+                <a:cs typeface="Courier New" panose="02070309020205020404" pitchFamily="49" charset="0"/>
+              </a:rPr>
+              <a:t>Read in the </a:t>
+            </a:r>
+            <a:r>
+              <a:rPr lang="nl-NL" sz="1400" kern="0" dirty="0" err="1" smtClean="0">
+                <a:latin typeface="Courier New" panose="02070309020205020404" pitchFamily="49" charset="0"/>
+                <a:cs typeface="Courier New" panose="02070309020205020404" pitchFamily="49" charset="0"/>
+              </a:rPr>
+              <a:t>csv</a:t>
+            </a:r>
+            <a:r>
+              <a:rPr lang="nl-NL" sz="1400" kern="0" dirty="0" smtClean="0">
+                <a:latin typeface="Courier New" panose="02070309020205020404" pitchFamily="49" charset="0"/>
+                <a:cs typeface="Courier New" panose="02070309020205020404" pitchFamily="49" charset="0"/>
+              </a:rPr>
+              <a:t> file.</a:t>
+            </a:r>
+          </a:p>
+          <a:p>
+            <a:pPr>
+              <a:buFont typeface="+mj-lt"/>
+              <a:buAutoNum type="arabicPeriod"/>
+            </a:pPr>
+            <a:endParaRPr lang="nl-NL" sz="1400" kern="0" dirty="0">
+              <a:latin typeface="Courier New" panose="02070309020205020404" pitchFamily="49" charset="0"/>
+              <a:cs typeface="Courier New" panose="02070309020205020404" pitchFamily="49" charset="0"/>
+            </a:endParaRPr>
+          </a:p>
+          <a:p>
+            <a:pPr>
+              <a:buFont typeface="+mj-lt"/>
+              <a:buAutoNum type="arabicPeriod"/>
+            </a:pPr>
+            <a:r>
+              <a:rPr lang="nl-NL" sz="1400" kern="0" dirty="0" smtClean="0">
+                <a:latin typeface="Courier New" panose="02070309020205020404" pitchFamily="49" charset="0"/>
+                <a:cs typeface="Courier New" panose="02070309020205020404" pitchFamily="49" charset="0"/>
+              </a:rPr>
+              <a:t>Using a Seaborn </a:t>
+            </a:r>
+            <a:r>
+              <a:rPr lang="nl-NL" sz="1400" kern="0" dirty="0" err="1" smtClean="0">
+                <a:latin typeface="Courier New" panose="02070309020205020404" pitchFamily="49" charset="0"/>
+                <a:cs typeface="Courier New" panose="02070309020205020404" pitchFamily="49" charset="0"/>
+              </a:rPr>
+              <a:t>scatterplot</a:t>
+            </a:r>
+            <a:r>
+              <a:rPr lang="nl-NL" sz="1400" kern="0" dirty="0" smtClean="0">
+                <a:latin typeface="Courier New" panose="02070309020205020404" pitchFamily="49" charset="0"/>
+                <a:cs typeface="Courier New" panose="02070309020205020404" pitchFamily="49" charset="0"/>
+              </a:rPr>
+              <a:t>, plot the </a:t>
+            </a:r>
+            <a:r>
+              <a:rPr lang="nl-NL" sz="1400" i="1" kern="0" dirty="0" smtClean="0">
+                <a:latin typeface="Courier New" panose="02070309020205020404" pitchFamily="49" charset="0"/>
+                <a:cs typeface="Courier New" panose="02070309020205020404" pitchFamily="49" charset="0"/>
+              </a:rPr>
+              <a:t>Iris </a:t>
+            </a:r>
+            <a:r>
+              <a:rPr lang="nl-NL" sz="1400" kern="0" dirty="0" smtClean="0">
+                <a:latin typeface="Courier New" panose="02070309020205020404" pitchFamily="49" charset="0"/>
+                <a:cs typeface="Courier New" panose="02070309020205020404" pitchFamily="49" charset="0"/>
+              </a:rPr>
+              <a:t>data set </a:t>
+            </a:r>
+            <a:r>
+              <a:rPr lang="nl-NL" sz="1400" kern="0" dirty="0" err="1" smtClean="0">
+                <a:latin typeface="Courier New" panose="02070309020205020404" pitchFamily="49" charset="0"/>
+                <a:cs typeface="Courier New" panose="02070309020205020404" pitchFamily="49" charset="0"/>
+              </a:rPr>
+              <a:t>with</a:t>
+            </a:r>
+            <a:r>
+              <a:rPr lang="nl-NL" sz="1400" kern="0" dirty="0" smtClean="0">
+                <a:latin typeface="Courier New" panose="02070309020205020404" pitchFamily="49" charset="0"/>
+                <a:cs typeface="Courier New" panose="02070309020205020404" pitchFamily="49" charset="0"/>
+              </a:rPr>
+              <a:t> </a:t>
+            </a:r>
+            <a:r>
+              <a:rPr lang="nl-NL" sz="1400" kern="0" dirty="0" err="1" smtClean="0">
+                <a:latin typeface="Courier New" panose="02070309020205020404" pitchFamily="49" charset="0"/>
+                <a:cs typeface="Courier New" panose="02070309020205020404" pitchFamily="49" charset="0"/>
+              </a:rPr>
+              <a:t>petal</a:t>
+            </a:r>
+            <a:r>
+              <a:rPr lang="nl-NL" sz="1400" kern="0" dirty="0" smtClean="0">
+                <a:latin typeface="Courier New" panose="02070309020205020404" pitchFamily="49" charset="0"/>
+                <a:cs typeface="Courier New" panose="02070309020205020404" pitchFamily="49" charset="0"/>
+              </a:rPr>
+              <a:t> </a:t>
+            </a:r>
+            <a:r>
+              <a:rPr lang="nl-NL" sz="1400" kern="0" dirty="0" err="1" smtClean="0">
+                <a:latin typeface="Courier New" panose="02070309020205020404" pitchFamily="49" charset="0"/>
+                <a:cs typeface="Courier New" panose="02070309020205020404" pitchFamily="49" charset="0"/>
+              </a:rPr>
+              <a:t>length</a:t>
+            </a:r>
+            <a:r>
+              <a:rPr lang="nl-NL" sz="1400" kern="0" dirty="0" smtClean="0">
+                <a:latin typeface="Courier New" panose="02070309020205020404" pitchFamily="49" charset="0"/>
+                <a:cs typeface="Courier New" panose="02070309020205020404" pitchFamily="49" charset="0"/>
+              </a:rPr>
+              <a:t> on the x-</a:t>
+            </a:r>
+            <a:r>
+              <a:rPr lang="nl-NL" sz="1400" kern="0" dirty="0" err="1" smtClean="0">
+                <a:latin typeface="Courier New" panose="02070309020205020404" pitchFamily="49" charset="0"/>
+                <a:cs typeface="Courier New" panose="02070309020205020404" pitchFamily="49" charset="0"/>
+              </a:rPr>
+              <a:t>axis</a:t>
+            </a:r>
+            <a:r>
+              <a:rPr lang="nl-NL" sz="1400" kern="0" dirty="0" smtClean="0">
+                <a:latin typeface="Courier New" panose="02070309020205020404" pitchFamily="49" charset="0"/>
+                <a:cs typeface="Courier New" panose="02070309020205020404" pitchFamily="49" charset="0"/>
+              </a:rPr>
+              <a:t> </a:t>
+            </a:r>
+            <a:r>
+              <a:rPr lang="nl-NL" sz="1400" kern="0" dirty="0" err="1" smtClean="0">
+                <a:latin typeface="Courier New" panose="02070309020205020404" pitchFamily="49" charset="0"/>
+                <a:cs typeface="Courier New" panose="02070309020205020404" pitchFamily="49" charset="0"/>
+              </a:rPr>
+              <a:t>and</a:t>
+            </a:r>
+            <a:r>
+              <a:rPr lang="nl-NL" sz="1400" kern="0" dirty="0" smtClean="0">
+                <a:latin typeface="Courier New" panose="02070309020205020404" pitchFamily="49" charset="0"/>
+                <a:cs typeface="Courier New" panose="02070309020205020404" pitchFamily="49" charset="0"/>
+              </a:rPr>
+              <a:t> </a:t>
+            </a:r>
+            <a:r>
+              <a:rPr lang="nl-NL" sz="1400" kern="0" dirty="0" err="1" smtClean="0">
+                <a:latin typeface="Courier New" panose="02070309020205020404" pitchFamily="49" charset="0"/>
+                <a:cs typeface="Courier New" panose="02070309020205020404" pitchFamily="49" charset="0"/>
+              </a:rPr>
+              <a:t>sepal</a:t>
+            </a:r>
+            <a:r>
+              <a:rPr lang="nl-NL" sz="1400" kern="0" dirty="0" smtClean="0">
+                <a:latin typeface="Courier New" panose="02070309020205020404" pitchFamily="49" charset="0"/>
+                <a:cs typeface="Courier New" panose="02070309020205020404" pitchFamily="49" charset="0"/>
+              </a:rPr>
+              <a:t> </a:t>
+            </a:r>
+            <a:r>
+              <a:rPr lang="nl-NL" sz="1400" kern="0" dirty="0" err="1" smtClean="0">
+                <a:latin typeface="Courier New" panose="02070309020205020404" pitchFamily="49" charset="0"/>
+                <a:cs typeface="Courier New" panose="02070309020205020404" pitchFamily="49" charset="0"/>
+              </a:rPr>
+              <a:t>length</a:t>
+            </a:r>
+            <a:r>
+              <a:rPr lang="nl-NL" sz="1400" kern="0" dirty="0" smtClean="0">
+                <a:latin typeface="Courier New" panose="02070309020205020404" pitchFamily="49" charset="0"/>
+                <a:cs typeface="Courier New" panose="02070309020205020404" pitchFamily="49" charset="0"/>
+              </a:rPr>
+              <a:t> on the y-</a:t>
+            </a:r>
+            <a:r>
+              <a:rPr lang="nl-NL" sz="1400" kern="0" dirty="0" err="1" smtClean="0">
+                <a:latin typeface="Courier New" panose="02070309020205020404" pitchFamily="49" charset="0"/>
+                <a:cs typeface="Courier New" panose="02070309020205020404" pitchFamily="49" charset="0"/>
+              </a:rPr>
+              <a:t>axis</a:t>
+            </a:r>
+            <a:r>
+              <a:rPr lang="nl-NL" sz="1400" kern="0" dirty="0" smtClean="0">
+                <a:latin typeface="Courier New" panose="02070309020205020404" pitchFamily="49" charset="0"/>
+                <a:cs typeface="Courier New" panose="02070309020205020404" pitchFamily="49" charset="0"/>
+              </a:rPr>
+              <a:t>. Plot the different Iris species </a:t>
+            </a:r>
+            <a:r>
+              <a:rPr lang="nl-NL" sz="1400" kern="0" dirty="0" err="1" smtClean="0">
+                <a:latin typeface="Courier New" panose="02070309020205020404" pitchFamily="49" charset="0"/>
+                <a:cs typeface="Courier New" panose="02070309020205020404" pitchFamily="49" charset="0"/>
+              </a:rPr>
+              <a:t>with</a:t>
+            </a:r>
+            <a:r>
+              <a:rPr lang="nl-NL" sz="1400" kern="0" dirty="0" smtClean="0">
+                <a:latin typeface="Courier New" panose="02070309020205020404" pitchFamily="49" charset="0"/>
+                <a:cs typeface="Courier New" panose="02070309020205020404" pitchFamily="49" charset="0"/>
+              </a:rPr>
+              <a:t> a different </a:t>
+            </a:r>
+            <a:r>
+              <a:rPr lang="nl-NL" sz="1400" kern="0" dirty="0" err="1" smtClean="0">
+                <a:latin typeface="Courier New" panose="02070309020205020404" pitchFamily="49" charset="0"/>
+                <a:cs typeface="Courier New" panose="02070309020205020404" pitchFamily="49" charset="0"/>
+              </a:rPr>
+              <a:t>symbol</a:t>
+            </a:r>
+            <a:r>
+              <a:rPr lang="nl-NL" sz="1400" kern="0" dirty="0" smtClean="0">
+                <a:latin typeface="Courier New" panose="02070309020205020404" pitchFamily="49" charset="0"/>
+                <a:cs typeface="Courier New" panose="02070309020205020404" pitchFamily="49" charset="0"/>
+              </a:rPr>
+              <a:t> (</a:t>
+            </a:r>
+            <a:r>
+              <a:rPr lang="nl-NL" sz="1400" b="1" kern="0" dirty="0" err="1" smtClean="0">
+                <a:latin typeface="Courier New" panose="02070309020205020404" pitchFamily="49" charset="0"/>
+                <a:cs typeface="Courier New" panose="02070309020205020404" pitchFamily="49" charset="0"/>
+              </a:rPr>
+              <a:t>see</a:t>
+            </a:r>
+            <a:r>
+              <a:rPr lang="nl-NL" sz="1400" b="1" kern="0" dirty="0" smtClean="0">
+                <a:latin typeface="Courier New" panose="02070309020205020404" pitchFamily="49" charset="0"/>
+                <a:cs typeface="Courier New" panose="02070309020205020404" pitchFamily="49" charset="0"/>
+              </a:rPr>
+              <a:t> the Seaborn documentation</a:t>
+            </a:r>
+            <a:r>
+              <a:rPr lang="nl-NL" sz="1400" kern="0" dirty="0" smtClean="0">
+                <a:latin typeface="Courier New" panose="02070309020205020404" pitchFamily="49" charset="0"/>
+                <a:cs typeface="Courier New" panose="02070309020205020404" pitchFamily="49" charset="0"/>
+              </a:rPr>
+              <a:t>). </a:t>
+            </a:r>
+          </a:p>
+          <a:p>
+            <a:pPr>
+              <a:buFont typeface="+mj-lt"/>
+              <a:buAutoNum type="arabicPeriod"/>
+            </a:pPr>
+            <a:endParaRPr lang="nl-NL" sz="1400" kern="0" dirty="0">
+              <a:latin typeface="Courier New" panose="02070309020205020404" pitchFamily="49" charset="0"/>
+              <a:cs typeface="Courier New" panose="02070309020205020404" pitchFamily="49" charset="0"/>
+            </a:endParaRPr>
+          </a:p>
+          <a:p>
+            <a:pPr>
+              <a:buFont typeface="+mj-lt"/>
+              <a:buAutoNum type="arabicPeriod"/>
+            </a:pPr>
+            <a:r>
+              <a:rPr lang="nl-NL" sz="1400" kern="0" dirty="0" err="1" smtClean="0">
+                <a:latin typeface="Courier New" panose="02070309020205020404" pitchFamily="49" charset="0"/>
+                <a:cs typeface="Courier New" panose="02070309020205020404" pitchFamily="49" charset="0"/>
+              </a:rPr>
+              <a:t>What</a:t>
+            </a:r>
+            <a:r>
+              <a:rPr lang="nl-NL" sz="1400" kern="0" dirty="0" smtClean="0">
+                <a:latin typeface="Courier New" panose="02070309020205020404" pitchFamily="49" charset="0"/>
+                <a:cs typeface="Courier New" panose="02070309020205020404" pitchFamily="49" charset="0"/>
+              </a:rPr>
+              <a:t> </a:t>
+            </a:r>
+            <a:r>
+              <a:rPr lang="nl-NL" sz="1400" kern="0" dirty="0" err="1" smtClean="0">
+                <a:latin typeface="Courier New" panose="02070309020205020404" pitchFamily="49" charset="0"/>
+                <a:cs typeface="Courier New" panose="02070309020205020404" pitchFamily="49" charset="0"/>
+              </a:rPr>
+              <a:t>possible</a:t>
+            </a:r>
+            <a:r>
+              <a:rPr lang="nl-NL" sz="1400" kern="0" dirty="0" smtClean="0">
+                <a:latin typeface="Courier New" panose="02070309020205020404" pitchFamily="49" charset="0"/>
+                <a:cs typeface="Courier New" panose="02070309020205020404" pitchFamily="49" charset="0"/>
+              </a:rPr>
+              <a:t> clusters do </a:t>
+            </a:r>
+            <a:r>
+              <a:rPr lang="nl-NL" sz="1400" kern="0" dirty="0" err="1" smtClean="0">
+                <a:latin typeface="Courier New" panose="02070309020205020404" pitchFamily="49" charset="0"/>
+                <a:cs typeface="Courier New" panose="02070309020205020404" pitchFamily="49" charset="0"/>
+              </a:rPr>
+              <a:t>you</a:t>
+            </a:r>
+            <a:r>
+              <a:rPr lang="nl-NL" sz="1400" kern="0" dirty="0" smtClean="0">
+                <a:latin typeface="Courier New" panose="02070309020205020404" pitchFamily="49" charset="0"/>
+                <a:cs typeface="Courier New" panose="02070309020205020404" pitchFamily="49" charset="0"/>
+              </a:rPr>
+              <a:t> </a:t>
+            </a:r>
+            <a:r>
+              <a:rPr lang="nl-NL" sz="1400" kern="0" dirty="0" err="1" smtClean="0">
+                <a:latin typeface="Courier New" panose="02070309020205020404" pitchFamily="49" charset="0"/>
+                <a:cs typeface="Courier New" panose="02070309020205020404" pitchFamily="49" charset="0"/>
+              </a:rPr>
+              <a:t>see</a:t>
+            </a:r>
+            <a:r>
+              <a:rPr lang="nl-NL" sz="1400" kern="0" dirty="0" smtClean="0">
+                <a:latin typeface="Courier New" panose="02070309020205020404" pitchFamily="49" charset="0"/>
+                <a:cs typeface="Courier New" panose="02070309020205020404" pitchFamily="49" charset="0"/>
+              </a:rPr>
+              <a:t> </a:t>
+            </a:r>
+            <a:r>
+              <a:rPr lang="nl-NL" sz="1400" kern="0" dirty="0" err="1" smtClean="0">
+                <a:latin typeface="Courier New" panose="02070309020205020404" pitchFamily="49" charset="0"/>
+                <a:cs typeface="Courier New" panose="02070309020205020404" pitchFamily="49" charset="0"/>
+              </a:rPr>
+              <a:t>with</a:t>
+            </a:r>
+            <a:r>
+              <a:rPr lang="nl-NL" sz="1400" kern="0" dirty="0" smtClean="0">
+                <a:latin typeface="Courier New" panose="02070309020205020404" pitchFamily="49" charset="0"/>
+                <a:cs typeface="Courier New" panose="02070309020205020404" pitchFamily="49" charset="0"/>
+              </a:rPr>
+              <a:t> the </a:t>
+            </a:r>
+            <a:r>
+              <a:rPr lang="nl-NL" sz="1400" kern="0" dirty="0" err="1" smtClean="0">
+                <a:latin typeface="Courier New" panose="02070309020205020404" pitchFamily="49" charset="0"/>
+                <a:cs typeface="Courier New" panose="02070309020205020404" pitchFamily="49" charset="0"/>
+              </a:rPr>
+              <a:t>naked</a:t>
+            </a:r>
+            <a:r>
+              <a:rPr lang="nl-NL" sz="1400" kern="0" dirty="0" smtClean="0">
+                <a:latin typeface="Courier New" panose="02070309020205020404" pitchFamily="49" charset="0"/>
+                <a:cs typeface="Courier New" panose="02070309020205020404" pitchFamily="49" charset="0"/>
+              </a:rPr>
+              <a:t> </a:t>
+            </a:r>
+            <a:r>
+              <a:rPr lang="nl-NL" sz="1400" kern="0" dirty="0" err="1" smtClean="0">
+                <a:latin typeface="Courier New" panose="02070309020205020404" pitchFamily="49" charset="0"/>
+                <a:cs typeface="Courier New" panose="02070309020205020404" pitchFamily="49" charset="0"/>
+              </a:rPr>
+              <a:t>eye</a:t>
+            </a:r>
+            <a:r>
+              <a:rPr lang="nl-NL" sz="1400" kern="0" dirty="0" smtClean="0">
+                <a:latin typeface="Courier New" panose="02070309020205020404" pitchFamily="49" charset="0"/>
+                <a:cs typeface="Courier New" panose="02070309020205020404" pitchFamily="49" charset="0"/>
+              </a:rPr>
+              <a:t>? How do </a:t>
+            </a:r>
+            <a:r>
+              <a:rPr lang="nl-NL" sz="1400" kern="0" dirty="0" err="1" smtClean="0">
+                <a:latin typeface="Courier New" panose="02070309020205020404" pitchFamily="49" charset="0"/>
+                <a:cs typeface="Courier New" panose="02070309020205020404" pitchFamily="49" charset="0"/>
+              </a:rPr>
+              <a:t>they</a:t>
+            </a:r>
+            <a:r>
+              <a:rPr lang="nl-NL" sz="1400" kern="0" dirty="0" smtClean="0">
+                <a:latin typeface="Courier New" panose="02070309020205020404" pitchFamily="49" charset="0"/>
+                <a:cs typeface="Courier New" panose="02070309020205020404" pitchFamily="49" charset="0"/>
+              </a:rPr>
+              <a:t> </a:t>
+            </a:r>
+            <a:r>
+              <a:rPr lang="nl-NL" sz="1400" kern="0" dirty="0" err="1" smtClean="0">
+                <a:latin typeface="Courier New" panose="02070309020205020404" pitchFamily="49" charset="0"/>
+                <a:cs typeface="Courier New" panose="02070309020205020404" pitchFamily="49" charset="0"/>
+              </a:rPr>
+              <a:t>relate</a:t>
+            </a:r>
+            <a:r>
+              <a:rPr lang="nl-NL" sz="1400" kern="0" dirty="0" smtClean="0">
+                <a:latin typeface="Courier New" panose="02070309020205020404" pitchFamily="49" charset="0"/>
+                <a:cs typeface="Courier New" panose="02070309020205020404" pitchFamily="49" charset="0"/>
+              </a:rPr>
+              <a:t> </a:t>
+            </a:r>
+            <a:r>
+              <a:rPr lang="nl-NL" sz="1400" kern="0" dirty="0" err="1" smtClean="0">
+                <a:latin typeface="Courier New" panose="02070309020205020404" pitchFamily="49" charset="0"/>
+                <a:cs typeface="Courier New" panose="02070309020205020404" pitchFamily="49" charset="0"/>
+              </a:rPr>
+              <a:t>to</a:t>
+            </a:r>
+            <a:r>
+              <a:rPr lang="nl-NL" sz="1400" kern="0" dirty="0" smtClean="0">
+                <a:latin typeface="Courier New" panose="02070309020205020404" pitchFamily="49" charset="0"/>
+                <a:cs typeface="Courier New" panose="02070309020205020404" pitchFamily="49" charset="0"/>
+              </a:rPr>
+              <a:t> the </a:t>
+            </a:r>
+            <a:r>
+              <a:rPr lang="nl-NL" sz="1400" kern="0" dirty="0" err="1" smtClean="0">
+                <a:latin typeface="Courier New" panose="02070309020205020404" pitchFamily="49" charset="0"/>
+                <a:cs typeface="Courier New" panose="02070309020205020404" pitchFamily="49" charset="0"/>
+              </a:rPr>
+              <a:t>three</a:t>
+            </a:r>
+            <a:r>
+              <a:rPr lang="nl-NL" sz="1400" kern="0" dirty="0" smtClean="0">
+                <a:latin typeface="Courier New" panose="02070309020205020404" pitchFamily="49" charset="0"/>
+                <a:cs typeface="Courier New" panose="02070309020205020404" pitchFamily="49" charset="0"/>
+              </a:rPr>
+              <a:t> species?</a:t>
+            </a:r>
+          </a:p>
+          <a:p>
+            <a:pPr>
+              <a:buFont typeface="+mj-lt"/>
+              <a:buAutoNum type="arabicPeriod"/>
+            </a:pPr>
+            <a:endParaRPr lang="nl-NL" sz="1400" kern="0" dirty="0">
+              <a:latin typeface="Courier New" panose="02070309020205020404" pitchFamily="49" charset="0"/>
+              <a:cs typeface="Courier New" panose="02070309020205020404" pitchFamily="49" charset="0"/>
+            </a:endParaRPr>
+          </a:p>
+          <a:p>
+            <a:pPr>
+              <a:buFont typeface="+mj-lt"/>
+              <a:buAutoNum type="arabicPeriod"/>
+            </a:pPr>
+            <a:r>
+              <a:rPr lang="nl-NL" sz="1400" kern="0" dirty="0">
+                <a:solidFill>
+                  <a:srgbClr val="C0C0C0"/>
+                </a:solidFill>
+                <a:latin typeface="Courier New" panose="02070309020205020404" pitchFamily="49" charset="0"/>
+                <a:cs typeface="Courier New" panose="02070309020205020404" pitchFamily="49" charset="0"/>
+              </a:rPr>
+              <a:t>Using </a:t>
+            </a:r>
+            <a:r>
+              <a:rPr lang="nl-NL" sz="1400" i="1" kern="0" dirty="0">
+                <a:solidFill>
+                  <a:srgbClr val="C0C0C0"/>
+                </a:solidFill>
+                <a:latin typeface="Courier New" panose="02070309020205020404" pitchFamily="49" charset="0"/>
+                <a:cs typeface="Courier New" panose="02070309020205020404" pitchFamily="49" charset="0"/>
+              </a:rPr>
+              <a:t>k-</a:t>
+            </a:r>
+            <a:r>
+              <a:rPr lang="nl-NL" sz="1400" kern="0" dirty="0">
+                <a:solidFill>
+                  <a:srgbClr val="C0C0C0"/>
+                </a:solidFill>
+                <a:latin typeface="Courier New" panose="02070309020205020404" pitchFamily="49" charset="0"/>
+                <a:cs typeface="Courier New" panose="02070309020205020404" pitchFamily="49" charset="0"/>
+              </a:rPr>
+              <a:t>means clustering </a:t>
+            </a:r>
+            <a:r>
+              <a:rPr lang="nl-NL" sz="1400" kern="0" dirty="0" err="1">
+                <a:solidFill>
+                  <a:srgbClr val="C0C0C0"/>
+                </a:solidFill>
+                <a:latin typeface="Courier New" panose="02070309020205020404" pitchFamily="49" charset="0"/>
+                <a:cs typeface="Courier New" panose="02070309020205020404" pitchFamily="49" charset="0"/>
+              </a:rPr>
+              <a:t>with</a:t>
+            </a:r>
+            <a:r>
+              <a:rPr lang="nl-NL" sz="1400" kern="0" dirty="0">
+                <a:solidFill>
+                  <a:srgbClr val="C0C0C0"/>
+                </a:solidFill>
+                <a:latin typeface="Courier New" panose="02070309020205020404" pitchFamily="49" charset="0"/>
+                <a:cs typeface="Courier New" panose="02070309020205020404" pitchFamily="49" charset="0"/>
+              </a:rPr>
+              <a:t> 3 clusters (</a:t>
+            </a:r>
+            <a:r>
+              <a:rPr lang="nl-NL" sz="1400" kern="0" dirty="0" err="1">
+                <a:solidFill>
+                  <a:srgbClr val="C0C0C0"/>
+                </a:solidFill>
+                <a:latin typeface="Courier New" panose="02070309020205020404" pitchFamily="49" charset="0"/>
+                <a:cs typeface="Courier New" panose="02070309020205020404" pitchFamily="49" charset="0"/>
+              </a:rPr>
+              <a:t>using</a:t>
+            </a:r>
+            <a:r>
+              <a:rPr lang="nl-NL" sz="1400" kern="0" dirty="0">
+                <a:solidFill>
+                  <a:srgbClr val="C0C0C0"/>
+                </a:solidFill>
+                <a:latin typeface="Courier New" panose="02070309020205020404" pitchFamily="49" charset="0"/>
+                <a:cs typeface="Courier New" panose="02070309020205020404" pitchFamily="49" charset="0"/>
+              </a:rPr>
+              <a:t> </a:t>
+            </a:r>
+            <a:r>
+              <a:rPr lang="nl-NL" sz="1400" b="1" kern="0" dirty="0" err="1">
+                <a:solidFill>
+                  <a:srgbClr val="C0C0C0"/>
+                </a:solidFill>
+                <a:latin typeface="Courier New" panose="02070309020205020404" pitchFamily="49" charset="0"/>
+                <a:cs typeface="Courier New" panose="02070309020205020404" pitchFamily="49" charset="0"/>
+              </a:rPr>
               <a:t>only</a:t>
             </a:r>
             <a:r>
-              <a:rPr lang="nl-NL" sz="2400" dirty="0" smtClean="0"/>
+              <a:rPr lang="nl-NL" sz="1400" b="1" kern="0" dirty="0">
+                <a:solidFill>
+                  <a:srgbClr val="C0C0C0"/>
+                </a:solidFill>
+                <a:latin typeface="Courier New" panose="02070309020205020404" pitchFamily="49" charset="0"/>
+                <a:cs typeface="Courier New" panose="02070309020205020404" pitchFamily="49" charset="0"/>
+              </a:rPr>
+              <a:t> </a:t>
+            </a:r>
+            <a:r>
+              <a:rPr lang="nl-NL" sz="1400" kern="0" dirty="0" err="1">
+                <a:solidFill>
+                  <a:srgbClr val="C0C0C0"/>
+                </a:solidFill>
+                <a:latin typeface="Courier New" panose="02070309020205020404" pitchFamily="49" charset="0"/>
+                <a:cs typeface="Courier New" panose="02070309020205020404" pitchFamily="49" charset="0"/>
+              </a:rPr>
+              <a:t>petal</a:t>
+            </a:r>
+            <a:r>
+              <a:rPr lang="nl-NL" sz="1400" kern="0" dirty="0">
+                <a:solidFill>
+                  <a:srgbClr val="C0C0C0"/>
+                </a:solidFill>
+                <a:latin typeface="Courier New" panose="02070309020205020404" pitchFamily="49" charset="0"/>
+                <a:cs typeface="Courier New" panose="02070309020205020404" pitchFamily="49" charset="0"/>
+              </a:rPr>
+              <a:t> </a:t>
+            </a:r>
+            <a:r>
+              <a:rPr lang="nl-NL" sz="1400" kern="0" dirty="0" err="1">
+                <a:solidFill>
+                  <a:srgbClr val="C0C0C0"/>
+                </a:solidFill>
+                <a:latin typeface="Courier New" panose="02070309020205020404" pitchFamily="49" charset="0"/>
+                <a:cs typeface="Courier New" panose="02070309020205020404" pitchFamily="49" charset="0"/>
+              </a:rPr>
+              <a:t>length</a:t>
+            </a:r>
+            <a:r>
+              <a:rPr lang="nl-NL" sz="1400" kern="0" dirty="0">
+                <a:solidFill>
+                  <a:srgbClr val="C0C0C0"/>
+                </a:solidFill>
+                <a:latin typeface="Courier New" panose="02070309020205020404" pitchFamily="49" charset="0"/>
+                <a:cs typeface="Courier New" panose="02070309020205020404" pitchFamily="49" charset="0"/>
+              </a:rPr>
+              <a:t> </a:t>
+            </a:r>
+            <a:r>
+              <a:rPr lang="nl-NL" sz="1400" kern="0" dirty="0" err="1">
+                <a:solidFill>
+                  <a:srgbClr val="C0C0C0"/>
+                </a:solidFill>
+                <a:latin typeface="Courier New" panose="02070309020205020404" pitchFamily="49" charset="0"/>
+                <a:cs typeface="Courier New" panose="02070309020205020404" pitchFamily="49" charset="0"/>
+              </a:rPr>
+              <a:t>and</a:t>
+            </a:r>
+            <a:r>
+              <a:rPr lang="nl-NL" sz="1400" kern="0" dirty="0">
+                <a:solidFill>
+                  <a:srgbClr val="C0C0C0"/>
+                </a:solidFill>
+                <a:latin typeface="Courier New" panose="02070309020205020404" pitchFamily="49" charset="0"/>
+                <a:cs typeface="Courier New" panose="02070309020205020404" pitchFamily="49" charset="0"/>
+              </a:rPr>
+              <a:t> </a:t>
+            </a:r>
+            <a:r>
+              <a:rPr lang="nl-NL" sz="1400" kern="0" dirty="0" err="1">
+                <a:solidFill>
+                  <a:srgbClr val="C0C0C0"/>
+                </a:solidFill>
+                <a:latin typeface="Courier New" panose="02070309020205020404" pitchFamily="49" charset="0"/>
+                <a:cs typeface="Courier New" panose="02070309020205020404" pitchFamily="49" charset="0"/>
+              </a:rPr>
+              <a:t>sepal</a:t>
+            </a:r>
+            <a:r>
+              <a:rPr lang="nl-NL" sz="1400" kern="0" dirty="0">
+                <a:solidFill>
+                  <a:srgbClr val="C0C0C0"/>
+                </a:solidFill>
+                <a:latin typeface="Courier New" panose="02070309020205020404" pitchFamily="49" charset="0"/>
+                <a:cs typeface="Courier New" panose="02070309020205020404" pitchFamily="49" charset="0"/>
+              </a:rPr>
+              <a:t> </a:t>
+            </a:r>
+            <a:r>
+              <a:rPr lang="nl-NL" sz="1400" kern="0" dirty="0" err="1">
+                <a:solidFill>
+                  <a:srgbClr val="C0C0C0"/>
+                </a:solidFill>
+                <a:latin typeface="Courier New" panose="02070309020205020404" pitchFamily="49" charset="0"/>
+                <a:cs typeface="Courier New" panose="02070309020205020404" pitchFamily="49" charset="0"/>
+              </a:rPr>
+              <a:t>length</a:t>
+            </a:r>
+            <a:r>
+              <a:rPr lang="nl-NL" sz="1400" kern="0" dirty="0">
+                <a:solidFill>
+                  <a:srgbClr val="C0C0C0"/>
+                </a:solidFill>
+                <a:latin typeface="Courier New" panose="02070309020205020404" pitchFamily="49" charset="0"/>
+                <a:cs typeface="Courier New" panose="02070309020205020404" pitchFamily="49" charset="0"/>
+              </a:rPr>
+              <a:t> as X variables), </a:t>
+            </a:r>
+            <a:r>
+              <a:rPr lang="nl-NL" sz="1400" kern="0" dirty="0" err="1">
+                <a:solidFill>
+                  <a:srgbClr val="C0C0C0"/>
+                </a:solidFill>
+                <a:latin typeface="Courier New" panose="02070309020205020404" pitchFamily="49" charset="0"/>
+                <a:cs typeface="Courier New" panose="02070309020205020404" pitchFamily="49" charset="0"/>
+              </a:rPr>
+              <a:t>create</a:t>
+            </a:r>
+            <a:r>
+              <a:rPr lang="nl-NL" sz="1400" kern="0" dirty="0">
+                <a:solidFill>
+                  <a:srgbClr val="C0C0C0"/>
+                </a:solidFill>
+                <a:latin typeface="Courier New" panose="02070309020205020404" pitchFamily="49" charset="0"/>
+                <a:cs typeface="Courier New" panose="02070309020205020404" pitchFamily="49" charset="0"/>
+              </a:rPr>
+              <a:t> a new </a:t>
+            </a:r>
+            <a:r>
+              <a:rPr lang="nl-NL" sz="1400" kern="0" dirty="0" err="1">
+                <a:solidFill>
+                  <a:srgbClr val="C0C0C0"/>
+                </a:solidFill>
+                <a:latin typeface="Courier New" panose="02070309020205020404" pitchFamily="49" charset="0"/>
+                <a:cs typeface="Courier New" panose="02070309020205020404" pitchFamily="49" charset="0"/>
+              </a:rPr>
+              <a:t>variable</a:t>
+            </a:r>
+            <a:r>
+              <a:rPr lang="nl-NL" sz="1400" kern="0" dirty="0">
+                <a:solidFill>
+                  <a:srgbClr val="C0C0C0"/>
+                </a:solidFill>
+                <a:latin typeface="Courier New" panose="02070309020205020404" pitchFamily="49" charset="0"/>
+                <a:cs typeface="Courier New" panose="02070309020205020404" pitchFamily="49" charset="0"/>
+              </a:rPr>
+              <a:t> </a:t>
+            </a:r>
+            <a:r>
+              <a:rPr lang="nl-NL" sz="1400" i="1" kern="0" dirty="0">
+                <a:solidFill>
+                  <a:srgbClr val="C0C0C0"/>
+                </a:solidFill>
+                <a:latin typeface="Courier New" panose="02070309020205020404" pitchFamily="49" charset="0"/>
+                <a:cs typeface="Courier New" panose="02070309020205020404" pitchFamily="49" charset="0"/>
+              </a:rPr>
+              <a:t>cluster</a:t>
+            </a:r>
+            <a:r>
+              <a:rPr lang="nl-NL" sz="1400" kern="0" dirty="0">
+                <a:solidFill>
+                  <a:srgbClr val="C0C0C0"/>
+                </a:solidFill>
+                <a:latin typeface="Courier New" panose="02070309020205020404" pitchFamily="49" charset="0"/>
+                <a:cs typeface="Courier New" panose="02070309020205020404" pitchFamily="49" charset="0"/>
+              </a:rPr>
+              <a:t> </a:t>
+            </a:r>
+            <a:r>
+              <a:rPr lang="nl-NL" sz="1400" kern="0" dirty="0" err="1">
+                <a:solidFill>
+                  <a:srgbClr val="C0C0C0"/>
+                </a:solidFill>
+                <a:latin typeface="Courier New" panose="02070309020205020404" pitchFamily="49" charset="0"/>
+                <a:cs typeface="Courier New" panose="02070309020205020404" pitchFamily="49" charset="0"/>
+              </a:rPr>
+              <a:t>and</a:t>
+            </a:r>
+            <a:r>
+              <a:rPr lang="nl-NL" sz="1400" kern="0" dirty="0">
+                <a:solidFill>
+                  <a:srgbClr val="C0C0C0"/>
+                </a:solidFill>
+                <a:latin typeface="Courier New" panose="02070309020205020404" pitchFamily="49" charset="0"/>
+                <a:cs typeface="Courier New" panose="02070309020205020404" pitchFamily="49" charset="0"/>
+              </a:rPr>
+              <a:t> </a:t>
+            </a:r>
+            <a:r>
+              <a:rPr lang="nl-NL" sz="1400" kern="0" dirty="0" err="1">
+                <a:solidFill>
+                  <a:srgbClr val="C0C0C0"/>
+                </a:solidFill>
+                <a:latin typeface="Courier New" panose="02070309020205020404" pitchFamily="49" charset="0"/>
+                <a:cs typeface="Courier New" panose="02070309020205020404" pitchFamily="49" charset="0"/>
+              </a:rPr>
+              <a:t>use</a:t>
+            </a:r>
+            <a:r>
+              <a:rPr lang="nl-NL" sz="1400" kern="0" dirty="0">
+                <a:solidFill>
+                  <a:srgbClr val="C0C0C0"/>
+                </a:solidFill>
+                <a:latin typeface="Courier New" panose="02070309020205020404" pitchFamily="49" charset="0"/>
+                <a:cs typeface="Courier New" panose="02070309020205020404" pitchFamily="49" charset="0"/>
+              </a:rPr>
+              <a:t> this </a:t>
+            </a:r>
+            <a:r>
+              <a:rPr lang="nl-NL" sz="1400" kern="0" dirty="0" err="1">
+                <a:solidFill>
+                  <a:srgbClr val="C0C0C0"/>
+                </a:solidFill>
+                <a:latin typeface="Courier New" panose="02070309020205020404" pitchFamily="49" charset="0"/>
+                <a:cs typeface="Courier New" panose="02070309020205020404" pitchFamily="49" charset="0"/>
+              </a:rPr>
+              <a:t>to</a:t>
+            </a:r>
+            <a:r>
+              <a:rPr lang="nl-NL" sz="1400" kern="0" dirty="0">
+                <a:solidFill>
+                  <a:srgbClr val="C0C0C0"/>
+                </a:solidFill>
+                <a:latin typeface="Courier New" panose="02070309020205020404" pitchFamily="49" charset="0"/>
+                <a:cs typeface="Courier New" panose="02070309020205020404" pitchFamily="49" charset="0"/>
+              </a:rPr>
               <a:t> make </a:t>
             </a:r>
             <a:r>
-              <a:rPr lang="nl-NL" sz="2400" dirty="0" err="1" smtClean="0"/>
-              <a:t>Voronoi</a:t>
-            </a:r>
-            <a:r>
-              <a:rPr lang="nl-NL" sz="2400" dirty="0" smtClean="0"/>
+              <a:rPr lang="nl-NL" sz="1400" kern="0" dirty="0" err="1">
+                <a:solidFill>
+                  <a:srgbClr val="C0C0C0"/>
+                </a:solidFill>
+                <a:latin typeface="Courier New" panose="02070309020205020404" pitchFamily="49" charset="0"/>
+                <a:cs typeface="Courier New" panose="02070309020205020404" pitchFamily="49" charset="0"/>
+              </a:rPr>
+              <a:t>another</a:t>
+            </a:r>
+            <a:r>
+              <a:rPr lang="nl-NL" sz="1400" kern="0" dirty="0">
+                <a:solidFill>
+                  <a:srgbClr val="C0C0C0"/>
+                </a:solidFill>
+                <a:latin typeface="Courier New" panose="02070309020205020404" pitchFamily="49" charset="0"/>
+                <a:cs typeface="Courier New" panose="02070309020205020404" pitchFamily="49" charset="0"/>
+              </a:rPr>
               <a:t> </a:t>
             </a:r>
             <a:r>
-              <a:rPr lang="nl-NL" sz="2400" dirty="0" err="1" smtClean="0"/>
-              <a:t>cells</a:t>
-            </a:r>
-            <a:r>
-              <a:rPr lang="nl-NL" sz="2400" dirty="0" smtClean="0"/>
-              <a:t> (straight </a:t>
-            </a:r>
-            <a:r>
-              <a:rPr lang="nl-NL" sz="2400" dirty="0" err="1" smtClean="0"/>
-              <a:t>lines</a:t>
-            </a:r>
-            <a:r>
-              <a:rPr lang="nl-NL" sz="2400" dirty="0" smtClean="0"/>
-              <a:t>)</a:t>
-            </a:r>
-          </a:p>
-          <a:p>
-            <a:endParaRPr lang="nl-NL" sz="2400" dirty="0"/>
-          </a:p>
-          <a:p>
-            <a:r>
-              <a:rPr lang="nl-NL" sz="2400" dirty="0" err="1" smtClean="0"/>
-              <a:t>Suitable</a:t>
-            </a:r>
-            <a:r>
-              <a:rPr lang="nl-NL" sz="2400" dirty="0" smtClean="0"/>
+              <a:rPr lang="nl-NL" sz="1400" kern="0" dirty="0" err="1">
+                <a:solidFill>
+                  <a:srgbClr val="C0C0C0"/>
+                </a:solidFill>
+                <a:latin typeface="Courier New" panose="02070309020205020404" pitchFamily="49" charset="0"/>
+                <a:cs typeface="Courier New" panose="02070309020205020404" pitchFamily="49" charset="0"/>
+              </a:rPr>
+              <a:t>scatterplot</a:t>
+            </a:r>
+            <a:r>
+              <a:rPr lang="nl-NL" sz="1400" kern="0" dirty="0">
+                <a:solidFill>
+                  <a:srgbClr val="C0C0C0"/>
+                </a:solidFill>
+                <a:latin typeface="Courier New" panose="02070309020205020404" pitchFamily="49" charset="0"/>
+                <a:cs typeface="Courier New" panose="02070309020205020404" pitchFamily="49" charset="0"/>
+              </a:rPr>
+              <a:t>, </a:t>
+            </a:r>
+            <a:r>
+              <a:rPr lang="nl-NL" sz="1400" kern="0" dirty="0" err="1">
+                <a:solidFill>
+                  <a:srgbClr val="C0C0C0"/>
+                </a:solidFill>
+                <a:latin typeface="Courier New" panose="02070309020205020404" pitchFamily="49" charset="0"/>
+                <a:cs typeface="Courier New" panose="02070309020205020404" pitchFamily="49" charset="0"/>
+              </a:rPr>
+              <a:t>using</a:t>
+            </a:r>
+            <a:r>
+              <a:rPr lang="nl-NL" sz="1400" kern="0" dirty="0">
+                <a:solidFill>
+                  <a:srgbClr val="C0C0C0"/>
+                </a:solidFill>
+                <a:latin typeface="Courier New" panose="02070309020205020404" pitchFamily="49" charset="0"/>
+                <a:cs typeface="Courier New" panose="02070309020205020404" pitchFamily="49" charset="0"/>
+              </a:rPr>
               <a:t> </a:t>
             </a:r>
             <a:r>
-              <a:rPr lang="nl-NL" sz="2400" dirty="0" err="1" smtClean="0"/>
+              <a:rPr lang="nl-NL" sz="1400" kern="0" dirty="0" err="1">
+                <a:solidFill>
+                  <a:srgbClr val="C0C0C0"/>
+                </a:solidFill>
+                <a:latin typeface="Courier New" panose="02070309020205020404" pitchFamily="49" charset="0"/>
+                <a:cs typeface="Courier New" panose="02070309020205020404" pitchFamily="49" charset="0"/>
+              </a:rPr>
+              <a:t>color</a:t>
+            </a:r>
+            <a:r>
+              <a:rPr lang="nl-NL" sz="1400" kern="0" dirty="0">
+                <a:solidFill>
+                  <a:srgbClr val="C0C0C0"/>
+                </a:solidFill>
+                <a:latin typeface="Courier New" panose="02070309020205020404" pitchFamily="49" charset="0"/>
+                <a:cs typeface="Courier New" panose="02070309020205020404" pitchFamily="49" charset="0"/>
+              </a:rPr>
+              <a:t> for </a:t>
+            </a:r>
+            <a:r>
+              <a:rPr lang="nl-NL" sz="1400" i="1" kern="0" dirty="0">
+                <a:solidFill>
+                  <a:srgbClr val="C0C0C0"/>
+                </a:solidFill>
+                <a:latin typeface="Courier New" panose="02070309020205020404" pitchFamily="49" charset="0"/>
+                <a:cs typeface="Courier New" panose="02070309020205020404" pitchFamily="49" charset="0"/>
+              </a:rPr>
+              <a:t>cluster</a:t>
+            </a:r>
+            <a:r>
+              <a:rPr lang="nl-NL" sz="1400" kern="0" dirty="0">
+                <a:solidFill>
+                  <a:srgbClr val="C0C0C0"/>
+                </a:solidFill>
+                <a:latin typeface="Courier New" panose="02070309020205020404" pitchFamily="49" charset="0"/>
+                <a:cs typeface="Courier New" panose="02070309020205020404" pitchFamily="49" charset="0"/>
+              </a:rPr>
+              <a:t>.</a:t>
+            </a:r>
+          </a:p>
+          <a:p>
+            <a:pPr>
+              <a:buFont typeface="+mj-lt"/>
+              <a:buAutoNum type="arabicPeriod"/>
+            </a:pPr>
+            <a:endParaRPr lang="nl-NL" sz="1400" kern="0" dirty="0">
+              <a:solidFill>
+                <a:srgbClr val="C0C0C0"/>
+              </a:solidFill>
+              <a:latin typeface="Courier New" panose="02070309020205020404" pitchFamily="49" charset="0"/>
+              <a:cs typeface="Courier New" panose="02070309020205020404" pitchFamily="49" charset="0"/>
+            </a:endParaRPr>
+          </a:p>
+          <a:p>
+            <a:pPr>
+              <a:buFont typeface="+mj-lt"/>
+              <a:buAutoNum type="arabicPeriod"/>
+            </a:pPr>
+            <a:r>
+              <a:rPr lang="nl-NL" sz="1400" kern="0" dirty="0">
+                <a:solidFill>
+                  <a:srgbClr val="C0C0C0"/>
+                </a:solidFill>
+                <a:latin typeface="Courier New" panose="02070309020205020404" pitchFamily="49" charset="0"/>
+                <a:cs typeface="Courier New" panose="02070309020205020404" pitchFamily="49" charset="0"/>
+              </a:rPr>
+              <a:t>How does </a:t>
+            </a:r>
+            <a:r>
+              <a:rPr lang="nl-NL" sz="1400" i="1" kern="0" dirty="0">
+                <a:solidFill>
+                  <a:srgbClr val="C0C0C0"/>
+                </a:solidFill>
+                <a:latin typeface="Courier New" panose="02070309020205020404" pitchFamily="49" charset="0"/>
+                <a:cs typeface="Courier New" panose="02070309020205020404" pitchFamily="49" charset="0"/>
+              </a:rPr>
+              <a:t>k-</a:t>
+            </a:r>
+            <a:r>
+              <a:rPr lang="nl-NL" sz="1400" kern="0" dirty="0">
+                <a:solidFill>
+                  <a:srgbClr val="C0C0C0"/>
+                </a:solidFill>
+                <a:latin typeface="Courier New" panose="02070309020205020404" pitchFamily="49" charset="0"/>
+                <a:cs typeface="Courier New" panose="02070309020205020404" pitchFamily="49" charset="0"/>
+              </a:rPr>
+              <a:t>means </a:t>
+            </a:r>
+            <a:r>
+              <a:rPr lang="nl-NL" sz="1400" kern="0" dirty="0" err="1">
+                <a:solidFill>
+                  <a:srgbClr val="C0C0C0"/>
+                </a:solidFill>
+                <a:latin typeface="Courier New" panose="02070309020205020404" pitchFamily="49" charset="0"/>
+                <a:cs typeface="Courier New" panose="02070309020205020404" pitchFamily="49" charset="0"/>
+              </a:rPr>
+              <a:t>perform</a:t>
+            </a:r>
+            <a:r>
+              <a:rPr lang="nl-NL" sz="1400" kern="0" dirty="0">
+                <a:solidFill>
+                  <a:srgbClr val="C0C0C0"/>
+                </a:solidFill>
+                <a:latin typeface="Courier New" panose="02070309020205020404" pitchFamily="49" charset="0"/>
+                <a:cs typeface="Courier New" panose="02070309020205020404" pitchFamily="49" charset="0"/>
+              </a:rPr>
+              <a:t>?</a:t>
+            </a:r>
+          </a:p>
+          <a:p>
+            <a:pPr>
+              <a:buFont typeface="+mj-lt"/>
+              <a:buAutoNum type="arabicPeriod"/>
+            </a:pPr>
+            <a:endParaRPr lang="nl-NL" sz="1400" kern="0" dirty="0">
+              <a:solidFill>
+                <a:srgbClr val="C0C0C0"/>
+              </a:solidFill>
+              <a:latin typeface="Courier New" panose="02070309020205020404" pitchFamily="49" charset="0"/>
+              <a:cs typeface="Courier New" panose="02070309020205020404" pitchFamily="49" charset="0"/>
+            </a:endParaRPr>
+          </a:p>
+          <a:p>
+            <a:pPr>
+              <a:buFont typeface="+mj-lt"/>
+              <a:buAutoNum type="arabicPeriod"/>
+            </a:pPr>
+            <a:r>
+              <a:rPr lang="nl-NL" sz="1400" kern="0" dirty="0" err="1">
+                <a:solidFill>
+                  <a:srgbClr val="C0C0C0"/>
+                </a:solidFill>
+                <a:latin typeface="Courier New" panose="02070309020205020404" pitchFamily="49" charset="0"/>
+                <a:cs typeface="Courier New" panose="02070309020205020404" pitchFamily="49" charset="0"/>
+              </a:rPr>
+              <a:t>Try</a:t>
+            </a:r>
+            <a:r>
+              <a:rPr lang="nl-NL" sz="1400" kern="0" dirty="0">
+                <a:solidFill>
+                  <a:srgbClr val="C0C0C0"/>
+                </a:solidFill>
+                <a:latin typeface="Courier New" panose="02070309020205020404" pitchFamily="49" charset="0"/>
+                <a:cs typeface="Courier New" panose="02070309020205020404" pitchFamily="49" charset="0"/>
+              </a:rPr>
+              <a:t> out different </a:t>
+            </a:r>
+            <a:r>
+              <a:rPr lang="nl-NL" sz="1400" kern="0" dirty="0" err="1">
+                <a:solidFill>
+                  <a:srgbClr val="C0C0C0"/>
+                </a:solidFill>
+                <a:latin typeface="Courier New" panose="02070309020205020404" pitchFamily="49" charset="0"/>
+                <a:cs typeface="Courier New" panose="02070309020205020404" pitchFamily="49" charset="0"/>
+              </a:rPr>
+              <a:t>numbers</a:t>
+            </a:r>
+            <a:r>
+              <a:rPr lang="nl-NL" sz="1400" kern="0" dirty="0">
+                <a:solidFill>
+                  <a:srgbClr val="C0C0C0"/>
+                </a:solidFill>
+                <a:latin typeface="Courier New" panose="02070309020205020404" pitchFamily="49" charset="0"/>
+                <a:cs typeface="Courier New" panose="02070309020205020404" pitchFamily="49" charset="0"/>
+              </a:rPr>
+              <a:t> of clusters </a:t>
+            </a:r>
+            <a:r>
+              <a:rPr lang="nl-NL" sz="1400" kern="0" dirty="0" err="1">
+                <a:solidFill>
+                  <a:srgbClr val="C0C0C0"/>
+                </a:solidFill>
+                <a:latin typeface="Courier New" panose="02070309020205020404" pitchFamily="49" charset="0"/>
+                <a:cs typeface="Courier New" panose="02070309020205020404" pitchFamily="49" charset="0"/>
+              </a:rPr>
+              <a:t>to</a:t>
+            </a:r>
+            <a:r>
+              <a:rPr lang="nl-NL" sz="1400" kern="0" dirty="0">
+                <a:solidFill>
+                  <a:srgbClr val="C0C0C0"/>
+                </a:solidFill>
+                <a:latin typeface="Courier New" panose="02070309020205020404" pitchFamily="49" charset="0"/>
+                <a:cs typeface="Courier New" panose="02070309020205020404" pitchFamily="49" charset="0"/>
+              </a:rPr>
+              <a:t> </a:t>
+            </a:r>
+            <a:r>
+              <a:rPr lang="nl-NL" sz="1400" kern="0" dirty="0" err="1">
+                <a:solidFill>
+                  <a:srgbClr val="C0C0C0"/>
+                </a:solidFill>
+                <a:latin typeface="Courier New" panose="02070309020205020404" pitchFamily="49" charset="0"/>
+                <a:cs typeface="Courier New" panose="02070309020205020404" pitchFamily="49" charset="0"/>
+              </a:rPr>
+              <a:t>see</a:t>
+            </a:r>
+            <a:r>
+              <a:rPr lang="nl-NL" sz="1400" kern="0" dirty="0">
+                <a:solidFill>
+                  <a:srgbClr val="C0C0C0"/>
+                </a:solidFill>
+                <a:latin typeface="Courier New" panose="02070309020205020404" pitchFamily="49" charset="0"/>
+                <a:cs typeface="Courier New" panose="02070309020205020404" pitchFamily="49" charset="0"/>
+              </a:rPr>
+              <a:t> </a:t>
+            </a:r>
+            <a:r>
+              <a:rPr lang="nl-NL" sz="1400" kern="0" dirty="0" err="1">
+                <a:solidFill>
+                  <a:srgbClr val="C0C0C0"/>
+                </a:solidFill>
+                <a:latin typeface="Courier New" panose="02070309020205020404" pitchFamily="49" charset="0"/>
+                <a:cs typeface="Courier New" panose="02070309020205020404" pitchFamily="49" charset="0"/>
+              </a:rPr>
+              <a:t>what</a:t>
+            </a:r>
+            <a:r>
+              <a:rPr lang="nl-NL" sz="1400" kern="0" dirty="0">
+                <a:solidFill>
+                  <a:srgbClr val="C0C0C0"/>
+                </a:solidFill>
+                <a:latin typeface="Courier New" panose="02070309020205020404" pitchFamily="49" charset="0"/>
+                <a:cs typeface="Courier New" panose="02070309020205020404" pitchFamily="49" charset="0"/>
+              </a:rPr>
+              <a:t> </a:t>
+            </a:r>
+            <a:r>
+              <a:rPr lang="nl-NL" sz="1400" kern="0" dirty="0" err="1">
+                <a:solidFill>
+                  <a:srgbClr val="C0C0C0"/>
+                </a:solidFill>
+                <a:latin typeface="Courier New" panose="02070309020205020404" pitchFamily="49" charset="0"/>
+                <a:cs typeface="Courier New" panose="02070309020205020404" pitchFamily="49" charset="0"/>
+              </a:rPr>
+              <a:t>happens</a:t>
+            </a:r>
+            <a:r>
+              <a:rPr lang="nl-NL" sz="1400" kern="0" dirty="0">
+                <a:solidFill>
+                  <a:srgbClr val="C0C0C0"/>
+                </a:solidFill>
+                <a:latin typeface="Courier New" panose="02070309020205020404" pitchFamily="49" charset="0"/>
+                <a:cs typeface="Courier New" panose="02070309020205020404" pitchFamily="49" charset="0"/>
+              </a:rPr>
+              <a:t>. </a:t>
+            </a:r>
+            <a:r>
+              <a:rPr lang="nl-NL" sz="1400" kern="0" dirty="0" err="1">
+                <a:solidFill>
+                  <a:srgbClr val="C0C0C0"/>
+                </a:solidFill>
+                <a:latin typeface="Courier New" panose="02070309020205020404" pitchFamily="49" charset="0"/>
+                <a:cs typeface="Courier New" panose="02070309020205020404" pitchFamily="49" charset="0"/>
+              </a:rPr>
+              <a:t>What</a:t>
+            </a:r>
+            <a:r>
+              <a:rPr lang="nl-NL" sz="1400" kern="0" dirty="0">
+                <a:solidFill>
+                  <a:srgbClr val="C0C0C0"/>
+                </a:solidFill>
+                <a:latin typeface="Courier New" panose="02070309020205020404" pitchFamily="49" charset="0"/>
+                <a:cs typeface="Courier New" panose="02070309020205020404" pitchFamily="49" charset="0"/>
+              </a:rPr>
+              <a:t> </a:t>
+            </a:r>
+            <a:r>
+              <a:rPr lang="nl-NL" sz="1400" kern="0" dirty="0" err="1">
+                <a:solidFill>
+                  <a:srgbClr val="C0C0C0"/>
+                </a:solidFill>
+                <a:latin typeface="Courier New" panose="02070309020205020404" pitchFamily="49" charset="0"/>
+                <a:cs typeface="Courier New" panose="02070309020205020404" pitchFamily="49" charset="0"/>
+              </a:rPr>
+              <a:t>seems</a:t>
+            </a:r>
+            <a:r>
+              <a:rPr lang="nl-NL" sz="1400" kern="0" dirty="0">
+                <a:solidFill>
+                  <a:srgbClr val="C0C0C0"/>
+                </a:solidFill>
+                <a:latin typeface="Courier New" panose="02070309020205020404" pitchFamily="49" charset="0"/>
+                <a:cs typeface="Courier New" panose="02070309020205020404" pitchFamily="49" charset="0"/>
+              </a:rPr>
+              <a:t> like the ‘</a:t>
+            </a:r>
+            <a:r>
+              <a:rPr lang="nl-NL" sz="1400" kern="0" dirty="0" err="1">
+                <a:solidFill>
+                  <a:srgbClr val="C0C0C0"/>
+                </a:solidFill>
+                <a:latin typeface="Courier New" panose="02070309020205020404" pitchFamily="49" charset="0"/>
+                <a:cs typeface="Courier New" panose="02070309020205020404" pitchFamily="49" charset="0"/>
+              </a:rPr>
+              <a:t>natural</a:t>
+            </a:r>
+            <a:r>
+              <a:rPr lang="nl-NL" sz="1400" kern="0" dirty="0">
+                <a:solidFill>
+                  <a:srgbClr val="C0C0C0"/>
+                </a:solidFill>
+                <a:latin typeface="Courier New" panose="02070309020205020404" pitchFamily="49" charset="0"/>
+                <a:cs typeface="Courier New" panose="02070309020205020404" pitchFamily="49" charset="0"/>
+              </a:rPr>
+              <a:t>’ </a:t>
+            </a:r>
+            <a:r>
+              <a:rPr lang="nl-NL" sz="1400" kern="0" dirty="0" err="1">
+                <a:solidFill>
+                  <a:srgbClr val="C0C0C0"/>
+                </a:solidFill>
+                <a:latin typeface="Courier New" panose="02070309020205020404" pitchFamily="49" charset="0"/>
+                <a:cs typeface="Courier New" panose="02070309020205020404" pitchFamily="49" charset="0"/>
+              </a:rPr>
               <a:t>number</a:t>
             </a:r>
             <a:r>
-              <a:rPr lang="nl-NL" sz="2400" dirty="0" smtClean="0"/>
-              <a:t> of clusters </a:t>
-            </a:r>
-            <a:r>
-              <a:rPr lang="nl-NL" sz="2400" dirty="0" err="1" smtClean="0"/>
-              <a:t>often</a:t>
-            </a:r>
-            <a:r>
-              <a:rPr lang="nl-NL" sz="2400" dirty="0" smtClean="0"/>
-              <a:t> hard </a:t>
-            </a:r>
-            <a:r>
-              <a:rPr lang="nl-NL" sz="2400" dirty="0" err="1" smtClean="0"/>
-              <a:t>to</a:t>
-            </a:r>
-            <a:r>
-              <a:rPr lang="nl-NL" sz="2400" dirty="0" smtClean="0"/>
-              <a:t> </a:t>
-            </a:r>
-            <a:r>
-              <a:rPr lang="nl-NL" sz="2400" dirty="0" err="1" smtClean="0"/>
-              <a:t>determine</a:t>
-            </a:r>
-            <a:r>
-              <a:rPr lang="nl-NL" sz="2400" dirty="0" smtClean="0"/>
-              <a:t> in </a:t>
-            </a:r>
-            <a:r>
-              <a:rPr lang="nl-NL" sz="2400" dirty="0" err="1" smtClean="0"/>
-              <a:t>practice</a:t>
-            </a:r>
-            <a:endParaRPr lang="nl-NL" sz="2400" dirty="0" smtClean="0"/>
-          </a:p>
-          <a:p>
-            <a:endParaRPr lang="nl-NL" sz="2400" dirty="0"/>
-          </a:p>
-          <a:p>
-            <a:endParaRPr lang="nl-NL" sz="2400" dirty="0"/>
+              <a:rPr lang="nl-NL" sz="1400" kern="0" dirty="0">
+                <a:solidFill>
+                  <a:srgbClr val="C0C0C0"/>
+                </a:solidFill>
+                <a:latin typeface="Courier New" panose="02070309020205020404" pitchFamily="49" charset="0"/>
+                <a:cs typeface="Courier New" panose="02070309020205020404" pitchFamily="49" charset="0"/>
+              </a:rPr>
+              <a:t> of clusters for this data set?</a:t>
+            </a:r>
+          </a:p>
+          <a:p>
+            <a:pPr>
+              <a:buFont typeface="+mj-lt"/>
+              <a:buAutoNum type="arabicPeriod"/>
+            </a:pPr>
+            <a:endParaRPr lang="nl-NL" sz="1400" kern="0" dirty="0" smtClean="0">
+              <a:latin typeface="Courier New" panose="02070309020205020404" pitchFamily="49" charset="0"/>
+              <a:cs typeface="Courier New" panose="02070309020205020404" pitchFamily="49" charset="0"/>
+            </a:endParaRPr>
+          </a:p>
+          <a:p>
+            <a:pPr marL="0" indent="0">
+              <a:buFont typeface="Zapf Dingbats" charset="2"/>
+              <a:buNone/>
+            </a:pPr>
+            <a:endParaRPr lang="nl-NL" sz="1400" kern="0" dirty="0">
+              <a:latin typeface="Courier New" panose="02070309020205020404" pitchFamily="49" charset="0"/>
+              <a:cs typeface="Courier New" panose="02070309020205020404" pitchFamily="49" charset="0"/>
+            </a:endParaRPr>
+          </a:p>
+          <a:p>
+            <a:pPr marL="0" indent="0">
+              <a:buFont typeface="Zapf Dingbats" charset="2"/>
+              <a:buNone/>
+            </a:pPr>
+            <a:endParaRPr lang="nl-NL" sz="1400" kern="0" dirty="0" smtClean="0">
+              <a:latin typeface="Courier New" panose="02070309020205020404" pitchFamily="49" charset="0"/>
+              <a:cs typeface="Courier New" panose="02070309020205020404" pitchFamily="49" charset="0"/>
+            </a:endParaRPr>
+          </a:p>
+          <a:p>
+            <a:pPr marL="0" indent="0">
+              <a:buFont typeface="Zapf Dingbats" charset="2"/>
+              <a:buNone/>
+            </a:pPr>
+            <a:endParaRPr lang="nl-NL" sz="1400" kern="0" dirty="0">
+              <a:latin typeface="Courier New" panose="02070309020205020404" pitchFamily="49" charset="0"/>
+              <a:cs typeface="Courier New" panose="02070309020205020404" pitchFamily="49" charset="0"/>
+            </a:endParaRPr>
+          </a:p>
+          <a:p>
+            <a:pPr marL="0" indent="0">
+              <a:buFont typeface="Zapf Dingbats" charset="2"/>
+              <a:buNone/>
+            </a:pPr>
+            <a:endParaRPr lang="nl-NL" sz="1400" kern="0" dirty="0" smtClean="0">
+              <a:latin typeface="Courier New" panose="02070309020205020404" pitchFamily="49" charset="0"/>
+              <a:cs typeface="Courier New" panose="02070309020205020404" pitchFamily="49" charset="0"/>
+            </a:endParaRPr>
           </a:p>
         </p:txBody>
       </p:sp>
     </p:spTree>
     <p:extLst>
       <p:ext uri="{BB962C8B-B14F-4D97-AF65-F5344CB8AC3E}">
-        <p14:creationId xmlns:p14="http://schemas.microsoft.com/office/powerpoint/2010/main" val="1217448092"/>
+        <p14:creationId xmlns:p14="http://schemas.microsoft.com/office/powerpoint/2010/main" val="1748469836"/>
       </p:ext>
     </p:extLst>
   </p:cSld>
@@ -5852,41 +7316,10 @@
             <p:ph type="title"/>
           </p:nvPr>
         </p:nvSpPr>
-        <p:spPr/>
-        <p:txBody>
-          <a:bodyPr/>
-          <a:lstStyle/>
-          <a:p>
-            <a:r>
-              <a:rPr lang="nl-NL" dirty="0" err="1" smtClean="0"/>
-              <a:t>Academic</a:t>
-            </a:r>
-            <a:r>
-              <a:rPr lang="nl-NL" dirty="0" smtClean="0"/>
-              <a:t> poster </a:t>
-            </a:r>
-            <a:r>
-              <a:rPr lang="nl-NL" dirty="0" err="1" smtClean="0"/>
-              <a:t>presentation</a:t>
-            </a:r>
-            <a:endParaRPr lang="nl-NL" dirty="0"/>
-          </a:p>
-        </p:txBody>
-      </p:sp>
-      <p:sp>
-        <p:nvSpPr>
-          <p:cNvPr id="3" name="Tijdelijke aanduiding voor inhoud 2"/>
-          <p:cNvSpPr>
-            <a:spLocks noGrp="1"/>
-          </p:cNvSpPr>
-          <p:nvPr>
-            <p:ph idx="1"/>
-          </p:nvPr>
-        </p:nvSpPr>
         <p:spPr>
           <a:xfrm>
-            <a:off x="755576" y="1628800"/>
-            <a:ext cx="7881938" cy="6186309"/>
+            <a:off x="838200" y="665818"/>
+            <a:ext cx="6326088" cy="523220"/>
           </a:xfrm>
         </p:spPr>
         <p:txBody>
@@ -5894,328 +7327,1792 @@
           <a:lstStyle/>
           <a:p>
             <a:r>
-              <a:rPr lang="nl-NL" sz="2000" dirty="0" smtClean="0"/>
-              <a:t>For </a:t>
-            </a:r>
-            <a:r>
-              <a:rPr lang="nl-NL" sz="2000" dirty="0" err="1" smtClean="0"/>
-              <a:t>us</a:t>
-            </a:r>
-            <a:r>
-              <a:rPr lang="nl-NL" sz="2000" dirty="0" smtClean="0"/>
+              <a:rPr lang="nl-NL" sz="2800" dirty="0" err="1" smtClean="0"/>
+              <a:t>Exercise</a:t>
+            </a:r>
+            <a:r>
+              <a:rPr lang="nl-NL" sz="2800" dirty="0" smtClean="0"/>
+              <a:t>: clustering </a:t>
+            </a:r>
+            <a:r>
+              <a:rPr lang="nl-NL" sz="2800" i="1" dirty="0" smtClean="0"/>
+              <a:t>Iris </a:t>
+            </a:r>
+            <a:r>
+              <a:rPr lang="nl-NL" sz="2800" dirty="0" smtClean="0"/>
+              <a:t>data set (2)</a:t>
+            </a:r>
+            <a:endParaRPr lang="nl-NL" sz="2800" dirty="0"/>
+          </a:p>
+        </p:txBody>
+      </p:sp>
+      <p:sp>
+        <p:nvSpPr>
+          <p:cNvPr id="4" name="Tijdelijke aanduiding voor inhoud 2"/>
+          <p:cNvSpPr txBox="1">
+            <a:spLocks/>
+          </p:cNvSpPr>
+          <p:nvPr/>
+        </p:nvSpPr>
+        <p:spPr bwMode="auto">
+          <a:xfrm>
+            <a:off x="838200" y="1484784"/>
+            <a:ext cx="7881938" cy="6426375"/>
+          </a:xfrm>
+          <a:prstGeom prst="rect">
+            <a:avLst/>
+          </a:prstGeom>
+          <a:noFill/>
+          <a:ln w="9525">
+            <a:noFill/>
+            <a:miter lim="800000"/>
+            <a:headEnd/>
+            <a:tailEnd/>
+          </a:ln>
+          <a:effectLst/>
+        </p:spPr>
+        <p:txBody>
+          <a:bodyPr vert="horz" wrap="square" lIns="91440" tIns="45720" rIns="91440" bIns="45720" numCol="1" anchor="t" anchorCtr="0" compatLnSpc="1">
+            <a:prstTxWarp prst="textNoShape">
+              <a:avLst/>
+            </a:prstTxWarp>
+            <a:spAutoFit/>
+          </a:bodyPr>
+          <a:lstStyle>
+            <a:lvl1pPr marL="342900" indent="-342900" algn="l" rtl="0" fontAlgn="base">
+              <a:spcBef>
+                <a:spcPct val="20000"/>
+              </a:spcBef>
+              <a:spcAft>
+                <a:spcPct val="0"/>
+              </a:spcAft>
+              <a:buClr>
+                <a:srgbClr val="ED0010"/>
+              </a:buClr>
+              <a:buSzPct val="60000"/>
+              <a:buFont typeface="Zapf Dingbats" charset="2"/>
+              <a:buChar char="n"/>
+              <a:defRPr sz="2800">
+                <a:solidFill>
+                  <a:srgbClr val="000000"/>
+                </a:solidFill>
+                <a:latin typeface="+mn-lt"/>
+                <a:ea typeface="+mn-ea"/>
+                <a:cs typeface="+mn-cs"/>
+              </a:defRPr>
+            </a:lvl1pPr>
+            <a:lvl2pPr marL="819150" indent="-285750" algn="l" rtl="0" fontAlgn="base">
+              <a:spcBef>
+                <a:spcPct val="20000"/>
+              </a:spcBef>
+              <a:spcAft>
+                <a:spcPct val="0"/>
+              </a:spcAft>
+              <a:buClr>
+                <a:schemeClr val="accent1"/>
+              </a:buClr>
+              <a:buSzPct val="60000"/>
+              <a:buFont typeface="Zapf Dingbats" charset="2"/>
+              <a:buChar char="n"/>
+              <a:defRPr sz="2600">
+                <a:solidFill>
+                  <a:srgbClr val="000000"/>
+                </a:solidFill>
+                <a:latin typeface="+mn-lt"/>
+              </a:defRPr>
+            </a:lvl2pPr>
+            <a:lvl3pPr marL="1143000" indent="-228600" algn="l" rtl="0" fontAlgn="base">
+              <a:spcBef>
+                <a:spcPct val="20000"/>
+              </a:spcBef>
+              <a:spcAft>
+                <a:spcPct val="0"/>
+              </a:spcAft>
+              <a:buClr>
+                <a:schemeClr val="accent1"/>
+              </a:buClr>
+              <a:buSzPct val="60000"/>
+              <a:buFont typeface="Zapf Dingbats" charset="2"/>
+              <a:buChar char="n"/>
+              <a:defRPr sz="2400">
+                <a:solidFill>
+                  <a:srgbClr val="000000"/>
+                </a:solidFill>
+                <a:latin typeface="+mn-lt"/>
+              </a:defRPr>
+            </a:lvl3pPr>
+            <a:lvl4pPr marL="1562100" indent="-228600" algn="l" rtl="0" fontAlgn="base">
+              <a:spcBef>
+                <a:spcPct val="20000"/>
+              </a:spcBef>
+              <a:spcAft>
+                <a:spcPct val="0"/>
+              </a:spcAft>
+              <a:buClr>
+                <a:schemeClr val="accent1"/>
+              </a:buClr>
+              <a:buSzPct val="60000"/>
+              <a:buFont typeface="Zapf Dingbats" charset="2"/>
+              <a:buChar char="n"/>
+              <a:defRPr sz="2200">
+                <a:solidFill>
+                  <a:srgbClr val="000000"/>
+                </a:solidFill>
+                <a:latin typeface="+mn-lt"/>
+              </a:defRPr>
+            </a:lvl4pPr>
+            <a:lvl5pPr marL="1981200" indent="-228600" algn="l" rtl="0" fontAlgn="base">
+              <a:spcBef>
+                <a:spcPct val="20000"/>
+              </a:spcBef>
+              <a:spcAft>
+                <a:spcPct val="0"/>
+              </a:spcAft>
+              <a:buClr>
+                <a:schemeClr val="accent1"/>
+              </a:buClr>
+              <a:buSzPct val="60000"/>
+              <a:buFont typeface="Zapf Dingbats" charset="2"/>
+              <a:buChar char="n"/>
+              <a:defRPr sz="2000">
+                <a:solidFill>
+                  <a:srgbClr val="000000"/>
+                </a:solidFill>
+                <a:latin typeface="+mn-lt"/>
+              </a:defRPr>
+            </a:lvl5pPr>
+            <a:lvl6pPr marL="2438400" indent="-228600" algn="l" rtl="0" fontAlgn="base">
+              <a:spcBef>
+                <a:spcPct val="20000"/>
+              </a:spcBef>
+              <a:spcAft>
+                <a:spcPct val="0"/>
+              </a:spcAft>
+              <a:buClr>
+                <a:schemeClr val="accent1"/>
+              </a:buClr>
+              <a:buSzPct val="60000"/>
+              <a:buFont typeface="Zapf Dingbats" charset="2"/>
+              <a:buChar char="n"/>
+              <a:defRPr sz="2000">
+                <a:solidFill>
+                  <a:srgbClr val="000000"/>
+                </a:solidFill>
+                <a:latin typeface="+mn-lt"/>
+              </a:defRPr>
+            </a:lvl6pPr>
+            <a:lvl7pPr marL="2895600" indent="-228600" algn="l" rtl="0" fontAlgn="base">
+              <a:spcBef>
+                <a:spcPct val="20000"/>
+              </a:spcBef>
+              <a:spcAft>
+                <a:spcPct val="0"/>
+              </a:spcAft>
+              <a:buClr>
+                <a:schemeClr val="accent1"/>
+              </a:buClr>
+              <a:buSzPct val="60000"/>
+              <a:buFont typeface="Zapf Dingbats" charset="2"/>
+              <a:buChar char="n"/>
+              <a:defRPr sz="2000">
+                <a:solidFill>
+                  <a:srgbClr val="000000"/>
+                </a:solidFill>
+                <a:latin typeface="+mn-lt"/>
+              </a:defRPr>
+            </a:lvl7pPr>
+            <a:lvl8pPr marL="3352800" indent="-228600" algn="l" rtl="0" fontAlgn="base">
+              <a:spcBef>
+                <a:spcPct val="20000"/>
+              </a:spcBef>
+              <a:spcAft>
+                <a:spcPct val="0"/>
+              </a:spcAft>
+              <a:buClr>
+                <a:schemeClr val="accent1"/>
+              </a:buClr>
+              <a:buSzPct val="60000"/>
+              <a:buFont typeface="Zapf Dingbats" charset="2"/>
+              <a:buChar char="n"/>
+              <a:defRPr sz="2000">
+                <a:solidFill>
+                  <a:srgbClr val="000000"/>
+                </a:solidFill>
+                <a:latin typeface="+mn-lt"/>
+              </a:defRPr>
+            </a:lvl8pPr>
+            <a:lvl9pPr marL="3810000" indent="-228600" algn="l" rtl="0" fontAlgn="base">
+              <a:spcBef>
+                <a:spcPct val="20000"/>
+              </a:spcBef>
+              <a:spcAft>
+                <a:spcPct val="0"/>
+              </a:spcAft>
+              <a:buClr>
+                <a:schemeClr val="accent1"/>
+              </a:buClr>
+              <a:buSzPct val="60000"/>
+              <a:buFont typeface="Zapf Dingbats" charset="2"/>
+              <a:buChar char="n"/>
+              <a:defRPr sz="2000">
+                <a:solidFill>
+                  <a:srgbClr val="000000"/>
+                </a:solidFill>
+                <a:latin typeface="+mn-lt"/>
+              </a:defRPr>
+            </a:lvl9pPr>
+          </a:lstStyle>
+          <a:p>
+            <a:pPr marL="0" indent="0">
+              <a:buNone/>
+            </a:pPr>
+            <a:r>
+              <a:rPr lang="nl-NL" sz="1400" kern="0" dirty="0" smtClean="0">
+                <a:latin typeface="Courier New" panose="02070309020205020404" pitchFamily="49" charset="0"/>
+                <a:cs typeface="Courier New" panose="02070309020205020404" pitchFamily="49" charset="0"/>
+              </a:rPr>
+              <a:t>In this </a:t>
+            </a:r>
+            <a:r>
+              <a:rPr lang="nl-NL" sz="1400" kern="0" dirty="0" err="1" smtClean="0">
+                <a:latin typeface="Courier New" panose="02070309020205020404" pitchFamily="49" charset="0"/>
+                <a:cs typeface="Courier New" panose="02070309020205020404" pitchFamily="49" charset="0"/>
+              </a:rPr>
+              <a:t>exercise</a:t>
+            </a:r>
+            <a:r>
+              <a:rPr lang="nl-NL" sz="1400" kern="0" dirty="0" smtClean="0">
+                <a:latin typeface="Courier New" panose="02070309020205020404" pitchFamily="49" charset="0"/>
+                <a:cs typeface="Courier New" panose="02070309020205020404" pitchFamily="49" charset="0"/>
+              </a:rPr>
+              <a:t>, </a:t>
+            </a:r>
+            <a:r>
+              <a:rPr lang="nl-NL" sz="1400" kern="0" dirty="0" err="1" smtClean="0">
+                <a:latin typeface="Courier New" panose="02070309020205020404" pitchFamily="49" charset="0"/>
+                <a:cs typeface="Courier New" panose="02070309020205020404" pitchFamily="49" charset="0"/>
+              </a:rPr>
+              <a:t>you</a:t>
+            </a:r>
+            <a:r>
+              <a:rPr lang="nl-NL" sz="1400" kern="0" dirty="0" smtClean="0">
+                <a:latin typeface="Courier New" panose="02070309020205020404" pitchFamily="49" charset="0"/>
+                <a:cs typeface="Courier New" panose="02070309020205020404" pitchFamily="49" charset="0"/>
+              </a:rPr>
               <a:t> </a:t>
             </a:r>
             <a:r>
-              <a:rPr lang="nl-NL" sz="2000" dirty="0" err="1" smtClean="0"/>
+              <a:rPr lang="nl-NL" sz="1400" kern="0" dirty="0" err="1" smtClean="0">
+                <a:latin typeface="Courier New" panose="02070309020205020404" pitchFamily="49" charset="0"/>
+                <a:cs typeface="Courier New" panose="02070309020205020404" pitchFamily="49" charset="0"/>
+              </a:rPr>
+              <a:t>will</a:t>
+            </a:r>
+            <a:r>
+              <a:rPr lang="nl-NL" sz="1400" kern="0" dirty="0" smtClean="0">
+                <a:latin typeface="Courier New" panose="02070309020205020404" pitchFamily="49" charset="0"/>
+                <a:cs typeface="Courier New" panose="02070309020205020404" pitchFamily="49" charset="0"/>
+              </a:rPr>
+              <a:t> </a:t>
+            </a:r>
+            <a:r>
+              <a:rPr lang="nl-NL" sz="1400" kern="0" dirty="0" err="1" smtClean="0">
+                <a:latin typeface="Courier New" panose="02070309020205020404" pitchFamily="49" charset="0"/>
+                <a:cs typeface="Courier New" panose="02070309020205020404" pitchFamily="49" charset="0"/>
+              </a:rPr>
+              <a:t>explore</a:t>
+            </a:r>
+            <a:r>
+              <a:rPr lang="nl-NL" sz="1400" kern="0" dirty="0" smtClean="0">
+                <a:latin typeface="Courier New" panose="02070309020205020404" pitchFamily="49" charset="0"/>
+                <a:cs typeface="Courier New" panose="02070309020205020404" pitchFamily="49" charset="0"/>
+              </a:rPr>
+              <a:t> the logic of clustering </a:t>
+            </a:r>
+            <a:r>
+              <a:rPr lang="nl-NL" sz="1400" kern="0" dirty="0" err="1" smtClean="0">
+                <a:latin typeface="Courier New" panose="02070309020205020404" pitchFamily="49" charset="0"/>
+                <a:cs typeface="Courier New" panose="02070309020205020404" pitchFamily="49" charset="0"/>
+              </a:rPr>
+              <a:t>using</a:t>
+            </a:r>
+            <a:r>
+              <a:rPr lang="nl-NL" sz="1400" kern="0" dirty="0" smtClean="0">
+                <a:latin typeface="Courier New" panose="02070309020205020404" pitchFamily="49" charset="0"/>
+                <a:cs typeface="Courier New" panose="02070309020205020404" pitchFamily="49" charset="0"/>
+              </a:rPr>
+              <a:t> the </a:t>
+            </a:r>
+            <a:r>
+              <a:rPr lang="nl-NL" sz="1400" kern="0" dirty="0" err="1" smtClean="0">
+                <a:latin typeface="Courier New" panose="02070309020205020404" pitchFamily="49" charset="0"/>
+                <a:cs typeface="Courier New" panose="02070309020205020404" pitchFamily="49" charset="0"/>
+              </a:rPr>
+              <a:t>famous</a:t>
+            </a:r>
+            <a:r>
+              <a:rPr lang="nl-NL" sz="1400" kern="0" dirty="0" smtClean="0">
+                <a:latin typeface="Courier New" panose="02070309020205020404" pitchFamily="49" charset="0"/>
+                <a:cs typeface="Courier New" panose="02070309020205020404" pitchFamily="49" charset="0"/>
+              </a:rPr>
+              <a:t> </a:t>
+            </a:r>
+            <a:r>
+              <a:rPr lang="nl-NL" sz="1400" i="1" kern="0" dirty="0" smtClean="0">
+                <a:latin typeface="Courier New" panose="02070309020205020404" pitchFamily="49" charset="0"/>
+                <a:cs typeface="Courier New" panose="02070309020205020404" pitchFamily="49" charset="0"/>
+              </a:rPr>
+              <a:t>Iris</a:t>
+            </a:r>
+            <a:r>
+              <a:rPr lang="nl-NL" sz="1400" kern="0" dirty="0" smtClean="0">
+                <a:latin typeface="Courier New" panose="02070309020205020404" pitchFamily="49" charset="0"/>
+                <a:cs typeface="Courier New" panose="02070309020205020404" pitchFamily="49" charset="0"/>
+              </a:rPr>
+              <a:t> data set. See the </a:t>
+            </a:r>
+            <a:r>
+              <a:rPr lang="nl-NL" sz="1400" kern="0" dirty="0" err="1" smtClean="0">
+                <a:latin typeface="Courier New" panose="02070309020205020404" pitchFamily="49" charset="0"/>
+                <a:cs typeface="Courier New" panose="02070309020205020404" pitchFamily="49" charset="0"/>
+              </a:rPr>
+              <a:t>Exercise</a:t>
+            </a:r>
+            <a:r>
+              <a:rPr lang="nl-NL" sz="1400" kern="0" dirty="0" smtClean="0">
+                <a:latin typeface="Courier New" panose="02070309020205020404" pitchFamily="49" charset="0"/>
+                <a:cs typeface="Courier New" panose="02070309020205020404" pitchFamily="49" charset="0"/>
+              </a:rPr>
+              <a:t> folder for the data set (</a:t>
+            </a:r>
+            <a:r>
+              <a:rPr lang="nl-NL" sz="1400" i="1" kern="0" dirty="0" smtClean="0">
+                <a:latin typeface="Courier New" panose="02070309020205020404" pitchFamily="49" charset="0"/>
+                <a:cs typeface="Courier New" panose="02070309020205020404" pitchFamily="49" charset="0"/>
+              </a:rPr>
+              <a:t>iris.csv</a:t>
+            </a:r>
+            <a:r>
+              <a:rPr lang="nl-NL" sz="1400" kern="0" dirty="0" smtClean="0">
+                <a:latin typeface="Courier New" panose="02070309020205020404" pitchFamily="49" charset="0"/>
+                <a:cs typeface="Courier New" panose="02070309020205020404" pitchFamily="49" charset="0"/>
+              </a:rPr>
+              <a:t>), </a:t>
+            </a:r>
+            <a:r>
+              <a:rPr lang="nl-NL" sz="1400" kern="0" dirty="0" err="1" smtClean="0">
+                <a:latin typeface="Courier New" panose="02070309020205020404" pitchFamily="49" charset="0"/>
+                <a:cs typeface="Courier New" panose="02070309020205020404" pitchFamily="49" charset="0"/>
+              </a:rPr>
               <a:t>and</a:t>
             </a:r>
             <a:r>
-              <a:rPr lang="nl-NL" sz="2000" dirty="0" smtClean="0"/>
+              <a:rPr lang="nl-NL" sz="1400" kern="0" dirty="0" smtClean="0">
+                <a:latin typeface="Courier New" panose="02070309020205020404" pitchFamily="49" charset="0"/>
+                <a:cs typeface="Courier New" panose="02070309020205020404" pitchFamily="49" charset="0"/>
+              </a:rPr>
+              <a:t> the Notebook </a:t>
+            </a:r>
+            <a:r>
+              <a:rPr lang="nl-NL" sz="1400" i="1" kern="0" dirty="0" smtClean="0">
+                <a:latin typeface="Courier New" panose="02070309020205020404" pitchFamily="49" charset="0"/>
+                <a:cs typeface="Courier New" panose="02070309020205020404" pitchFamily="49" charset="0"/>
+              </a:rPr>
+              <a:t>k-means </a:t>
+            </a:r>
+            <a:r>
+              <a:rPr lang="nl-NL" sz="1400" kern="0" dirty="0" smtClean="0">
+                <a:latin typeface="Courier New" panose="02070309020205020404" pitchFamily="49" charset="0"/>
+                <a:cs typeface="Courier New" panose="02070309020205020404" pitchFamily="49" charset="0"/>
+              </a:rPr>
+              <a:t>in the </a:t>
+            </a:r>
+            <a:r>
+              <a:rPr lang="nl-NL" sz="1400" kern="0" dirty="0" err="1" smtClean="0">
+                <a:latin typeface="Courier New" panose="02070309020205020404" pitchFamily="49" charset="0"/>
+                <a:cs typeface="Courier New" panose="02070309020205020404" pitchFamily="49" charset="0"/>
+              </a:rPr>
+              <a:t>Examples</a:t>
+            </a:r>
+            <a:r>
+              <a:rPr lang="nl-NL" sz="1400" kern="0" dirty="0" smtClean="0">
+                <a:latin typeface="Courier New" panose="02070309020205020404" pitchFamily="49" charset="0"/>
+                <a:cs typeface="Courier New" panose="02070309020205020404" pitchFamily="49" charset="0"/>
+              </a:rPr>
+              <a:t> folder. </a:t>
+            </a:r>
+            <a:endParaRPr lang="nl-NL" sz="1400" kern="0" dirty="0">
+              <a:latin typeface="Courier New" panose="02070309020205020404" pitchFamily="49" charset="0"/>
+              <a:cs typeface="Courier New" panose="02070309020205020404" pitchFamily="49" charset="0"/>
+            </a:endParaRPr>
+          </a:p>
+          <a:p>
+            <a:pPr>
+              <a:buFont typeface="+mj-lt"/>
+              <a:buAutoNum type="arabicPeriod"/>
+            </a:pPr>
+            <a:endParaRPr lang="nl-NL" sz="1400" kern="0" dirty="0" smtClean="0">
+              <a:latin typeface="Courier New" panose="02070309020205020404" pitchFamily="49" charset="0"/>
+              <a:cs typeface="Courier New" panose="02070309020205020404" pitchFamily="49" charset="0"/>
+            </a:endParaRPr>
+          </a:p>
+          <a:p>
+            <a:pPr>
+              <a:buFont typeface="+mj-lt"/>
+              <a:buAutoNum type="arabicPeriod"/>
+            </a:pPr>
+            <a:r>
+              <a:rPr lang="nl-NL" sz="1400" kern="0" dirty="0" smtClean="0">
+                <a:solidFill>
+                  <a:srgbClr val="C0C0C0"/>
+                </a:solidFill>
+                <a:latin typeface="Courier New" panose="02070309020205020404" pitchFamily="49" charset="0"/>
+                <a:cs typeface="Courier New" panose="02070309020205020404" pitchFamily="49" charset="0"/>
+              </a:rPr>
+              <a:t>Read in the </a:t>
+            </a:r>
+            <a:r>
+              <a:rPr lang="nl-NL" sz="1400" kern="0" dirty="0" err="1" smtClean="0">
+                <a:solidFill>
+                  <a:srgbClr val="C0C0C0"/>
+                </a:solidFill>
+                <a:latin typeface="Courier New" panose="02070309020205020404" pitchFamily="49" charset="0"/>
+                <a:cs typeface="Courier New" panose="02070309020205020404" pitchFamily="49" charset="0"/>
+              </a:rPr>
+              <a:t>csv</a:t>
+            </a:r>
+            <a:r>
+              <a:rPr lang="nl-NL" sz="1400" kern="0" dirty="0" smtClean="0">
+                <a:solidFill>
+                  <a:srgbClr val="C0C0C0"/>
+                </a:solidFill>
+                <a:latin typeface="Courier New" panose="02070309020205020404" pitchFamily="49" charset="0"/>
+                <a:cs typeface="Courier New" panose="02070309020205020404" pitchFamily="49" charset="0"/>
+              </a:rPr>
+              <a:t> file.</a:t>
+            </a:r>
+          </a:p>
+          <a:p>
+            <a:pPr>
+              <a:buFont typeface="+mj-lt"/>
+              <a:buAutoNum type="arabicPeriod"/>
+            </a:pPr>
+            <a:endParaRPr lang="nl-NL" sz="1400" kern="0" dirty="0">
+              <a:solidFill>
+                <a:srgbClr val="C0C0C0"/>
+              </a:solidFill>
+              <a:latin typeface="Courier New" panose="02070309020205020404" pitchFamily="49" charset="0"/>
+              <a:cs typeface="Courier New" panose="02070309020205020404" pitchFamily="49" charset="0"/>
+            </a:endParaRPr>
+          </a:p>
+          <a:p>
+            <a:pPr>
+              <a:buFont typeface="+mj-lt"/>
+              <a:buAutoNum type="arabicPeriod"/>
+            </a:pPr>
+            <a:r>
+              <a:rPr lang="nl-NL" sz="1400" kern="0" dirty="0" smtClean="0">
+                <a:solidFill>
+                  <a:srgbClr val="C0C0C0"/>
+                </a:solidFill>
+                <a:latin typeface="Courier New" panose="02070309020205020404" pitchFamily="49" charset="0"/>
+                <a:cs typeface="Courier New" panose="02070309020205020404" pitchFamily="49" charset="0"/>
+              </a:rPr>
+              <a:t>Using a Seaborn </a:t>
+            </a:r>
+            <a:r>
+              <a:rPr lang="nl-NL" sz="1400" kern="0" dirty="0" err="1" smtClean="0">
+                <a:solidFill>
+                  <a:srgbClr val="C0C0C0"/>
+                </a:solidFill>
+                <a:latin typeface="Courier New" panose="02070309020205020404" pitchFamily="49" charset="0"/>
+                <a:cs typeface="Courier New" panose="02070309020205020404" pitchFamily="49" charset="0"/>
+              </a:rPr>
+              <a:t>scatterplot</a:t>
+            </a:r>
+            <a:r>
+              <a:rPr lang="nl-NL" sz="1400" kern="0" dirty="0" smtClean="0">
+                <a:solidFill>
+                  <a:srgbClr val="C0C0C0"/>
+                </a:solidFill>
+                <a:latin typeface="Courier New" panose="02070309020205020404" pitchFamily="49" charset="0"/>
+                <a:cs typeface="Courier New" panose="02070309020205020404" pitchFamily="49" charset="0"/>
+              </a:rPr>
+              <a:t>, plot the </a:t>
+            </a:r>
+            <a:r>
+              <a:rPr lang="nl-NL" sz="1400" i="1" kern="0" dirty="0" smtClean="0">
+                <a:solidFill>
+                  <a:srgbClr val="C0C0C0"/>
+                </a:solidFill>
+                <a:latin typeface="Courier New" panose="02070309020205020404" pitchFamily="49" charset="0"/>
+                <a:cs typeface="Courier New" panose="02070309020205020404" pitchFamily="49" charset="0"/>
+              </a:rPr>
+              <a:t>Iris </a:t>
+            </a:r>
+            <a:r>
+              <a:rPr lang="nl-NL" sz="1400" kern="0" dirty="0" smtClean="0">
+                <a:solidFill>
+                  <a:srgbClr val="C0C0C0"/>
+                </a:solidFill>
+                <a:latin typeface="Courier New" panose="02070309020205020404" pitchFamily="49" charset="0"/>
+                <a:cs typeface="Courier New" panose="02070309020205020404" pitchFamily="49" charset="0"/>
+              </a:rPr>
+              <a:t>data set </a:t>
+            </a:r>
+            <a:r>
+              <a:rPr lang="nl-NL" sz="1400" kern="0" dirty="0" err="1" smtClean="0">
+                <a:solidFill>
+                  <a:srgbClr val="C0C0C0"/>
+                </a:solidFill>
+                <a:latin typeface="Courier New" panose="02070309020205020404" pitchFamily="49" charset="0"/>
+                <a:cs typeface="Courier New" panose="02070309020205020404" pitchFamily="49" charset="0"/>
+              </a:rPr>
+              <a:t>with</a:t>
+            </a:r>
+            <a:r>
+              <a:rPr lang="nl-NL" sz="1400" kern="0" dirty="0" smtClean="0">
+                <a:solidFill>
+                  <a:srgbClr val="C0C0C0"/>
+                </a:solidFill>
+                <a:latin typeface="Courier New" panose="02070309020205020404" pitchFamily="49" charset="0"/>
+                <a:cs typeface="Courier New" panose="02070309020205020404" pitchFamily="49" charset="0"/>
+              </a:rPr>
               <a:t> </a:t>
             </a:r>
             <a:r>
-              <a:rPr lang="nl-NL" sz="2000" dirty="0" err="1" smtClean="0"/>
-              <a:t>other</a:t>
-            </a:r>
-            <a:r>
-              <a:rPr lang="nl-NL" sz="2000" dirty="0" smtClean="0"/>
+              <a:rPr lang="nl-NL" sz="1400" kern="0" dirty="0" err="1" smtClean="0">
+                <a:solidFill>
+                  <a:srgbClr val="C0C0C0"/>
+                </a:solidFill>
+                <a:latin typeface="Courier New" panose="02070309020205020404" pitchFamily="49" charset="0"/>
+                <a:cs typeface="Courier New" panose="02070309020205020404" pitchFamily="49" charset="0"/>
+              </a:rPr>
+              <a:t>petal</a:t>
+            </a:r>
+            <a:r>
+              <a:rPr lang="nl-NL" sz="1400" kern="0" dirty="0" smtClean="0">
+                <a:solidFill>
+                  <a:srgbClr val="C0C0C0"/>
+                </a:solidFill>
+                <a:latin typeface="Courier New" panose="02070309020205020404" pitchFamily="49" charset="0"/>
+                <a:cs typeface="Courier New" panose="02070309020205020404" pitchFamily="49" charset="0"/>
+              </a:rPr>
               <a:t> </a:t>
             </a:r>
             <a:r>
-              <a:rPr lang="nl-NL" sz="2000" dirty="0" err="1" smtClean="0"/>
-              <a:t>students</a:t>
-            </a:r>
-            <a:r>
-              <a:rPr lang="nl-NL" sz="2000" dirty="0" smtClean="0"/>
-              <a:t> / </a:t>
-            </a:r>
-            <a:r>
-              <a:rPr lang="nl-NL" sz="2000" dirty="0" err="1" smtClean="0"/>
-              <a:t>lecturers</a:t>
-            </a:r>
-            <a:r>
-              <a:rPr lang="nl-NL" sz="2000" dirty="0"/>
+              <a:rPr lang="nl-NL" sz="1400" kern="0" dirty="0" err="1" smtClean="0">
+                <a:solidFill>
+                  <a:srgbClr val="C0C0C0"/>
+                </a:solidFill>
+                <a:latin typeface="Courier New" panose="02070309020205020404" pitchFamily="49" charset="0"/>
+                <a:cs typeface="Courier New" panose="02070309020205020404" pitchFamily="49" charset="0"/>
+              </a:rPr>
+              <a:t>length</a:t>
+            </a:r>
+            <a:r>
+              <a:rPr lang="nl-NL" sz="1400" kern="0" dirty="0" smtClean="0">
+                <a:solidFill>
+                  <a:srgbClr val="C0C0C0"/>
+                </a:solidFill>
+                <a:latin typeface="Courier New" panose="02070309020205020404" pitchFamily="49" charset="0"/>
+                <a:cs typeface="Courier New" panose="02070309020205020404" pitchFamily="49" charset="0"/>
+              </a:rPr>
+              <a:t> on the x-</a:t>
+            </a:r>
+            <a:r>
+              <a:rPr lang="nl-NL" sz="1400" kern="0" dirty="0" err="1" smtClean="0">
+                <a:solidFill>
+                  <a:srgbClr val="C0C0C0"/>
+                </a:solidFill>
+                <a:latin typeface="Courier New" panose="02070309020205020404" pitchFamily="49" charset="0"/>
+                <a:cs typeface="Courier New" panose="02070309020205020404" pitchFamily="49" charset="0"/>
+              </a:rPr>
+              <a:t>axis</a:t>
+            </a:r>
+            <a:r>
+              <a:rPr lang="nl-NL" sz="1400" kern="0" dirty="0" smtClean="0">
+                <a:solidFill>
+                  <a:srgbClr val="C0C0C0"/>
+                </a:solidFill>
+                <a:latin typeface="Courier New" panose="02070309020205020404" pitchFamily="49" charset="0"/>
+                <a:cs typeface="Courier New" panose="02070309020205020404" pitchFamily="49" charset="0"/>
+              </a:rPr>
               <a:t> </a:t>
             </a:r>
             <a:r>
-              <a:rPr lang="nl-NL" sz="2000" dirty="0" err="1" smtClean="0"/>
-              <a:t>who</a:t>
-            </a:r>
-            <a:r>
-              <a:rPr lang="nl-NL" sz="2000" dirty="0" smtClean="0"/>
+              <a:rPr lang="nl-NL" sz="1400" kern="0" dirty="0" err="1" smtClean="0">
+                <a:solidFill>
+                  <a:srgbClr val="C0C0C0"/>
+                </a:solidFill>
+                <a:latin typeface="Courier New" panose="02070309020205020404" pitchFamily="49" charset="0"/>
+                <a:cs typeface="Courier New" panose="02070309020205020404" pitchFamily="49" charset="0"/>
+              </a:rPr>
+              <a:t>and</a:t>
+            </a:r>
+            <a:r>
+              <a:rPr lang="nl-NL" sz="1400" kern="0" dirty="0" smtClean="0">
+                <a:solidFill>
+                  <a:srgbClr val="C0C0C0"/>
+                </a:solidFill>
+                <a:latin typeface="Courier New" panose="02070309020205020404" pitchFamily="49" charset="0"/>
+                <a:cs typeface="Courier New" panose="02070309020205020404" pitchFamily="49" charset="0"/>
+              </a:rPr>
               <a:t> </a:t>
             </a:r>
             <a:r>
-              <a:rPr lang="nl-NL" sz="2000" dirty="0" err="1" smtClean="0"/>
-              <a:t>may</a:t>
-            </a:r>
-            <a:r>
-              <a:rPr lang="nl-NL" sz="2000" dirty="0" smtClean="0"/>
+              <a:rPr lang="nl-NL" sz="1400" kern="0" dirty="0" err="1" smtClean="0">
+                <a:solidFill>
+                  <a:srgbClr val="C0C0C0"/>
+                </a:solidFill>
+                <a:latin typeface="Courier New" panose="02070309020205020404" pitchFamily="49" charset="0"/>
+                <a:cs typeface="Courier New" panose="02070309020205020404" pitchFamily="49" charset="0"/>
+              </a:rPr>
+              <a:t>sepal</a:t>
+            </a:r>
+            <a:r>
+              <a:rPr lang="nl-NL" sz="1400" kern="0" dirty="0" smtClean="0">
+                <a:solidFill>
+                  <a:srgbClr val="C0C0C0"/>
+                </a:solidFill>
+                <a:latin typeface="Courier New" panose="02070309020205020404" pitchFamily="49" charset="0"/>
+                <a:cs typeface="Courier New" panose="02070309020205020404" pitchFamily="49" charset="0"/>
+              </a:rPr>
               <a:t> </a:t>
             </a:r>
             <a:r>
-              <a:rPr lang="nl-NL" sz="2000" dirty="0" err="1" smtClean="0"/>
-              <a:t>be</a:t>
-            </a:r>
-            <a:r>
-              <a:rPr lang="nl-NL" sz="2000" dirty="0" smtClean="0"/>
+              <a:rPr lang="nl-NL" sz="1400" kern="0" dirty="0" err="1" smtClean="0">
+                <a:solidFill>
+                  <a:srgbClr val="C0C0C0"/>
+                </a:solidFill>
+                <a:latin typeface="Courier New" panose="02070309020205020404" pitchFamily="49" charset="0"/>
+                <a:cs typeface="Courier New" panose="02070309020205020404" pitchFamily="49" charset="0"/>
+              </a:rPr>
+              <a:t>length</a:t>
+            </a:r>
+            <a:r>
+              <a:rPr lang="nl-NL" sz="1400" kern="0" dirty="0" smtClean="0">
+                <a:solidFill>
+                  <a:srgbClr val="C0C0C0"/>
+                </a:solidFill>
+                <a:latin typeface="Courier New" panose="02070309020205020404" pitchFamily="49" charset="0"/>
+                <a:cs typeface="Courier New" panose="02070309020205020404" pitchFamily="49" charset="0"/>
+              </a:rPr>
+              <a:t> on the y-</a:t>
+            </a:r>
+            <a:r>
+              <a:rPr lang="nl-NL" sz="1400" kern="0" dirty="0" err="1" smtClean="0">
+                <a:solidFill>
+                  <a:srgbClr val="C0C0C0"/>
+                </a:solidFill>
+                <a:latin typeface="Courier New" panose="02070309020205020404" pitchFamily="49" charset="0"/>
+                <a:cs typeface="Courier New" panose="02070309020205020404" pitchFamily="49" charset="0"/>
+              </a:rPr>
+              <a:t>axis</a:t>
+            </a:r>
+            <a:r>
+              <a:rPr lang="nl-NL" sz="1400" kern="0" dirty="0" smtClean="0">
+                <a:solidFill>
+                  <a:srgbClr val="C0C0C0"/>
+                </a:solidFill>
+                <a:latin typeface="Courier New" panose="02070309020205020404" pitchFamily="49" charset="0"/>
+                <a:cs typeface="Courier New" panose="02070309020205020404" pitchFamily="49" charset="0"/>
+              </a:rPr>
+              <a:t>. Plot the different Iris species </a:t>
+            </a:r>
+            <a:r>
+              <a:rPr lang="nl-NL" sz="1400" kern="0" dirty="0" err="1" smtClean="0">
+                <a:solidFill>
+                  <a:srgbClr val="C0C0C0"/>
+                </a:solidFill>
+                <a:latin typeface="Courier New" panose="02070309020205020404" pitchFamily="49" charset="0"/>
+                <a:cs typeface="Courier New" panose="02070309020205020404" pitchFamily="49" charset="0"/>
+              </a:rPr>
+              <a:t>with</a:t>
+            </a:r>
+            <a:r>
+              <a:rPr lang="nl-NL" sz="1400" kern="0" dirty="0" smtClean="0">
+                <a:solidFill>
+                  <a:srgbClr val="C0C0C0"/>
+                </a:solidFill>
+                <a:latin typeface="Courier New" panose="02070309020205020404" pitchFamily="49" charset="0"/>
+                <a:cs typeface="Courier New" panose="02070309020205020404" pitchFamily="49" charset="0"/>
+              </a:rPr>
+              <a:t> a different </a:t>
+            </a:r>
+            <a:r>
+              <a:rPr lang="nl-NL" sz="1400" kern="0" dirty="0" err="1" smtClean="0">
+                <a:solidFill>
+                  <a:srgbClr val="C0C0C0"/>
+                </a:solidFill>
+                <a:latin typeface="Courier New" panose="02070309020205020404" pitchFamily="49" charset="0"/>
+                <a:cs typeface="Courier New" panose="02070309020205020404" pitchFamily="49" charset="0"/>
+              </a:rPr>
+              <a:t>symbol</a:t>
+            </a:r>
+            <a:r>
+              <a:rPr lang="nl-NL" sz="1400" kern="0" dirty="0" smtClean="0">
+                <a:solidFill>
+                  <a:srgbClr val="C0C0C0"/>
+                </a:solidFill>
+                <a:latin typeface="Courier New" panose="02070309020205020404" pitchFamily="49" charset="0"/>
+                <a:cs typeface="Courier New" panose="02070309020205020404" pitchFamily="49" charset="0"/>
+              </a:rPr>
+              <a:t> (</a:t>
+            </a:r>
+            <a:r>
+              <a:rPr lang="nl-NL" sz="1400" b="1" kern="0" dirty="0" err="1" smtClean="0">
+                <a:solidFill>
+                  <a:srgbClr val="C0C0C0"/>
+                </a:solidFill>
+                <a:latin typeface="Courier New" panose="02070309020205020404" pitchFamily="49" charset="0"/>
+                <a:cs typeface="Courier New" panose="02070309020205020404" pitchFamily="49" charset="0"/>
+              </a:rPr>
+              <a:t>see</a:t>
+            </a:r>
+            <a:r>
+              <a:rPr lang="nl-NL" sz="1400" b="1" kern="0" dirty="0" smtClean="0">
+                <a:solidFill>
+                  <a:srgbClr val="C0C0C0"/>
+                </a:solidFill>
+                <a:latin typeface="Courier New" panose="02070309020205020404" pitchFamily="49" charset="0"/>
+                <a:cs typeface="Courier New" panose="02070309020205020404" pitchFamily="49" charset="0"/>
+              </a:rPr>
+              <a:t> the Seaborn documentation</a:t>
+            </a:r>
+            <a:r>
+              <a:rPr lang="nl-NL" sz="1400" kern="0" dirty="0" smtClean="0">
+                <a:solidFill>
+                  <a:srgbClr val="C0C0C0"/>
+                </a:solidFill>
+                <a:latin typeface="Courier New" panose="02070309020205020404" pitchFamily="49" charset="0"/>
+                <a:cs typeface="Courier New" panose="02070309020205020404" pitchFamily="49" charset="0"/>
+              </a:rPr>
+              <a:t>). </a:t>
+            </a:r>
+          </a:p>
+          <a:p>
+            <a:pPr>
+              <a:buFont typeface="+mj-lt"/>
+              <a:buAutoNum type="arabicPeriod"/>
+            </a:pPr>
+            <a:endParaRPr lang="nl-NL" sz="1400" kern="0" dirty="0">
+              <a:solidFill>
+                <a:srgbClr val="C0C0C0"/>
+              </a:solidFill>
+              <a:latin typeface="Courier New" panose="02070309020205020404" pitchFamily="49" charset="0"/>
+              <a:cs typeface="Courier New" panose="02070309020205020404" pitchFamily="49" charset="0"/>
+            </a:endParaRPr>
+          </a:p>
+          <a:p>
+            <a:pPr>
+              <a:buFont typeface="+mj-lt"/>
+              <a:buAutoNum type="arabicPeriod"/>
+            </a:pPr>
+            <a:r>
+              <a:rPr lang="nl-NL" sz="1400" kern="0" dirty="0" err="1" smtClean="0">
+                <a:solidFill>
+                  <a:srgbClr val="C0C0C0"/>
+                </a:solidFill>
+                <a:latin typeface="Courier New" panose="02070309020205020404" pitchFamily="49" charset="0"/>
+                <a:cs typeface="Courier New" panose="02070309020205020404" pitchFamily="49" charset="0"/>
+              </a:rPr>
+              <a:t>What</a:t>
+            </a:r>
+            <a:r>
+              <a:rPr lang="nl-NL" sz="1400" kern="0" dirty="0" smtClean="0">
+                <a:solidFill>
+                  <a:srgbClr val="C0C0C0"/>
+                </a:solidFill>
+                <a:latin typeface="Courier New" panose="02070309020205020404" pitchFamily="49" charset="0"/>
+                <a:cs typeface="Courier New" panose="02070309020205020404" pitchFamily="49" charset="0"/>
+              </a:rPr>
               <a:t> </a:t>
             </a:r>
             <a:r>
-              <a:rPr lang="nl-NL" sz="2000" dirty="0" err="1" smtClean="0"/>
-              <a:t>interested</a:t>
-            </a:r>
-            <a:endParaRPr lang="nl-NL" sz="2000" dirty="0" smtClean="0"/>
-          </a:p>
-          <a:p>
-            <a:endParaRPr lang="nl-NL" sz="2000" dirty="0"/>
-          </a:p>
-          <a:p>
-            <a:r>
-              <a:rPr lang="nl-NL" sz="2000" dirty="0" err="1" smtClean="0"/>
-              <a:t>Thursday</a:t>
-            </a:r>
-            <a:r>
-              <a:rPr lang="nl-NL" sz="2000" dirty="0" smtClean="0"/>
-              <a:t> 23 </a:t>
-            </a:r>
-            <a:r>
-              <a:rPr lang="nl-NL" sz="2000" dirty="0" err="1" smtClean="0"/>
-              <a:t>January</a:t>
-            </a:r>
-            <a:endParaRPr lang="nl-NL" sz="2000" dirty="0" smtClean="0"/>
-          </a:p>
-          <a:p>
-            <a:pPr lvl="1"/>
-            <a:r>
-              <a:rPr lang="nl-NL" sz="2000" dirty="0" smtClean="0"/>
-              <a:t>14:30 setting up</a:t>
-            </a:r>
-          </a:p>
-          <a:p>
-            <a:pPr lvl="1"/>
-            <a:r>
-              <a:rPr lang="nl-NL" sz="2000" dirty="0" smtClean="0"/>
-              <a:t>14:45-15:45 presenting + feedback (switch </a:t>
-            </a:r>
-            <a:r>
-              <a:rPr lang="nl-NL" sz="2000" dirty="0" err="1" smtClean="0"/>
-              <a:t>roles</a:t>
-            </a:r>
-            <a:r>
-              <a:rPr lang="nl-NL" sz="2000" dirty="0" smtClean="0"/>
+              <a:rPr lang="nl-NL" sz="1400" kern="0" dirty="0" err="1" smtClean="0">
+                <a:solidFill>
+                  <a:srgbClr val="C0C0C0"/>
+                </a:solidFill>
+                <a:latin typeface="Courier New" panose="02070309020205020404" pitchFamily="49" charset="0"/>
+                <a:cs typeface="Courier New" panose="02070309020205020404" pitchFamily="49" charset="0"/>
+              </a:rPr>
+              <a:t>possible</a:t>
+            </a:r>
+            <a:r>
+              <a:rPr lang="nl-NL" sz="1400" kern="0" dirty="0" smtClean="0">
+                <a:solidFill>
+                  <a:srgbClr val="C0C0C0"/>
+                </a:solidFill>
+                <a:latin typeface="Courier New" panose="02070309020205020404" pitchFamily="49" charset="0"/>
+                <a:cs typeface="Courier New" panose="02070309020205020404" pitchFamily="49" charset="0"/>
+              </a:rPr>
+              <a:t> clusters do </a:t>
+            </a:r>
+            <a:r>
+              <a:rPr lang="nl-NL" sz="1400" kern="0" dirty="0" err="1" smtClean="0">
+                <a:solidFill>
+                  <a:srgbClr val="C0C0C0"/>
+                </a:solidFill>
+                <a:latin typeface="Courier New" panose="02070309020205020404" pitchFamily="49" charset="0"/>
+                <a:cs typeface="Courier New" panose="02070309020205020404" pitchFamily="49" charset="0"/>
+              </a:rPr>
+              <a:t>you</a:t>
+            </a:r>
+            <a:r>
+              <a:rPr lang="nl-NL" sz="1400" kern="0" dirty="0" smtClean="0">
+                <a:solidFill>
+                  <a:srgbClr val="C0C0C0"/>
+                </a:solidFill>
+                <a:latin typeface="Courier New" panose="02070309020205020404" pitchFamily="49" charset="0"/>
+                <a:cs typeface="Courier New" panose="02070309020205020404" pitchFamily="49" charset="0"/>
+              </a:rPr>
               <a:t> </a:t>
             </a:r>
             <a:r>
-              <a:rPr lang="nl-NL" sz="2000" dirty="0" err="1" smtClean="0"/>
-              <a:t>after</a:t>
-            </a:r>
-            <a:r>
-              <a:rPr lang="nl-NL" sz="2000" dirty="0" smtClean="0"/>
-              <a:t> half </a:t>
-            </a:r>
-            <a:r>
-              <a:rPr lang="nl-NL" sz="2000" dirty="0" err="1" smtClean="0"/>
-              <a:t>an</a:t>
-            </a:r>
-            <a:r>
-              <a:rPr lang="nl-NL" sz="2000" dirty="0" smtClean="0"/>
+              <a:rPr lang="nl-NL" sz="1400" kern="0" dirty="0" err="1" smtClean="0">
+                <a:solidFill>
+                  <a:srgbClr val="C0C0C0"/>
+                </a:solidFill>
+                <a:latin typeface="Courier New" panose="02070309020205020404" pitchFamily="49" charset="0"/>
+                <a:cs typeface="Courier New" panose="02070309020205020404" pitchFamily="49" charset="0"/>
+              </a:rPr>
+              <a:t>see</a:t>
+            </a:r>
+            <a:r>
+              <a:rPr lang="nl-NL" sz="1400" kern="0" dirty="0" smtClean="0">
+                <a:solidFill>
+                  <a:srgbClr val="C0C0C0"/>
+                </a:solidFill>
+                <a:latin typeface="Courier New" panose="02070309020205020404" pitchFamily="49" charset="0"/>
+                <a:cs typeface="Courier New" panose="02070309020205020404" pitchFamily="49" charset="0"/>
+              </a:rPr>
               <a:t> </a:t>
             </a:r>
             <a:r>
-              <a:rPr lang="nl-NL" sz="2000" dirty="0" err="1" smtClean="0"/>
-              <a:t>hour</a:t>
-            </a:r>
-            <a:r>
-              <a:rPr lang="nl-NL" sz="2000" dirty="0" smtClean="0"/>
-              <a:t>)</a:t>
-            </a:r>
-          </a:p>
-          <a:p>
-            <a:endParaRPr lang="nl-NL" sz="2000" dirty="0"/>
-          </a:p>
-          <a:p>
-            <a:r>
-              <a:rPr lang="nl-NL" sz="2000" b="1" dirty="0" err="1" smtClean="0"/>
-              <a:t>Vertical</a:t>
-            </a:r>
-            <a:r>
-              <a:rPr lang="nl-NL" sz="2000" b="1" dirty="0" smtClean="0"/>
+              <a:rPr lang="nl-NL" sz="1400" kern="0" dirty="0" err="1" smtClean="0">
+                <a:solidFill>
+                  <a:srgbClr val="C0C0C0"/>
+                </a:solidFill>
+                <a:latin typeface="Courier New" panose="02070309020205020404" pitchFamily="49" charset="0"/>
+                <a:cs typeface="Courier New" panose="02070309020205020404" pitchFamily="49" charset="0"/>
+              </a:rPr>
+              <a:t>with</a:t>
+            </a:r>
+            <a:r>
+              <a:rPr lang="nl-NL" sz="1400" kern="0" dirty="0" smtClean="0">
+                <a:solidFill>
+                  <a:srgbClr val="C0C0C0"/>
+                </a:solidFill>
+                <a:latin typeface="Courier New" panose="02070309020205020404" pitchFamily="49" charset="0"/>
+                <a:cs typeface="Courier New" panose="02070309020205020404" pitchFamily="49" charset="0"/>
+              </a:rPr>
+              <a:t> the </a:t>
+            </a:r>
+            <a:r>
+              <a:rPr lang="nl-NL" sz="1400" kern="0" dirty="0" err="1" smtClean="0">
+                <a:solidFill>
+                  <a:srgbClr val="C0C0C0"/>
+                </a:solidFill>
+                <a:latin typeface="Courier New" panose="02070309020205020404" pitchFamily="49" charset="0"/>
+                <a:cs typeface="Courier New" panose="02070309020205020404" pitchFamily="49" charset="0"/>
+              </a:rPr>
+              <a:t>naked</a:t>
+            </a:r>
+            <a:r>
+              <a:rPr lang="nl-NL" sz="1400" kern="0" dirty="0" smtClean="0">
+                <a:solidFill>
+                  <a:srgbClr val="C0C0C0"/>
+                </a:solidFill>
+                <a:latin typeface="Courier New" panose="02070309020205020404" pitchFamily="49" charset="0"/>
+                <a:cs typeface="Courier New" panose="02070309020205020404" pitchFamily="49" charset="0"/>
+              </a:rPr>
               <a:t> </a:t>
             </a:r>
             <a:r>
-              <a:rPr lang="nl-NL" sz="2000" dirty="0" smtClean="0"/>
-              <a:t>A1 format (</a:t>
-            </a:r>
-            <a:r>
-              <a:rPr lang="nl-NL" sz="2000" dirty="0" err="1" smtClean="0"/>
-              <a:t>you</a:t>
-            </a:r>
-            <a:r>
-              <a:rPr lang="nl-NL" sz="2000" dirty="0" smtClean="0"/>
+              <a:rPr lang="nl-NL" sz="1400" kern="0" dirty="0" err="1" smtClean="0">
+                <a:solidFill>
+                  <a:srgbClr val="C0C0C0"/>
+                </a:solidFill>
+                <a:latin typeface="Courier New" panose="02070309020205020404" pitchFamily="49" charset="0"/>
+                <a:cs typeface="Courier New" panose="02070309020205020404" pitchFamily="49" charset="0"/>
+              </a:rPr>
+              <a:t>eye</a:t>
+            </a:r>
+            <a:r>
+              <a:rPr lang="nl-NL" sz="1400" kern="0" dirty="0" smtClean="0">
+                <a:solidFill>
+                  <a:srgbClr val="C0C0C0"/>
+                </a:solidFill>
+                <a:latin typeface="Courier New" panose="02070309020205020404" pitchFamily="49" charset="0"/>
+                <a:cs typeface="Courier New" panose="02070309020205020404" pitchFamily="49" charset="0"/>
+              </a:rPr>
+              <a:t>? How do </a:t>
+            </a:r>
+            <a:r>
+              <a:rPr lang="nl-NL" sz="1400" kern="0" dirty="0" err="1" smtClean="0">
+                <a:solidFill>
+                  <a:srgbClr val="C0C0C0"/>
+                </a:solidFill>
+                <a:latin typeface="Courier New" panose="02070309020205020404" pitchFamily="49" charset="0"/>
+                <a:cs typeface="Courier New" panose="02070309020205020404" pitchFamily="49" charset="0"/>
+              </a:rPr>
+              <a:t>they</a:t>
+            </a:r>
+            <a:r>
+              <a:rPr lang="nl-NL" sz="1400" kern="0" dirty="0" smtClean="0">
+                <a:solidFill>
+                  <a:srgbClr val="C0C0C0"/>
+                </a:solidFill>
+                <a:latin typeface="Courier New" panose="02070309020205020404" pitchFamily="49" charset="0"/>
+                <a:cs typeface="Courier New" panose="02070309020205020404" pitchFamily="49" charset="0"/>
+              </a:rPr>
               <a:t> </a:t>
             </a:r>
             <a:r>
-              <a:rPr lang="nl-NL" sz="2000" dirty="0" smtClean="0">
-                <a:hlinkClick r:id="rId2"/>
-              </a:rPr>
-              <a:t>can combine 4 A3</a:t>
-            </a:r>
-            <a:r>
-              <a:rPr lang="nl-NL" sz="2000" dirty="0" smtClean="0"/>
+              <a:rPr lang="nl-NL" sz="1400" kern="0" dirty="0" err="1" smtClean="0">
+                <a:solidFill>
+                  <a:srgbClr val="C0C0C0"/>
+                </a:solidFill>
+                <a:latin typeface="Courier New" panose="02070309020205020404" pitchFamily="49" charset="0"/>
+                <a:cs typeface="Courier New" panose="02070309020205020404" pitchFamily="49" charset="0"/>
+              </a:rPr>
+              <a:t>relate</a:t>
+            </a:r>
+            <a:r>
+              <a:rPr lang="nl-NL" sz="1400" kern="0" dirty="0" smtClean="0">
+                <a:solidFill>
+                  <a:srgbClr val="C0C0C0"/>
+                </a:solidFill>
+                <a:latin typeface="Courier New" panose="02070309020205020404" pitchFamily="49" charset="0"/>
+                <a:cs typeface="Courier New" panose="02070309020205020404" pitchFamily="49" charset="0"/>
+              </a:rPr>
               <a:t> </a:t>
             </a:r>
             <a:r>
-              <a:rPr lang="nl-NL" sz="2000" dirty="0" err="1" smtClean="0"/>
-              <a:t>if</a:t>
-            </a:r>
-            <a:r>
-              <a:rPr lang="nl-NL" sz="2000" dirty="0" smtClean="0"/>
+              <a:rPr lang="nl-NL" sz="1400" kern="0" dirty="0" err="1" smtClean="0">
+                <a:solidFill>
+                  <a:srgbClr val="C0C0C0"/>
+                </a:solidFill>
+                <a:latin typeface="Courier New" panose="02070309020205020404" pitchFamily="49" charset="0"/>
+                <a:cs typeface="Courier New" panose="02070309020205020404" pitchFamily="49" charset="0"/>
+              </a:rPr>
+              <a:t>to</a:t>
+            </a:r>
+            <a:r>
+              <a:rPr lang="nl-NL" sz="1400" kern="0" dirty="0" smtClean="0">
+                <a:solidFill>
+                  <a:srgbClr val="C0C0C0"/>
+                </a:solidFill>
+                <a:latin typeface="Courier New" panose="02070309020205020404" pitchFamily="49" charset="0"/>
+                <a:cs typeface="Courier New" panose="02070309020205020404" pitchFamily="49" charset="0"/>
+              </a:rPr>
+              <a:t> the </a:t>
+            </a:r>
+            <a:r>
+              <a:rPr lang="nl-NL" sz="1400" kern="0" dirty="0" err="1" smtClean="0">
+                <a:solidFill>
+                  <a:srgbClr val="C0C0C0"/>
+                </a:solidFill>
+                <a:latin typeface="Courier New" panose="02070309020205020404" pitchFamily="49" charset="0"/>
+                <a:cs typeface="Courier New" panose="02070309020205020404" pitchFamily="49" charset="0"/>
+              </a:rPr>
+              <a:t>three</a:t>
+            </a:r>
+            <a:r>
+              <a:rPr lang="nl-NL" sz="1400" kern="0" dirty="0" smtClean="0">
+                <a:solidFill>
+                  <a:srgbClr val="C0C0C0"/>
+                </a:solidFill>
+                <a:latin typeface="Courier New" panose="02070309020205020404" pitchFamily="49" charset="0"/>
+                <a:cs typeface="Courier New" panose="02070309020205020404" pitchFamily="49" charset="0"/>
+              </a:rPr>
+              <a:t> species?</a:t>
+            </a:r>
+          </a:p>
+          <a:p>
+            <a:pPr>
+              <a:buFont typeface="+mj-lt"/>
+              <a:buAutoNum type="arabicPeriod"/>
+            </a:pPr>
+            <a:endParaRPr lang="nl-NL" sz="1400" kern="0" dirty="0">
+              <a:latin typeface="Courier New" panose="02070309020205020404" pitchFamily="49" charset="0"/>
+              <a:cs typeface="Courier New" panose="02070309020205020404" pitchFamily="49" charset="0"/>
+            </a:endParaRPr>
+          </a:p>
+          <a:p>
+            <a:pPr>
+              <a:buFont typeface="+mj-lt"/>
+              <a:buAutoNum type="arabicPeriod"/>
+            </a:pPr>
+            <a:r>
+              <a:rPr lang="nl-NL" sz="1400" kern="0" dirty="0">
+                <a:solidFill>
+                  <a:schemeClr val="tx1"/>
+                </a:solidFill>
+                <a:latin typeface="Courier New" panose="02070309020205020404" pitchFamily="49" charset="0"/>
+                <a:cs typeface="Courier New" panose="02070309020205020404" pitchFamily="49" charset="0"/>
+              </a:rPr>
+              <a:t>Using </a:t>
+            </a:r>
+            <a:r>
+              <a:rPr lang="nl-NL" sz="1400" i="1" kern="0" dirty="0">
+                <a:solidFill>
+                  <a:schemeClr val="tx1"/>
+                </a:solidFill>
+                <a:latin typeface="Courier New" panose="02070309020205020404" pitchFamily="49" charset="0"/>
+                <a:cs typeface="Courier New" panose="02070309020205020404" pitchFamily="49" charset="0"/>
+              </a:rPr>
+              <a:t>k-</a:t>
+            </a:r>
+            <a:r>
+              <a:rPr lang="nl-NL" sz="1400" kern="0" dirty="0">
+                <a:solidFill>
+                  <a:schemeClr val="tx1"/>
+                </a:solidFill>
+                <a:latin typeface="Courier New" panose="02070309020205020404" pitchFamily="49" charset="0"/>
+                <a:cs typeface="Courier New" panose="02070309020205020404" pitchFamily="49" charset="0"/>
+              </a:rPr>
+              <a:t>means clustering </a:t>
+            </a:r>
+            <a:r>
+              <a:rPr lang="nl-NL" sz="1400" kern="0" dirty="0" err="1">
+                <a:solidFill>
+                  <a:schemeClr val="tx1"/>
+                </a:solidFill>
+                <a:latin typeface="Courier New" panose="02070309020205020404" pitchFamily="49" charset="0"/>
+                <a:cs typeface="Courier New" panose="02070309020205020404" pitchFamily="49" charset="0"/>
+              </a:rPr>
+              <a:t>with</a:t>
+            </a:r>
+            <a:r>
+              <a:rPr lang="nl-NL" sz="1400" kern="0" dirty="0">
+                <a:solidFill>
+                  <a:schemeClr val="tx1"/>
+                </a:solidFill>
+                <a:latin typeface="Courier New" panose="02070309020205020404" pitchFamily="49" charset="0"/>
+                <a:cs typeface="Courier New" panose="02070309020205020404" pitchFamily="49" charset="0"/>
+              </a:rPr>
+              <a:t> 3 clusters (</a:t>
+            </a:r>
+            <a:r>
+              <a:rPr lang="nl-NL" sz="1400" kern="0" dirty="0" err="1">
+                <a:solidFill>
+                  <a:schemeClr val="tx1"/>
+                </a:solidFill>
+                <a:latin typeface="Courier New" panose="02070309020205020404" pitchFamily="49" charset="0"/>
+                <a:cs typeface="Courier New" panose="02070309020205020404" pitchFamily="49" charset="0"/>
+              </a:rPr>
+              <a:t>using</a:t>
+            </a:r>
+            <a:r>
+              <a:rPr lang="nl-NL" sz="1400" kern="0" dirty="0">
+                <a:solidFill>
+                  <a:schemeClr val="tx1"/>
+                </a:solidFill>
+                <a:latin typeface="Courier New" panose="02070309020205020404" pitchFamily="49" charset="0"/>
+                <a:cs typeface="Courier New" panose="02070309020205020404" pitchFamily="49" charset="0"/>
+              </a:rPr>
               <a:t> </a:t>
             </a:r>
             <a:r>
-              <a:rPr lang="nl-NL" sz="2000" dirty="0" err="1" smtClean="0"/>
-              <a:t>you</a:t>
-            </a:r>
-            <a:r>
-              <a:rPr lang="nl-NL" sz="2000" dirty="0" smtClean="0"/>
-              <a:t> want </a:t>
-            </a:r>
-            <a:r>
-              <a:rPr lang="nl-NL" sz="2000" dirty="0" err="1" smtClean="0"/>
+              <a:rPr lang="nl-NL" sz="1400" b="1" kern="0" dirty="0" err="1">
+                <a:solidFill>
+                  <a:schemeClr val="tx1"/>
+                </a:solidFill>
+                <a:latin typeface="Courier New" panose="02070309020205020404" pitchFamily="49" charset="0"/>
+                <a:cs typeface="Courier New" panose="02070309020205020404" pitchFamily="49" charset="0"/>
+              </a:rPr>
+              <a:t>only</a:t>
+            </a:r>
+            <a:r>
+              <a:rPr lang="nl-NL" sz="1400" b="1" kern="0" dirty="0">
+                <a:solidFill>
+                  <a:schemeClr val="tx1"/>
+                </a:solidFill>
+                <a:latin typeface="Courier New" panose="02070309020205020404" pitchFamily="49" charset="0"/>
+                <a:cs typeface="Courier New" panose="02070309020205020404" pitchFamily="49" charset="0"/>
+              </a:rPr>
+              <a:t> </a:t>
+            </a:r>
+            <a:r>
+              <a:rPr lang="nl-NL" sz="1400" kern="0" dirty="0" err="1">
+                <a:solidFill>
+                  <a:schemeClr val="tx1"/>
+                </a:solidFill>
+                <a:latin typeface="Courier New" panose="02070309020205020404" pitchFamily="49" charset="0"/>
+                <a:cs typeface="Courier New" panose="02070309020205020404" pitchFamily="49" charset="0"/>
+              </a:rPr>
+              <a:t>petal</a:t>
+            </a:r>
+            <a:r>
+              <a:rPr lang="nl-NL" sz="1400" kern="0" dirty="0">
+                <a:solidFill>
+                  <a:schemeClr val="tx1"/>
+                </a:solidFill>
+                <a:latin typeface="Courier New" panose="02070309020205020404" pitchFamily="49" charset="0"/>
+                <a:cs typeface="Courier New" panose="02070309020205020404" pitchFamily="49" charset="0"/>
+              </a:rPr>
+              <a:t> </a:t>
+            </a:r>
+            <a:r>
+              <a:rPr lang="nl-NL" sz="1400" kern="0" dirty="0" err="1">
+                <a:solidFill>
+                  <a:schemeClr val="tx1"/>
+                </a:solidFill>
+                <a:latin typeface="Courier New" panose="02070309020205020404" pitchFamily="49" charset="0"/>
+                <a:cs typeface="Courier New" panose="02070309020205020404" pitchFamily="49" charset="0"/>
+              </a:rPr>
+              <a:t>length</a:t>
+            </a:r>
+            <a:r>
+              <a:rPr lang="nl-NL" sz="1400" kern="0" dirty="0">
+                <a:solidFill>
+                  <a:schemeClr val="tx1"/>
+                </a:solidFill>
+                <a:latin typeface="Courier New" panose="02070309020205020404" pitchFamily="49" charset="0"/>
+                <a:cs typeface="Courier New" panose="02070309020205020404" pitchFamily="49" charset="0"/>
+              </a:rPr>
+              <a:t> </a:t>
+            </a:r>
+            <a:r>
+              <a:rPr lang="nl-NL" sz="1400" kern="0" dirty="0" err="1">
+                <a:solidFill>
+                  <a:schemeClr val="tx1"/>
+                </a:solidFill>
+                <a:latin typeface="Courier New" panose="02070309020205020404" pitchFamily="49" charset="0"/>
+                <a:cs typeface="Courier New" panose="02070309020205020404" pitchFamily="49" charset="0"/>
+              </a:rPr>
+              <a:t>and</a:t>
+            </a:r>
+            <a:r>
+              <a:rPr lang="nl-NL" sz="1400" kern="0" dirty="0">
+                <a:solidFill>
+                  <a:schemeClr val="tx1"/>
+                </a:solidFill>
+                <a:latin typeface="Courier New" panose="02070309020205020404" pitchFamily="49" charset="0"/>
+                <a:cs typeface="Courier New" panose="02070309020205020404" pitchFamily="49" charset="0"/>
+              </a:rPr>
+              <a:t> </a:t>
+            </a:r>
+            <a:r>
+              <a:rPr lang="nl-NL" sz="1400" kern="0" dirty="0" err="1">
+                <a:solidFill>
+                  <a:schemeClr val="tx1"/>
+                </a:solidFill>
+                <a:latin typeface="Courier New" panose="02070309020205020404" pitchFamily="49" charset="0"/>
+                <a:cs typeface="Courier New" panose="02070309020205020404" pitchFamily="49" charset="0"/>
+              </a:rPr>
+              <a:t>sepal</a:t>
+            </a:r>
+            <a:r>
+              <a:rPr lang="nl-NL" sz="1400" kern="0" dirty="0">
+                <a:solidFill>
+                  <a:schemeClr val="tx1"/>
+                </a:solidFill>
+                <a:latin typeface="Courier New" panose="02070309020205020404" pitchFamily="49" charset="0"/>
+                <a:cs typeface="Courier New" panose="02070309020205020404" pitchFamily="49" charset="0"/>
+              </a:rPr>
+              <a:t> </a:t>
+            </a:r>
+            <a:r>
+              <a:rPr lang="nl-NL" sz="1400" kern="0" dirty="0" err="1">
+                <a:solidFill>
+                  <a:schemeClr val="tx1"/>
+                </a:solidFill>
+                <a:latin typeface="Courier New" panose="02070309020205020404" pitchFamily="49" charset="0"/>
+                <a:cs typeface="Courier New" panose="02070309020205020404" pitchFamily="49" charset="0"/>
+              </a:rPr>
+              <a:t>length</a:t>
+            </a:r>
+            <a:r>
+              <a:rPr lang="nl-NL" sz="1400" kern="0" dirty="0">
+                <a:solidFill>
+                  <a:schemeClr val="tx1"/>
+                </a:solidFill>
+                <a:latin typeface="Courier New" panose="02070309020205020404" pitchFamily="49" charset="0"/>
+                <a:cs typeface="Courier New" panose="02070309020205020404" pitchFamily="49" charset="0"/>
+              </a:rPr>
+              <a:t> as X variables), </a:t>
+            </a:r>
+            <a:r>
+              <a:rPr lang="nl-NL" sz="1400" kern="0" dirty="0" err="1">
+                <a:solidFill>
+                  <a:schemeClr val="tx1"/>
+                </a:solidFill>
+                <a:latin typeface="Courier New" panose="02070309020205020404" pitchFamily="49" charset="0"/>
+                <a:cs typeface="Courier New" panose="02070309020205020404" pitchFamily="49" charset="0"/>
+              </a:rPr>
+              <a:t>create</a:t>
+            </a:r>
+            <a:r>
+              <a:rPr lang="nl-NL" sz="1400" kern="0" dirty="0">
+                <a:solidFill>
+                  <a:schemeClr val="tx1"/>
+                </a:solidFill>
+                <a:latin typeface="Courier New" panose="02070309020205020404" pitchFamily="49" charset="0"/>
+                <a:cs typeface="Courier New" panose="02070309020205020404" pitchFamily="49" charset="0"/>
+              </a:rPr>
+              <a:t> a new </a:t>
+            </a:r>
+            <a:r>
+              <a:rPr lang="nl-NL" sz="1400" kern="0" dirty="0" err="1">
+                <a:solidFill>
+                  <a:schemeClr val="tx1"/>
+                </a:solidFill>
+                <a:latin typeface="Courier New" panose="02070309020205020404" pitchFamily="49" charset="0"/>
+                <a:cs typeface="Courier New" panose="02070309020205020404" pitchFamily="49" charset="0"/>
+              </a:rPr>
+              <a:t>variable</a:t>
+            </a:r>
+            <a:r>
+              <a:rPr lang="nl-NL" sz="1400" kern="0" dirty="0">
+                <a:solidFill>
+                  <a:schemeClr val="tx1"/>
+                </a:solidFill>
+                <a:latin typeface="Courier New" panose="02070309020205020404" pitchFamily="49" charset="0"/>
+                <a:cs typeface="Courier New" panose="02070309020205020404" pitchFamily="49" charset="0"/>
+              </a:rPr>
+              <a:t> </a:t>
+            </a:r>
+            <a:r>
+              <a:rPr lang="nl-NL" sz="1400" i="1" kern="0" dirty="0">
+                <a:solidFill>
+                  <a:schemeClr val="tx1"/>
+                </a:solidFill>
+                <a:latin typeface="Courier New" panose="02070309020205020404" pitchFamily="49" charset="0"/>
+                <a:cs typeface="Courier New" panose="02070309020205020404" pitchFamily="49" charset="0"/>
+              </a:rPr>
+              <a:t>cluster</a:t>
+            </a:r>
+            <a:r>
+              <a:rPr lang="nl-NL" sz="1400" kern="0" dirty="0">
+                <a:solidFill>
+                  <a:schemeClr val="tx1"/>
+                </a:solidFill>
+                <a:latin typeface="Courier New" panose="02070309020205020404" pitchFamily="49" charset="0"/>
+                <a:cs typeface="Courier New" panose="02070309020205020404" pitchFamily="49" charset="0"/>
+              </a:rPr>
+              <a:t> </a:t>
+            </a:r>
+            <a:r>
+              <a:rPr lang="nl-NL" sz="1400" kern="0" dirty="0" err="1">
+                <a:solidFill>
+                  <a:schemeClr val="tx1"/>
+                </a:solidFill>
+                <a:latin typeface="Courier New" panose="02070309020205020404" pitchFamily="49" charset="0"/>
+                <a:cs typeface="Courier New" panose="02070309020205020404" pitchFamily="49" charset="0"/>
+              </a:rPr>
+              <a:t>and</a:t>
+            </a:r>
+            <a:r>
+              <a:rPr lang="nl-NL" sz="1400" kern="0" dirty="0">
+                <a:solidFill>
+                  <a:schemeClr val="tx1"/>
+                </a:solidFill>
+                <a:latin typeface="Courier New" panose="02070309020205020404" pitchFamily="49" charset="0"/>
+                <a:cs typeface="Courier New" panose="02070309020205020404" pitchFamily="49" charset="0"/>
+              </a:rPr>
+              <a:t> </a:t>
+            </a:r>
+            <a:r>
+              <a:rPr lang="nl-NL" sz="1400" kern="0" dirty="0" err="1">
+                <a:solidFill>
+                  <a:schemeClr val="tx1"/>
+                </a:solidFill>
+                <a:latin typeface="Courier New" panose="02070309020205020404" pitchFamily="49" charset="0"/>
+                <a:cs typeface="Courier New" panose="02070309020205020404" pitchFamily="49" charset="0"/>
+              </a:rPr>
+              <a:t>use</a:t>
+            </a:r>
+            <a:r>
+              <a:rPr lang="nl-NL" sz="1400" kern="0" dirty="0">
+                <a:solidFill>
+                  <a:schemeClr val="tx1"/>
+                </a:solidFill>
+                <a:latin typeface="Courier New" panose="02070309020205020404" pitchFamily="49" charset="0"/>
+                <a:cs typeface="Courier New" panose="02070309020205020404" pitchFamily="49" charset="0"/>
+              </a:rPr>
+              <a:t> this </a:t>
+            </a:r>
+            <a:r>
+              <a:rPr lang="nl-NL" sz="1400" kern="0" dirty="0" err="1">
+                <a:solidFill>
+                  <a:schemeClr val="tx1"/>
+                </a:solidFill>
+                <a:latin typeface="Courier New" panose="02070309020205020404" pitchFamily="49" charset="0"/>
+                <a:cs typeface="Courier New" panose="02070309020205020404" pitchFamily="49" charset="0"/>
+              </a:rPr>
               <a:t>to</a:t>
             </a:r>
             <a:r>
-              <a:rPr lang="nl-NL" sz="2000" dirty="0" smtClean="0"/>
-              <a:t> save money/</a:t>
-            </a:r>
-            <a:r>
-              <a:rPr lang="nl-NL" sz="2000" dirty="0" err="1" smtClean="0"/>
-              <a:t>hassle</a:t>
-            </a:r>
-            <a:r>
-              <a:rPr lang="nl-NL" sz="2000" dirty="0" smtClean="0"/>
-              <a:t>)</a:t>
-            </a:r>
-          </a:p>
-          <a:p>
-            <a:endParaRPr lang="nl-NL" sz="2000" dirty="0"/>
-          </a:p>
-          <a:p>
-            <a:r>
-              <a:rPr lang="nl-NL" sz="2000" dirty="0" smtClean="0"/>
-              <a:t>In </a:t>
-            </a:r>
-            <a:r>
-              <a:rPr lang="nl-NL" sz="2000" dirty="0" err="1" smtClean="0"/>
+              <a:rPr lang="nl-NL" sz="1400" kern="0" dirty="0">
+                <a:solidFill>
+                  <a:schemeClr val="tx1"/>
+                </a:solidFill>
+                <a:latin typeface="Courier New" panose="02070309020205020404" pitchFamily="49" charset="0"/>
+                <a:cs typeface="Courier New" panose="02070309020205020404" pitchFamily="49" charset="0"/>
+              </a:rPr>
+              <a:t> make </a:t>
+            </a:r>
+            <a:r>
+              <a:rPr lang="nl-NL" sz="1400" kern="0" dirty="0" err="1">
+                <a:solidFill>
+                  <a:schemeClr val="tx1"/>
+                </a:solidFill>
+                <a:latin typeface="Courier New" panose="02070309020205020404" pitchFamily="49" charset="0"/>
+                <a:cs typeface="Courier New" panose="02070309020205020404" pitchFamily="49" charset="0"/>
+              </a:rPr>
+              <a:t>another</a:t>
+            </a:r>
+            <a:r>
+              <a:rPr lang="nl-NL" sz="1400" kern="0" dirty="0">
+                <a:solidFill>
+                  <a:schemeClr val="tx1"/>
+                </a:solidFill>
+                <a:latin typeface="Courier New" panose="02070309020205020404" pitchFamily="49" charset="0"/>
+                <a:cs typeface="Courier New" panose="02070309020205020404" pitchFamily="49" charset="0"/>
+              </a:rPr>
+              <a:t> </a:t>
+            </a:r>
+            <a:r>
+              <a:rPr lang="nl-NL" sz="1400" kern="0" dirty="0" err="1">
+                <a:solidFill>
+                  <a:schemeClr val="tx1"/>
+                </a:solidFill>
+                <a:latin typeface="Courier New" panose="02070309020205020404" pitchFamily="49" charset="0"/>
+                <a:cs typeface="Courier New" panose="02070309020205020404" pitchFamily="49" charset="0"/>
+              </a:rPr>
+              <a:t>scatterplot</a:t>
+            </a:r>
+            <a:r>
+              <a:rPr lang="nl-NL" sz="1400" kern="0" dirty="0">
+                <a:solidFill>
+                  <a:schemeClr val="tx1"/>
+                </a:solidFill>
+                <a:latin typeface="Courier New" panose="02070309020205020404" pitchFamily="49" charset="0"/>
+                <a:cs typeface="Courier New" panose="02070309020205020404" pitchFamily="49" charset="0"/>
+              </a:rPr>
+              <a:t>, </a:t>
+            </a:r>
+            <a:r>
+              <a:rPr lang="nl-NL" sz="1400" kern="0" dirty="0" err="1">
+                <a:solidFill>
+                  <a:schemeClr val="tx1"/>
+                </a:solidFill>
+                <a:latin typeface="Courier New" panose="02070309020205020404" pitchFamily="49" charset="0"/>
+                <a:cs typeface="Courier New" panose="02070309020205020404" pitchFamily="49" charset="0"/>
+              </a:rPr>
+              <a:t>using</a:t>
+            </a:r>
+            <a:r>
+              <a:rPr lang="nl-NL" sz="1400" kern="0" dirty="0">
+                <a:solidFill>
+                  <a:schemeClr val="tx1"/>
+                </a:solidFill>
+                <a:latin typeface="Courier New" panose="02070309020205020404" pitchFamily="49" charset="0"/>
+                <a:cs typeface="Courier New" panose="02070309020205020404" pitchFamily="49" charset="0"/>
+              </a:rPr>
+              <a:t> </a:t>
+            </a:r>
+            <a:r>
+              <a:rPr lang="nl-NL" sz="1400" kern="0" dirty="0" err="1">
+                <a:solidFill>
+                  <a:schemeClr val="tx1"/>
+                </a:solidFill>
+                <a:latin typeface="Courier New" panose="02070309020205020404" pitchFamily="49" charset="0"/>
+                <a:cs typeface="Courier New" panose="02070309020205020404" pitchFamily="49" charset="0"/>
+              </a:rPr>
               <a:t>color</a:t>
             </a:r>
             <a:r>
-              <a:rPr lang="nl-NL" sz="2000" dirty="0" smtClean="0"/>
+              <a:rPr lang="nl-NL" sz="1400" kern="0" dirty="0">
+                <a:solidFill>
+                  <a:schemeClr val="tx1"/>
+                </a:solidFill>
+                <a:latin typeface="Courier New" panose="02070309020205020404" pitchFamily="49" charset="0"/>
+                <a:cs typeface="Courier New" panose="02070309020205020404" pitchFamily="49" charset="0"/>
+              </a:rPr>
+              <a:t> for </a:t>
+            </a:r>
+            <a:r>
+              <a:rPr lang="nl-NL" sz="1400" i="1" kern="0" dirty="0">
+                <a:solidFill>
+                  <a:schemeClr val="tx1"/>
+                </a:solidFill>
+                <a:latin typeface="Courier New" panose="02070309020205020404" pitchFamily="49" charset="0"/>
+                <a:cs typeface="Courier New" panose="02070309020205020404" pitchFamily="49" charset="0"/>
+              </a:rPr>
+              <a:t>cluster</a:t>
+            </a:r>
+            <a:r>
+              <a:rPr lang="nl-NL" sz="1400" kern="0" dirty="0">
+                <a:solidFill>
+                  <a:schemeClr val="tx1"/>
+                </a:solidFill>
+                <a:latin typeface="Courier New" panose="02070309020205020404" pitchFamily="49" charset="0"/>
+                <a:cs typeface="Courier New" panose="02070309020205020404" pitchFamily="49" charset="0"/>
+              </a:rPr>
+              <a:t>.</a:t>
+            </a:r>
+          </a:p>
+          <a:p>
+            <a:pPr>
+              <a:buFont typeface="+mj-lt"/>
+              <a:buAutoNum type="arabicPeriod"/>
+            </a:pPr>
+            <a:endParaRPr lang="nl-NL" sz="1400" kern="0" dirty="0">
+              <a:solidFill>
+                <a:schemeClr val="tx1"/>
+              </a:solidFill>
+              <a:latin typeface="Courier New" panose="02070309020205020404" pitchFamily="49" charset="0"/>
+              <a:cs typeface="Courier New" panose="02070309020205020404" pitchFamily="49" charset="0"/>
+            </a:endParaRPr>
+          </a:p>
+          <a:p>
+            <a:pPr>
+              <a:buFont typeface="+mj-lt"/>
+              <a:buAutoNum type="arabicPeriod"/>
+            </a:pPr>
+            <a:r>
+              <a:rPr lang="nl-NL" sz="1400" kern="0" dirty="0">
+                <a:solidFill>
+                  <a:schemeClr val="tx1"/>
+                </a:solidFill>
+                <a:latin typeface="Courier New" panose="02070309020205020404" pitchFamily="49" charset="0"/>
+                <a:cs typeface="Courier New" panose="02070309020205020404" pitchFamily="49" charset="0"/>
+              </a:rPr>
+              <a:t>How does </a:t>
+            </a:r>
+            <a:r>
+              <a:rPr lang="nl-NL" sz="1400" i="1" kern="0" dirty="0">
+                <a:solidFill>
+                  <a:schemeClr val="tx1"/>
+                </a:solidFill>
+                <a:latin typeface="Courier New" panose="02070309020205020404" pitchFamily="49" charset="0"/>
+                <a:cs typeface="Courier New" panose="02070309020205020404" pitchFamily="49" charset="0"/>
+              </a:rPr>
+              <a:t>k-</a:t>
+            </a:r>
+            <a:r>
+              <a:rPr lang="nl-NL" sz="1400" kern="0" dirty="0">
+                <a:solidFill>
+                  <a:schemeClr val="tx1"/>
+                </a:solidFill>
+                <a:latin typeface="Courier New" panose="02070309020205020404" pitchFamily="49" charset="0"/>
+                <a:cs typeface="Courier New" panose="02070309020205020404" pitchFamily="49" charset="0"/>
+              </a:rPr>
+              <a:t>means </a:t>
+            </a:r>
+            <a:r>
+              <a:rPr lang="nl-NL" sz="1400" kern="0" dirty="0" err="1">
+                <a:solidFill>
+                  <a:schemeClr val="tx1"/>
+                </a:solidFill>
+                <a:latin typeface="Courier New" panose="02070309020205020404" pitchFamily="49" charset="0"/>
+                <a:cs typeface="Courier New" panose="02070309020205020404" pitchFamily="49" charset="0"/>
+              </a:rPr>
+              <a:t>perform</a:t>
+            </a:r>
+            <a:r>
+              <a:rPr lang="nl-NL" sz="1400" kern="0" dirty="0">
+                <a:solidFill>
+                  <a:schemeClr val="tx1"/>
+                </a:solidFill>
+                <a:latin typeface="Courier New" panose="02070309020205020404" pitchFamily="49" charset="0"/>
+                <a:cs typeface="Courier New" panose="02070309020205020404" pitchFamily="49" charset="0"/>
+              </a:rPr>
+              <a:t>?</a:t>
+            </a:r>
+          </a:p>
+          <a:p>
+            <a:pPr>
+              <a:buFont typeface="+mj-lt"/>
+              <a:buAutoNum type="arabicPeriod"/>
+            </a:pPr>
+            <a:endParaRPr lang="nl-NL" sz="1400" kern="0" dirty="0">
+              <a:solidFill>
+                <a:schemeClr val="tx1"/>
+              </a:solidFill>
+              <a:latin typeface="Courier New" panose="02070309020205020404" pitchFamily="49" charset="0"/>
+              <a:cs typeface="Courier New" panose="02070309020205020404" pitchFamily="49" charset="0"/>
+            </a:endParaRPr>
+          </a:p>
+          <a:p>
+            <a:pPr>
+              <a:buFont typeface="+mj-lt"/>
+              <a:buAutoNum type="arabicPeriod"/>
+            </a:pPr>
+            <a:r>
+              <a:rPr lang="nl-NL" sz="1400" kern="0" dirty="0" err="1">
+                <a:solidFill>
+                  <a:schemeClr val="tx1"/>
+                </a:solidFill>
+                <a:latin typeface="Courier New" panose="02070309020205020404" pitchFamily="49" charset="0"/>
+                <a:cs typeface="Courier New" panose="02070309020205020404" pitchFamily="49" charset="0"/>
+              </a:rPr>
+              <a:t>Try</a:t>
+            </a:r>
+            <a:r>
+              <a:rPr lang="nl-NL" sz="1400" kern="0" dirty="0">
+                <a:solidFill>
+                  <a:schemeClr val="tx1"/>
+                </a:solidFill>
+                <a:latin typeface="Courier New" panose="02070309020205020404" pitchFamily="49" charset="0"/>
+                <a:cs typeface="Courier New" panose="02070309020205020404" pitchFamily="49" charset="0"/>
+              </a:rPr>
+              <a:t> out different </a:t>
+            </a:r>
+            <a:r>
+              <a:rPr lang="nl-NL" sz="1400" kern="0" dirty="0" err="1">
+                <a:solidFill>
+                  <a:schemeClr val="tx1"/>
+                </a:solidFill>
+                <a:latin typeface="Courier New" panose="02070309020205020404" pitchFamily="49" charset="0"/>
+                <a:cs typeface="Courier New" panose="02070309020205020404" pitchFamily="49" charset="0"/>
+              </a:rPr>
+              <a:t>numbers</a:t>
+            </a:r>
+            <a:r>
+              <a:rPr lang="nl-NL" sz="1400" kern="0" dirty="0">
+                <a:solidFill>
+                  <a:schemeClr val="tx1"/>
+                </a:solidFill>
+                <a:latin typeface="Courier New" panose="02070309020205020404" pitchFamily="49" charset="0"/>
+                <a:cs typeface="Courier New" panose="02070309020205020404" pitchFamily="49" charset="0"/>
+              </a:rPr>
+              <a:t> of clusters </a:t>
+            </a:r>
+            <a:r>
+              <a:rPr lang="nl-NL" sz="1400" kern="0" dirty="0" err="1">
+                <a:solidFill>
+                  <a:schemeClr val="tx1"/>
+                </a:solidFill>
+                <a:latin typeface="Courier New" panose="02070309020205020404" pitchFamily="49" charset="0"/>
+                <a:cs typeface="Courier New" panose="02070309020205020404" pitchFamily="49" charset="0"/>
+              </a:rPr>
+              <a:t>to</a:t>
+            </a:r>
+            <a:r>
+              <a:rPr lang="nl-NL" sz="1400" kern="0" dirty="0">
+                <a:solidFill>
+                  <a:schemeClr val="tx1"/>
+                </a:solidFill>
+                <a:latin typeface="Courier New" panose="02070309020205020404" pitchFamily="49" charset="0"/>
+                <a:cs typeface="Courier New" panose="02070309020205020404" pitchFamily="49" charset="0"/>
+              </a:rPr>
+              <a:t> </a:t>
+            </a:r>
+            <a:r>
+              <a:rPr lang="nl-NL" sz="1400" kern="0" dirty="0" err="1">
+                <a:solidFill>
+                  <a:schemeClr val="tx1"/>
+                </a:solidFill>
+                <a:latin typeface="Courier New" panose="02070309020205020404" pitchFamily="49" charset="0"/>
+                <a:cs typeface="Courier New" panose="02070309020205020404" pitchFamily="49" charset="0"/>
+              </a:rPr>
+              <a:t>see</a:t>
+            </a:r>
+            <a:r>
+              <a:rPr lang="nl-NL" sz="1400" kern="0" dirty="0">
+                <a:solidFill>
+                  <a:schemeClr val="tx1"/>
+                </a:solidFill>
+                <a:latin typeface="Courier New" panose="02070309020205020404" pitchFamily="49" charset="0"/>
+                <a:cs typeface="Courier New" panose="02070309020205020404" pitchFamily="49" charset="0"/>
+              </a:rPr>
+              <a:t> </a:t>
+            </a:r>
+            <a:r>
+              <a:rPr lang="nl-NL" sz="1400" kern="0" dirty="0" err="1">
+                <a:solidFill>
+                  <a:schemeClr val="tx1"/>
+                </a:solidFill>
+                <a:latin typeface="Courier New" panose="02070309020205020404" pitchFamily="49" charset="0"/>
+                <a:cs typeface="Courier New" panose="02070309020205020404" pitchFamily="49" charset="0"/>
+              </a:rPr>
+              <a:t>what</a:t>
+            </a:r>
+            <a:r>
+              <a:rPr lang="nl-NL" sz="1400" kern="0" dirty="0">
+                <a:solidFill>
+                  <a:schemeClr val="tx1"/>
+                </a:solidFill>
+                <a:latin typeface="Courier New" panose="02070309020205020404" pitchFamily="49" charset="0"/>
+                <a:cs typeface="Courier New" panose="02070309020205020404" pitchFamily="49" charset="0"/>
+              </a:rPr>
+              <a:t> </a:t>
+            </a:r>
+            <a:r>
+              <a:rPr lang="nl-NL" sz="1400" kern="0" dirty="0" err="1">
+                <a:solidFill>
+                  <a:schemeClr val="tx1"/>
+                </a:solidFill>
+                <a:latin typeface="Courier New" panose="02070309020205020404" pitchFamily="49" charset="0"/>
+                <a:cs typeface="Courier New" panose="02070309020205020404" pitchFamily="49" charset="0"/>
+              </a:rPr>
+              <a:t>happens</a:t>
+            </a:r>
+            <a:r>
+              <a:rPr lang="nl-NL" sz="1400" kern="0" dirty="0">
+                <a:solidFill>
+                  <a:schemeClr val="tx1"/>
+                </a:solidFill>
+                <a:latin typeface="Courier New" panose="02070309020205020404" pitchFamily="49" charset="0"/>
+                <a:cs typeface="Courier New" panose="02070309020205020404" pitchFamily="49" charset="0"/>
+              </a:rPr>
               <a:t>. </a:t>
             </a:r>
             <a:r>
-              <a:rPr lang="nl-NL" sz="2000" dirty="0" err="1" smtClean="0"/>
-              <a:t>With</a:t>
-            </a:r>
-            <a:r>
-              <a:rPr lang="nl-NL" sz="2000" dirty="0" smtClean="0"/>
+              <a:rPr lang="nl-NL" sz="1400" kern="0" dirty="0" err="1">
+                <a:solidFill>
+                  <a:schemeClr val="tx1"/>
+                </a:solidFill>
+                <a:latin typeface="Courier New" panose="02070309020205020404" pitchFamily="49" charset="0"/>
+                <a:cs typeface="Courier New" panose="02070309020205020404" pitchFamily="49" charset="0"/>
+              </a:rPr>
+              <a:t>What</a:t>
+            </a:r>
+            <a:r>
+              <a:rPr lang="nl-NL" sz="1400" kern="0" dirty="0">
+                <a:solidFill>
+                  <a:schemeClr val="tx1"/>
+                </a:solidFill>
+                <a:latin typeface="Courier New" panose="02070309020205020404" pitchFamily="49" charset="0"/>
+                <a:cs typeface="Courier New" panose="02070309020205020404" pitchFamily="49" charset="0"/>
+              </a:rPr>
               <a:t> </a:t>
             </a:r>
             <a:r>
-              <a:rPr lang="nl-NL" sz="2000" dirty="0" err="1" smtClean="0"/>
-              <a:t>some</a:t>
-            </a:r>
-            <a:r>
-              <a:rPr lang="nl-NL" sz="2000" dirty="0" smtClean="0"/>
-              <a:t> </a:t>
-            </a:r>
-            <a:r>
-              <a:rPr lang="nl-NL" sz="2000" dirty="0" err="1" smtClean="0"/>
-              <a:t>pretty</a:t>
-            </a:r>
-            <a:r>
-              <a:rPr lang="nl-NL" sz="2000" dirty="0" smtClean="0"/>
-              <a:t> </a:t>
-            </a:r>
-            <a:r>
-              <a:rPr lang="nl-NL" sz="2000" dirty="0" err="1" smtClean="0"/>
-              <a:t>graphs</a:t>
-            </a:r>
-            <a:r>
-              <a:rPr lang="nl-NL" sz="2000" dirty="0" smtClean="0"/>
-              <a:t>.</a:t>
-            </a:r>
-          </a:p>
-          <a:p>
-            <a:endParaRPr lang="nl-NL" sz="2000" dirty="0"/>
-          </a:p>
-          <a:p>
-            <a:r>
-              <a:rPr lang="nl-NL" sz="2000" dirty="0" err="1" smtClean="0"/>
-              <a:t>You</a:t>
-            </a:r>
-            <a:r>
-              <a:rPr lang="nl-NL" sz="2000" dirty="0" smtClean="0"/>
-              <a:t> </a:t>
-            </a:r>
-            <a:r>
-              <a:rPr lang="nl-NL" sz="2000" dirty="0" err="1" smtClean="0"/>
-              <a:t>will</a:t>
-            </a:r>
-            <a:r>
-              <a:rPr lang="nl-NL" sz="2000" dirty="0" smtClean="0"/>
-              <a:t> get a tip from </a:t>
-            </a:r>
-            <a:r>
-              <a:rPr lang="nl-NL" sz="2000" dirty="0" err="1" smtClean="0"/>
-              <a:t>your</a:t>
-            </a:r>
-            <a:r>
-              <a:rPr lang="nl-NL" sz="2000" dirty="0" smtClean="0"/>
-              <a:t> </a:t>
-            </a:r>
-            <a:r>
-              <a:rPr lang="nl-NL" sz="2000" dirty="0" err="1" smtClean="0"/>
-              <a:t>lecturer</a:t>
-            </a:r>
-            <a:r>
-              <a:rPr lang="nl-NL" sz="2000" dirty="0" smtClean="0"/>
-              <a:t> </a:t>
-            </a:r>
-            <a:r>
-              <a:rPr lang="nl-NL" sz="2000" dirty="0" err="1" smtClean="0"/>
-              <a:t>by</a:t>
-            </a:r>
-            <a:r>
-              <a:rPr lang="nl-NL" sz="2000" dirty="0" smtClean="0"/>
-              <a:t> e-mail</a:t>
-            </a:r>
-          </a:p>
-          <a:p>
-            <a:endParaRPr lang="nl-NL" sz="2000" dirty="0"/>
-          </a:p>
-          <a:p>
-            <a:endParaRPr lang="nl-NL" sz="2000" dirty="0" smtClean="0"/>
-          </a:p>
-          <a:p>
-            <a:endParaRPr lang="nl-NL" sz="2000" dirty="0"/>
-          </a:p>
-          <a:p>
-            <a:endParaRPr lang="nl-NL" sz="2000" dirty="0"/>
+              <a:rPr lang="nl-NL" sz="1400" kern="0" dirty="0" err="1">
+                <a:solidFill>
+                  <a:schemeClr val="tx1"/>
+                </a:solidFill>
+                <a:latin typeface="Courier New" panose="02070309020205020404" pitchFamily="49" charset="0"/>
+                <a:cs typeface="Courier New" panose="02070309020205020404" pitchFamily="49" charset="0"/>
+              </a:rPr>
+              <a:t>seems</a:t>
+            </a:r>
+            <a:r>
+              <a:rPr lang="nl-NL" sz="1400" kern="0" dirty="0">
+                <a:solidFill>
+                  <a:schemeClr val="tx1"/>
+                </a:solidFill>
+                <a:latin typeface="Courier New" panose="02070309020205020404" pitchFamily="49" charset="0"/>
+                <a:cs typeface="Courier New" panose="02070309020205020404" pitchFamily="49" charset="0"/>
+              </a:rPr>
+              <a:t> like the ‘</a:t>
+            </a:r>
+            <a:r>
+              <a:rPr lang="nl-NL" sz="1400" kern="0" dirty="0" err="1">
+                <a:solidFill>
+                  <a:schemeClr val="tx1"/>
+                </a:solidFill>
+                <a:latin typeface="Courier New" panose="02070309020205020404" pitchFamily="49" charset="0"/>
+                <a:cs typeface="Courier New" panose="02070309020205020404" pitchFamily="49" charset="0"/>
+              </a:rPr>
+              <a:t>natural</a:t>
+            </a:r>
+            <a:r>
+              <a:rPr lang="nl-NL" sz="1400" kern="0" dirty="0">
+                <a:solidFill>
+                  <a:schemeClr val="tx1"/>
+                </a:solidFill>
+                <a:latin typeface="Courier New" panose="02070309020205020404" pitchFamily="49" charset="0"/>
+                <a:cs typeface="Courier New" panose="02070309020205020404" pitchFamily="49" charset="0"/>
+              </a:rPr>
+              <a:t>’ </a:t>
+            </a:r>
+            <a:r>
+              <a:rPr lang="nl-NL" sz="1400" kern="0" dirty="0" err="1">
+                <a:solidFill>
+                  <a:schemeClr val="tx1"/>
+                </a:solidFill>
+                <a:latin typeface="Courier New" panose="02070309020205020404" pitchFamily="49" charset="0"/>
+                <a:cs typeface="Courier New" panose="02070309020205020404" pitchFamily="49" charset="0"/>
+              </a:rPr>
+              <a:t>number</a:t>
+            </a:r>
+            <a:r>
+              <a:rPr lang="nl-NL" sz="1400" kern="0" dirty="0">
+                <a:solidFill>
+                  <a:schemeClr val="tx1"/>
+                </a:solidFill>
+                <a:latin typeface="Courier New" panose="02070309020205020404" pitchFamily="49" charset="0"/>
+                <a:cs typeface="Courier New" panose="02070309020205020404" pitchFamily="49" charset="0"/>
+              </a:rPr>
+              <a:t> of clusters for this data set?</a:t>
+            </a:r>
+          </a:p>
+          <a:p>
+            <a:pPr>
+              <a:buFont typeface="+mj-lt"/>
+              <a:buAutoNum type="arabicPeriod"/>
+            </a:pPr>
+            <a:endParaRPr lang="nl-NL" sz="1400" kern="0" dirty="0" smtClean="0">
+              <a:latin typeface="Courier New" panose="02070309020205020404" pitchFamily="49" charset="0"/>
+              <a:cs typeface="Courier New" panose="02070309020205020404" pitchFamily="49" charset="0"/>
+            </a:endParaRPr>
+          </a:p>
+          <a:p>
+            <a:pPr marL="0" indent="0">
+              <a:buFont typeface="Zapf Dingbats" charset="2"/>
+              <a:buNone/>
+            </a:pPr>
+            <a:endParaRPr lang="nl-NL" sz="1400" kern="0" dirty="0">
+              <a:latin typeface="Courier New" panose="02070309020205020404" pitchFamily="49" charset="0"/>
+              <a:cs typeface="Courier New" panose="02070309020205020404" pitchFamily="49" charset="0"/>
+            </a:endParaRPr>
+          </a:p>
+          <a:p>
+            <a:pPr marL="0" indent="0">
+              <a:buFont typeface="Zapf Dingbats" charset="2"/>
+              <a:buNone/>
+            </a:pPr>
+            <a:endParaRPr lang="nl-NL" sz="1400" kern="0" dirty="0" smtClean="0">
+              <a:latin typeface="Courier New" panose="02070309020205020404" pitchFamily="49" charset="0"/>
+              <a:cs typeface="Courier New" panose="02070309020205020404" pitchFamily="49" charset="0"/>
+            </a:endParaRPr>
+          </a:p>
+          <a:p>
+            <a:pPr marL="0" indent="0">
+              <a:buFont typeface="Zapf Dingbats" charset="2"/>
+              <a:buNone/>
+            </a:pPr>
+            <a:endParaRPr lang="nl-NL" sz="1400" kern="0" dirty="0">
+              <a:latin typeface="Courier New" panose="02070309020205020404" pitchFamily="49" charset="0"/>
+              <a:cs typeface="Courier New" panose="02070309020205020404" pitchFamily="49" charset="0"/>
+            </a:endParaRPr>
+          </a:p>
+          <a:p>
+            <a:pPr marL="0" indent="0">
+              <a:buFont typeface="Zapf Dingbats" charset="2"/>
+              <a:buNone/>
+            </a:pPr>
+            <a:endParaRPr lang="nl-NL" sz="1400" kern="0" dirty="0" smtClean="0">
+              <a:latin typeface="Courier New" panose="02070309020205020404" pitchFamily="49" charset="0"/>
+              <a:cs typeface="Courier New" panose="02070309020205020404" pitchFamily="49" charset="0"/>
+            </a:endParaRPr>
           </a:p>
         </p:txBody>
       </p:sp>
     </p:spTree>
     <p:extLst>
       <p:ext uri="{BB962C8B-B14F-4D97-AF65-F5344CB8AC3E}">
-        <p14:creationId xmlns:p14="http://schemas.microsoft.com/office/powerpoint/2010/main" val="1843854581"/>
+        <p14:creationId xmlns:p14="http://schemas.microsoft.com/office/powerpoint/2010/main" val="1741002832"/>
       </p:ext>
     </p:extLst>
   </p:cSld>
   <p:clrMapOvr>
     <a:masterClrMapping/>
   </p:clrMapOvr>
+  <p:timing>
+    <p:tnLst>
+      <p:par>
+        <p:cTn id="1" dur="indefinite" restart="never" nodeType="tmRoot"/>
+      </p:par>
+    </p:tnLst>
+  </p:timing>
 </p:sld>
 </file>
 
@@ -6252,10 +9149,30 @@
           <a:lstStyle/>
           <a:p>
             <a:r>
+              <a:rPr lang="nl-NL" dirty="0" err="1" smtClean="0"/>
+              <a:t>Problems</a:t>
+            </a:r>
+            <a:r>
               <a:rPr lang="nl-NL" dirty="0" smtClean="0"/>
-              <a:t>Format</a:t>
-            </a:r>
-            <a:endParaRPr lang="nl-NL" dirty="0"/>
+              <a:t> </a:t>
+            </a:r>
+            <a:r>
+              <a:rPr lang="nl-NL" dirty="0" err="1" smtClean="0"/>
+              <a:t>with</a:t>
+            </a:r>
+            <a:r>
+              <a:rPr lang="nl-NL" dirty="0" smtClean="0"/>
+              <a:t> </a:t>
+            </a:r>
+            <a:r>
+              <a:rPr lang="nl-NL" i="1" dirty="0" smtClean="0"/>
+              <a:t>k</a:t>
+            </a:r>
+            <a:r>
+              <a:rPr lang="nl-NL" dirty="0" smtClean="0"/>
+              <a:t>-means</a:t>
+            </a:r>
+            <a:endParaRPr lang="nl-NL" i="1" dirty="0"/>
           </a:p>
         </p:txBody>
       </p:sp>
@@ -6271,8 +9188,8 @@
         </p:nvSpPr>
         <p:spPr>
           <a:xfrm>
-            <a:off x="755576" y="1484784"/>
-            <a:ext cx="7881938" cy="5780044"/>
+            <a:off x="762000" y="1762125"/>
+            <a:ext cx="7881938" cy="2603790"/>
           </a:xfrm>
         </p:spPr>
         <p:txBody>
@@ -6280,118 +9197,121 @@
           <a:lstStyle/>
           <a:p>
             <a:r>
-              <a:rPr lang="en-US" sz="1600" b="1" dirty="0"/>
-              <a:t>Introduction</a:t>
-            </a:r>
-            <a:r>
-              <a:rPr lang="en-US" sz="1600" dirty="0"/>
-              <a:t>: in which you define the context, the research question and the practical relevance</a:t>
-            </a:r>
-          </a:p>
-          <a:p>
-            <a:endParaRPr lang="en-US" sz="1600" dirty="0" smtClean="0"/>
-          </a:p>
-          <a:p>
-            <a:r>
-              <a:rPr lang="en-US" sz="1600" b="1" dirty="0" smtClean="0"/>
-              <a:t>Data </a:t>
-            </a:r>
-            <a:r>
-              <a:rPr lang="en-US" sz="1600" b="1" dirty="0"/>
-              <a:t>set</a:t>
-            </a:r>
-            <a:r>
-              <a:rPr lang="en-US" sz="1600" dirty="0"/>
-              <a:t>: in which you explain how you acquired the data, and show your data cleaning steps</a:t>
-            </a:r>
-          </a:p>
-          <a:p>
-            <a:endParaRPr lang="en-US" sz="1600" dirty="0" smtClean="0"/>
-          </a:p>
-          <a:p>
-            <a:r>
-              <a:rPr lang="en-US" sz="1600" b="1" dirty="0" smtClean="0"/>
-              <a:t>Feature </a:t>
-            </a:r>
-            <a:r>
-              <a:rPr lang="en-US" sz="1600" b="1" dirty="0"/>
-              <a:t>engineering</a:t>
-            </a:r>
-            <a:r>
-              <a:rPr lang="en-US" sz="1600" dirty="0"/>
-              <a:t>: in which you explain which transformations you have made to make your variables more informative (e.g., calculating number of days from a starting date)</a:t>
-            </a:r>
-          </a:p>
-          <a:p>
-            <a:endParaRPr lang="en-US" sz="1600" dirty="0" smtClean="0"/>
-          </a:p>
-          <a:p>
-            <a:r>
-              <a:rPr lang="en-US" sz="1600" b="1" dirty="0" smtClean="0"/>
-              <a:t>Descriptive </a:t>
-            </a:r>
-            <a:r>
-              <a:rPr lang="en-US" sz="1600" b="1" dirty="0"/>
-              <a:t>analysis</a:t>
-            </a:r>
-            <a:r>
-              <a:rPr lang="en-US" sz="1600" dirty="0"/>
-              <a:t>: in which you show </a:t>
-            </a:r>
-            <a:r>
-              <a:rPr lang="en-US" sz="1600" i="1" dirty="0"/>
-              <a:t>relevant</a:t>
-            </a:r>
-            <a:r>
-              <a:rPr lang="en-US" sz="1600" dirty="0"/>
-              <a:t> graphs, tables and numbers with respect to your problem</a:t>
-            </a:r>
-          </a:p>
-          <a:p>
-            <a:endParaRPr lang="en-US" sz="1600" dirty="0" smtClean="0"/>
-          </a:p>
-          <a:p>
-            <a:r>
-              <a:rPr lang="en-US" sz="1600" b="1" dirty="0" smtClean="0"/>
-              <a:t>Predictive </a:t>
-            </a:r>
-            <a:r>
-              <a:rPr lang="en-US" sz="1600" b="1" dirty="0"/>
-              <a:t>model</a:t>
-            </a:r>
-            <a:r>
-              <a:rPr lang="en-US" sz="1600" dirty="0"/>
-              <a:t>: in which you explain which analysis you have chosen and why. In which you build a relevant statistical model or train a machine learning algorithm.</a:t>
-            </a:r>
-          </a:p>
-          <a:p>
-            <a:endParaRPr lang="en-US" sz="1600" dirty="0" smtClean="0"/>
-          </a:p>
-          <a:p>
-            <a:r>
-              <a:rPr lang="en-US" sz="1600" b="1" dirty="0" smtClean="0"/>
-              <a:t>Evaluation</a:t>
-            </a:r>
-            <a:r>
-              <a:rPr lang="en-US" sz="1600" dirty="0"/>
-              <a:t>: in which you evaluate the model: numerically, qualitatively and in terms of practical value.</a:t>
-            </a:r>
-          </a:p>
-          <a:p>
-            <a:endParaRPr lang="nl-NL" dirty="0"/>
+              <a:rPr lang="nl-NL" sz="2400" i="1" dirty="0"/>
+              <a:t>k</a:t>
+            </a:r>
+            <a:r>
+              <a:rPr lang="nl-NL" sz="2400" dirty="0" smtClean="0"/>
+              <a:t>-means can </a:t>
+            </a:r>
+            <a:r>
+              <a:rPr lang="nl-NL" sz="2400" dirty="0" err="1" smtClean="0"/>
+              <a:t>only</a:t>
+            </a:r>
+            <a:r>
+              <a:rPr lang="nl-NL" sz="2400" dirty="0" smtClean="0"/>
+              <a:t> make </a:t>
+            </a:r>
+            <a:r>
+              <a:rPr lang="nl-NL" sz="2400" dirty="0" err="1" smtClean="0"/>
+              <a:t>Voronoi</a:t>
+            </a:r>
+            <a:r>
+              <a:rPr lang="nl-NL" sz="2400" dirty="0" smtClean="0"/>
+              <a:t> </a:t>
+            </a:r>
+            <a:r>
+              <a:rPr lang="nl-NL" sz="2400" dirty="0" err="1" smtClean="0"/>
+              <a:t>cells</a:t>
+            </a:r>
+            <a:r>
+              <a:rPr lang="nl-NL" sz="2400" dirty="0" smtClean="0"/>
+              <a:t> (straight </a:t>
+            </a:r>
+            <a:r>
+              <a:rPr lang="nl-NL" sz="2400" dirty="0" err="1" smtClean="0"/>
+              <a:t>lines</a:t>
+            </a:r>
+            <a:r>
+              <a:rPr lang="nl-NL" sz="2400" dirty="0" smtClean="0"/>
+              <a:t>)</a:t>
+            </a:r>
+          </a:p>
+          <a:p>
+            <a:endParaRPr lang="nl-NL" sz="2400" dirty="0"/>
+          </a:p>
+          <a:p>
+            <a:r>
+              <a:rPr lang="nl-NL" sz="2400" dirty="0" err="1" smtClean="0"/>
+              <a:t>Suitable</a:t>
+            </a:r>
+            <a:r>
+              <a:rPr lang="nl-NL" sz="2400" dirty="0" smtClean="0"/>
+              <a:t> </a:t>
+            </a:r>
+            <a:r>
+              <a:rPr lang="nl-NL" sz="2400" dirty="0" err="1" smtClean="0"/>
+              <a:t>number</a:t>
+            </a:r>
+            <a:r>
+              <a:rPr lang="nl-NL" sz="2400" dirty="0" smtClean="0"/>
+              <a:t> of clusters </a:t>
+            </a:r>
+            <a:r>
+              <a:rPr lang="nl-NL" sz="2400" dirty="0" err="1" smtClean="0"/>
+              <a:t>often</a:t>
+            </a:r>
+            <a:r>
+              <a:rPr lang="nl-NL" sz="2400" dirty="0" smtClean="0"/>
+              <a:t> hard </a:t>
+            </a:r>
+            <a:r>
+              <a:rPr lang="nl-NL" sz="2400" dirty="0" err="1" smtClean="0"/>
+              <a:t>to</a:t>
+            </a:r>
+            <a:r>
+              <a:rPr lang="nl-NL" sz="2400" dirty="0" smtClean="0"/>
+              <a:t> </a:t>
+            </a:r>
+            <a:r>
+              <a:rPr lang="nl-NL" sz="2400" dirty="0" err="1" smtClean="0"/>
+              <a:t>determine</a:t>
+            </a:r>
+            <a:r>
+              <a:rPr lang="nl-NL" sz="2400" dirty="0" smtClean="0"/>
+              <a:t> in </a:t>
+            </a:r>
+            <a:r>
+              <a:rPr lang="nl-NL" sz="2400" dirty="0" err="1" smtClean="0"/>
+              <a:t>practice</a:t>
+            </a:r>
+            <a:endParaRPr lang="nl-NL" sz="2400" dirty="0" smtClean="0"/>
+          </a:p>
+          <a:p>
+            <a:endParaRPr lang="nl-NL" sz="2400" dirty="0"/>
+          </a:p>
+          <a:p>
+            <a:endParaRPr lang="nl-NL" sz="2400" dirty="0"/>
           </a:p>
         </p:txBody>
       </p:sp>
     </p:spTree>
     <p:extLst>
       <p:ext uri="{BB962C8B-B14F-4D97-AF65-F5344CB8AC3E}">
-        <p14:creationId xmlns:p14="http://schemas.microsoft.com/office/powerpoint/2010/main" val="908726166"/>
+        <p14:creationId xmlns:p14="http://schemas.microsoft.com/office/powerpoint/2010/main" val="1217448092"/>
       </p:ext>
     </p:extLst>
   </p:cSld>
   <p:clrMapOvr>
     <a:masterClrMapping/>
   </p:clrMapOvr>
+  <p:timing>
+    <p:tnLst>
+      <p:par>
+        <p:cTn id="1" dur="indefinite" restart="never" nodeType="tmRoot"/>
+      </p:par>
+    </p:tnLst>
+  </p:timing>
 </p:sld>
 </file>
 
@@ -6429,11 +9349,7 @@
           <a:p>
             <a:r>
               <a:rPr lang="nl-NL" dirty="0" smtClean="0"/>
-              <a:t>Peer </a:t>
-            </a:r>
-            <a:r>
-              <a:rPr lang="nl-NL" dirty="0" err="1" smtClean="0"/>
-              <a:t>groups</a:t>
+              <a:t>Presentation</a:t>
             </a:r>
             <a:endParaRPr lang="nl-NL" dirty="0"/>
           </a:p>
@@ -6451,8 +9367,8 @@
         </p:nvSpPr>
         <p:spPr>
           <a:xfrm>
-            <a:off x="762000" y="1762125"/>
-            <a:ext cx="7881938" cy="4764381"/>
+            <a:off x="755576" y="1628800"/>
+            <a:ext cx="7881938" cy="5878532"/>
           </a:xfrm>
         </p:spPr>
         <p:txBody>
@@ -6460,158 +9376,357 @@
           <a:lstStyle/>
           <a:p>
             <a:r>
-              <a:rPr lang="nl-NL" dirty="0" smtClean="0"/>
+              <a:rPr lang="nl-NL" sz="1600" dirty="0" smtClean="0"/>
+              <a:t>Week 9</a:t>
+            </a:r>
+          </a:p>
+          <a:p>
+            <a:pPr lvl="1"/>
+            <a:r>
+              <a:rPr lang="nl-NL" sz="1400" dirty="0" smtClean="0"/>
+              <a:t>D02: </a:t>
+            </a:r>
+            <a:r>
+              <a:rPr lang="nl-NL" sz="1400" dirty="0" err="1" smtClean="0"/>
+              <a:t>Wednesday</a:t>
+            </a:r>
+            <a:r>
+              <a:rPr lang="nl-NL" sz="1400" dirty="0" smtClean="0"/>
+              <a:t> 20th </a:t>
+            </a:r>
+            <a:r>
+              <a:rPr lang="nl-NL" sz="1400" dirty="0" err="1" smtClean="0"/>
+              <a:t>January</a:t>
+            </a:r>
+            <a:endParaRPr lang="nl-NL" sz="1400" dirty="0" smtClean="0"/>
+          </a:p>
+          <a:p>
+            <a:pPr lvl="1"/>
+            <a:r>
+              <a:rPr lang="nl-NL" sz="1400" dirty="0" smtClean="0"/>
+              <a:t>D01: Friday 22nd </a:t>
+            </a:r>
+            <a:r>
+              <a:rPr lang="nl-NL" sz="1400" dirty="0" err="1" smtClean="0"/>
+              <a:t>January</a:t>
+            </a:r>
+            <a:endParaRPr lang="nl-NL" sz="1400" dirty="0" smtClean="0"/>
+          </a:p>
+          <a:p>
+            <a:pPr lvl="1"/>
+            <a:endParaRPr lang="nl-NL" sz="1400" dirty="0"/>
+          </a:p>
+          <a:p>
+            <a:r>
+              <a:rPr lang="nl-NL" sz="1600" dirty="0" err="1" smtClean="0"/>
+              <a:t>You</a:t>
+            </a:r>
+            <a:r>
+              <a:rPr lang="nl-NL" sz="1600" dirty="0" smtClean="0"/>
+              <a:t> get short feedback from peers </a:t>
+            </a:r>
+            <a:r>
+              <a:rPr lang="nl-NL" sz="1600" dirty="0" err="1" smtClean="0"/>
+              <a:t>and</a:t>
+            </a:r>
+            <a:r>
+              <a:rPr lang="nl-NL" sz="1600" dirty="0" smtClean="0"/>
+              <a:t> from me via e-mail</a:t>
+            </a:r>
+          </a:p>
+          <a:p>
+            <a:endParaRPr lang="nl-NL" sz="1600" dirty="0"/>
+          </a:p>
+          <a:p>
+            <a:r>
+              <a:rPr lang="nl-NL" sz="1600" dirty="0" err="1" smtClean="0"/>
+              <a:t>Physical</a:t>
+            </a:r>
+            <a:r>
+              <a:rPr lang="nl-NL" sz="1600" dirty="0" smtClean="0"/>
+              <a:t> or online → </a:t>
+            </a:r>
+            <a:r>
+              <a:rPr lang="nl-NL" sz="1600" dirty="0" err="1" smtClean="0"/>
+              <a:t>what</a:t>
+            </a:r>
+            <a:r>
+              <a:rPr lang="nl-NL" sz="1600" dirty="0" smtClean="0"/>
+              <a:t> is </a:t>
+            </a:r>
+            <a:r>
+              <a:rPr lang="nl-NL" sz="1600" dirty="0" err="1" smtClean="0"/>
+              <a:t>your</a:t>
+            </a:r>
+            <a:r>
+              <a:rPr lang="nl-NL" sz="1600" dirty="0" smtClean="0"/>
+              <a:t> </a:t>
+            </a:r>
+            <a:r>
+              <a:rPr lang="nl-NL" sz="1600" dirty="0" err="1" smtClean="0"/>
+              <a:t>preference</a:t>
+            </a:r>
+            <a:r>
+              <a:rPr lang="nl-NL" sz="1600" dirty="0" smtClean="0"/>
+              <a:t>? </a:t>
+            </a:r>
+            <a:r>
+              <a:rPr lang="nl-NL" sz="1600" dirty="0" err="1" smtClean="0"/>
+              <a:t>Definitive</a:t>
+            </a:r>
+            <a:r>
+              <a:rPr lang="nl-NL" sz="1600" dirty="0" smtClean="0"/>
+              <a:t> details end of next week</a:t>
+            </a:r>
+            <a:endParaRPr lang="nl-NL" sz="1600" dirty="0" smtClean="0"/>
+          </a:p>
+          <a:p>
+            <a:endParaRPr lang="nl-NL" sz="1600" dirty="0"/>
+          </a:p>
+          <a:p>
+            <a:r>
+              <a:rPr lang="nl-NL" sz="1600" b="1" dirty="0" err="1" smtClean="0"/>
+              <a:t>If</a:t>
+            </a:r>
+            <a:r>
+              <a:rPr lang="nl-NL" sz="1600" b="1" dirty="0" smtClean="0"/>
+              <a:t> </a:t>
+            </a:r>
+            <a:r>
+              <a:rPr lang="nl-NL" sz="1600" b="1" dirty="0" err="1" smtClean="0"/>
+              <a:t>physical</a:t>
+            </a:r>
+            <a:r>
+              <a:rPr lang="nl-NL" sz="1600" b="1" dirty="0" smtClean="0"/>
+              <a:t>:</a:t>
+            </a:r>
+          </a:p>
+          <a:p>
+            <a:pPr lvl="1"/>
+            <a:r>
+              <a:rPr lang="nl-NL" sz="1400" dirty="0" err="1" smtClean="0"/>
+              <a:t>Presentations</a:t>
+            </a:r>
+            <a:r>
+              <a:rPr lang="nl-NL" sz="1400" dirty="0" smtClean="0"/>
+              <a:t> of 5 min. </a:t>
+            </a:r>
+            <a:r>
+              <a:rPr lang="nl-NL" sz="1400" dirty="0" err="1" smtClean="0"/>
+              <a:t>with</a:t>
+            </a:r>
+            <a:r>
+              <a:rPr lang="nl-NL" sz="1400" dirty="0" smtClean="0"/>
+              <a:t> max. 5 slides</a:t>
+            </a:r>
+          </a:p>
+          <a:p>
+            <a:pPr lvl="1"/>
+            <a:r>
+              <a:rPr lang="nl-NL" sz="1400" dirty="0" smtClean="0"/>
               <a:t>In </a:t>
             </a:r>
             <a:r>
-              <a:rPr lang="nl-NL" dirty="0" err="1" smtClean="0"/>
+              <a:rPr lang="nl-NL" sz="1400" dirty="0" err="1" smtClean="0"/>
               <a:t>groups</a:t>
             </a:r>
             <a:r>
-              <a:rPr lang="nl-NL" dirty="0" smtClean="0"/>
-              <a:t> of 4 (5 min. </a:t>
-            </a:r>
-            <a:r>
-              <a:rPr lang="nl-NL" dirty="0" err="1" smtClean="0"/>
-              <a:t>each</a:t>
-            </a:r>
-            <a:r>
-              <a:rPr lang="nl-NL" dirty="0" smtClean="0"/>
-              <a:t>):</a:t>
+              <a:rPr lang="nl-NL" sz="1400" dirty="0" smtClean="0"/>
+              <a:t> of 6-8 (</a:t>
+            </a:r>
+            <a:r>
+              <a:rPr lang="nl-NL" sz="1400" dirty="0" err="1" smtClean="0"/>
+              <a:t>schedule</a:t>
+            </a:r>
+            <a:r>
+              <a:rPr lang="nl-NL" sz="1400" dirty="0" smtClean="0"/>
+              <a:t> </a:t>
+            </a:r>
+            <a:r>
+              <a:rPr lang="nl-NL" sz="1400" dirty="0" err="1" smtClean="0"/>
+              <a:t>to</a:t>
+            </a:r>
+            <a:r>
+              <a:rPr lang="nl-NL" sz="1400" dirty="0" smtClean="0"/>
+              <a:t> </a:t>
+            </a:r>
+            <a:r>
+              <a:rPr lang="nl-NL" sz="1400" dirty="0" err="1" smtClean="0"/>
+              <a:t>be</a:t>
+            </a:r>
+            <a:r>
+              <a:rPr lang="nl-NL" sz="1400" dirty="0" smtClean="0"/>
+              <a:t> sent)</a:t>
             </a:r>
           </a:p>
           <a:p>
             <a:pPr lvl="1"/>
             <a:r>
-              <a:rPr lang="nl-NL" dirty="0" err="1" smtClean="0"/>
-              <a:t>Briefly</a:t>
-            </a:r>
-            <a:r>
-              <a:rPr lang="nl-NL" dirty="0" smtClean="0"/>
+              <a:rPr lang="nl-NL" sz="1400" dirty="0" err="1" smtClean="0"/>
+              <a:t>Streamed</a:t>
+            </a:r>
+            <a:r>
+              <a:rPr lang="nl-NL" sz="1400" dirty="0" smtClean="0"/>
+              <a:t> online via Teams (</a:t>
+            </a:r>
+            <a:r>
+              <a:rPr lang="nl-NL" sz="1400" dirty="0" err="1" smtClean="0"/>
+              <a:t>unless</a:t>
+            </a:r>
+            <a:r>
+              <a:rPr lang="nl-NL" sz="1400" dirty="0" smtClean="0"/>
               <a:t> </a:t>
             </a:r>
             <a:r>
-              <a:rPr lang="nl-NL" dirty="0" err="1" smtClean="0"/>
-              <a:t>summarize</a:t>
-            </a:r>
-            <a:r>
-              <a:rPr lang="nl-NL" dirty="0" smtClean="0"/>
+              <a:rPr lang="nl-NL" sz="1400" dirty="0" err="1" smtClean="0"/>
+              <a:t>you</a:t>
+            </a:r>
+            <a:r>
+              <a:rPr lang="nl-NL" sz="1400" dirty="0" smtClean="0"/>
+              <a:t> object) for peers, family </a:t>
+            </a:r>
+            <a:r>
+              <a:rPr lang="nl-NL" sz="1400" dirty="0" err="1" smtClean="0"/>
+              <a:t>and</a:t>
+            </a:r>
+            <a:r>
+              <a:rPr lang="nl-NL" sz="1400" dirty="0" smtClean="0"/>
               <a:t> </a:t>
             </a:r>
             <a:r>
-              <a:rPr lang="nl-NL" dirty="0" err="1" smtClean="0"/>
-              <a:t>your</a:t>
-            </a:r>
-            <a:r>
-              <a:rPr lang="nl-NL" dirty="0" smtClean="0"/>
-              <a:t> project </a:t>
-            </a:r>
-            <a:r>
-              <a:rPr lang="nl-NL" dirty="0" err="1" smtClean="0"/>
-              <a:t>and</a:t>
-            </a:r>
-            <a:r>
-              <a:rPr lang="nl-NL" dirty="0" smtClean="0"/>
+              <a:rPr lang="nl-NL" sz="1400" dirty="0" err="1" smtClean="0"/>
+              <a:t>friends</a:t>
+            </a:r>
+            <a:endParaRPr lang="nl-NL" sz="1400" dirty="0" smtClean="0"/>
+          </a:p>
+          <a:p>
+            <a:pPr lvl="1"/>
+            <a:r>
+              <a:rPr lang="nl-NL" sz="1400" dirty="0" err="1" smtClean="0"/>
+              <a:t>Possible</a:t>
+            </a:r>
+            <a:r>
+              <a:rPr lang="nl-NL" sz="1400" dirty="0" smtClean="0"/>
               <a:t> </a:t>
             </a:r>
             <a:r>
-              <a:rPr lang="nl-NL" dirty="0" err="1" smtClean="0"/>
-              <a:t>its</a:t>
-            </a:r>
-            <a:r>
-              <a:rPr lang="nl-NL" dirty="0" smtClean="0"/>
-              <a:t> present state</a:t>
-            </a:r>
+              <a:rPr lang="nl-NL" sz="1400" dirty="0" err="1" smtClean="0"/>
+              <a:t>to</a:t>
+            </a:r>
+            <a:r>
+              <a:rPr lang="nl-NL" sz="1400" dirty="0" smtClean="0"/>
+              <a:t> </a:t>
+            </a:r>
+            <a:r>
+              <a:rPr lang="nl-NL" sz="1400" dirty="0" err="1" smtClean="0"/>
+              <a:t>participate</a:t>
+            </a:r>
+            <a:r>
+              <a:rPr lang="nl-NL" sz="1400" dirty="0" smtClean="0"/>
+              <a:t> online</a:t>
+            </a:r>
+          </a:p>
+          <a:p>
+            <a:endParaRPr lang="nl-NL" sz="1600" b="1" dirty="0"/>
+          </a:p>
+          <a:p>
+            <a:r>
+              <a:rPr lang="nl-NL" sz="1600" b="1" dirty="0" err="1" smtClean="0"/>
+              <a:t>If</a:t>
+            </a:r>
+            <a:r>
+              <a:rPr lang="nl-NL" sz="1600" b="1" dirty="0" smtClean="0"/>
+              <a:t> online:</a:t>
+            </a:r>
+            <a:endParaRPr lang="nl-NL" sz="1600" b="1" dirty="0" smtClean="0"/>
           </a:p>
           <a:p>
             <a:pPr lvl="1"/>
             <a:r>
-              <a:rPr lang="nl-NL" dirty="0" err="1" smtClean="0"/>
-              <a:t>What</a:t>
-            </a:r>
-            <a:r>
-              <a:rPr lang="nl-NL" dirty="0" smtClean="0"/>
-              <a:t> are </a:t>
-            </a:r>
-            <a:r>
-              <a:rPr lang="nl-NL" dirty="0" err="1" smtClean="0"/>
-              <a:t>your</a:t>
-            </a:r>
-            <a:r>
-              <a:rPr lang="nl-NL" dirty="0" smtClean="0"/>
+              <a:rPr lang="nl-NL" sz="1400" dirty="0" smtClean="0"/>
+              <a:t>Poster </a:t>
+            </a:r>
+            <a:r>
+              <a:rPr lang="nl-NL" sz="1400" dirty="0" err="1" smtClean="0"/>
+              <a:t>presentation</a:t>
+            </a:r>
+            <a:r>
+              <a:rPr lang="nl-NL" sz="1400" dirty="0" smtClean="0"/>
+              <a:t> in </a:t>
+            </a:r>
+            <a:r>
+              <a:rPr lang="nl-NL" sz="1400" dirty="0" err="1" smtClean="0"/>
+              <a:t>Gather</a:t>
+            </a:r>
+            <a:endParaRPr lang="nl-NL" sz="1400" dirty="0" smtClean="0"/>
+          </a:p>
+          <a:p>
+            <a:pPr lvl="1"/>
+            <a:r>
+              <a:rPr lang="nl-NL" sz="1400" dirty="0" smtClean="0"/>
+              <a:t>PDF </a:t>
+            </a:r>
+            <a:r>
+              <a:rPr lang="nl-NL" sz="1400" dirty="0" err="1" smtClean="0"/>
+              <a:t>with</a:t>
+            </a:r>
+            <a:r>
+              <a:rPr lang="nl-NL" sz="1400" dirty="0" smtClean="0"/>
               <a:t> </a:t>
             </a:r>
             <a:r>
-              <a:rPr lang="nl-NL" dirty="0" err="1" smtClean="0"/>
-              <a:t>challenges</a:t>
-            </a:r>
-            <a:r>
-              <a:rPr lang="nl-NL" dirty="0" smtClean="0"/>
-              <a:t>?</a:t>
-            </a:r>
+              <a:rPr lang="nl-NL" sz="1400" dirty="0" err="1" smtClean="0"/>
+              <a:t>simple</a:t>
+            </a:r>
+            <a:r>
+              <a:rPr lang="nl-NL" sz="1400" dirty="0" smtClean="0"/>
+              <a:t> poster</a:t>
+            </a:r>
+            <a:endParaRPr lang="nl-NL" sz="1400" dirty="0" smtClean="0"/>
           </a:p>
           <a:p>
             <a:pPr lvl="1"/>
-            <a:r>
-              <a:rPr lang="nl-NL" dirty="0" err="1" smtClean="0"/>
-              <a:t>Receive</a:t>
-            </a:r>
-            <a:r>
-              <a:rPr lang="nl-NL" dirty="0" smtClean="0"/>
-              <a:t> feedback</a:t>
-            </a:r>
-          </a:p>
-          <a:p>
-            <a:pPr lvl="1"/>
-            <a:r>
-              <a:rPr lang="nl-NL" dirty="0" smtClean="0"/>
-              <a:t>State </a:t>
-            </a:r>
-            <a:r>
-              <a:rPr lang="nl-NL" dirty="0" err="1" smtClean="0"/>
-              <a:t>your</a:t>
-            </a:r>
-            <a:r>
-              <a:rPr lang="nl-NL" dirty="0" smtClean="0"/>
-              <a:t> goal for </a:t>
-            </a:r>
-            <a:r>
-              <a:rPr lang="nl-NL" dirty="0" err="1" smtClean="0"/>
-              <a:t>today</a:t>
-            </a:r>
-            <a:endParaRPr lang="nl-NL" dirty="0" smtClean="0"/>
-          </a:p>
-          <a:p>
-            <a:pPr lvl="1"/>
-            <a:endParaRPr lang="nl-NL" dirty="0"/>
-          </a:p>
-          <a:p>
-            <a:r>
-              <a:rPr lang="nl-NL" dirty="0" smtClean="0"/>
-              <a:t>Check-in at </a:t>
-            </a:r>
-            <a:r>
-              <a:rPr lang="nl-NL" b="1" dirty="0" smtClean="0"/>
-              <a:t>11:30h</a:t>
-            </a:r>
-            <a:endParaRPr lang="nl-NL" dirty="0" smtClean="0"/>
-          </a:p>
-          <a:p>
-            <a:pPr marL="533400" lvl="1" indent="0">
-              <a:buNone/>
-            </a:pPr>
-            <a:endParaRPr lang="nl-NL" dirty="0" smtClean="0"/>
-          </a:p>
-          <a:p>
-            <a:pPr lvl="1"/>
-            <a:endParaRPr lang="nl-NL" dirty="0"/>
+            <a:endParaRPr lang="nl-NL" sz="1400" dirty="0"/>
+          </a:p>
+          <a:p>
+            <a:endParaRPr lang="nl-NL" sz="1600" dirty="0" smtClean="0"/>
+          </a:p>
+          <a:p>
+            <a:endParaRPr lang="nl-NL" sz="1600" dirty="0"/>
+          </a:p>
+          <a:p>
+            <a:endParaRPr lang="nl-NL" sz="1600" dirty="0"/>
           </a:p>
         </p:txBody>
       </p:sp>
+      <p:pic>
+        <p:nvPicPr>
+          <p:cNvPr id="4" name="Afbeelding 3"/>
+          <p:cNvPicPr>
+            <a:picLocks noChangeAspect="1"/>
+          </p:cNvPicPr>
+          <p:nvPr/>
+        </p:nvPicPr>
+        <p:blipFill>
+          <a:blip r:embed="rId2"/>
+          <a:stretch>
+            <a:fillRect/>
+          </a:stretch>
+        </p:blipFill>
+        <p:spPr>
+          <a:xfrm>
+            <a:off x="5292080" y="5013176"/>
+            <a:ext cx="3685958" cy="1751716"/>
+          </a:xfrm>
+          <a:prstGeom prst="rect">
+            <a:avLst/>
+          </a:prstGeom>
+        </p:spPr>
+      </p:pic>
     </p:spTree>
     <p:extLst>
       <p:ext uri="{BB962C8B-B14F-4D97-AF65-F5344CB8AC3E}">
-        <p14:creationId xmlns:p14="http://schemas.microsoft.com/office/powerpoint/2010/main" val="3634760836"/>
+        <p14:creationId xmlns:p14="http://schemas.microsoft.com/office/powerpoint/2010/main" val="1843854581"/>
       </p:ext>
     </p:extLst>
   </p:cSld>
@@ -6655,7 +9770,187 @@
           <a:p>
             <a:r>
               <a:rPr lang="nl-NL" dirty="0" smtClean="0"/>
-              <a:t>Check-in (11:30h)</a:t>
+              <a:t>Format</a:t>
+            </a:r>
+            <a:endParaRPr lang="nl-NL" dirty="0"/>
+          </a:p>
+        </p:txBody>
+      </p:sp>
+      <p:sp>
+        <p:nvSpPr>
+          <p:cNvPr id="3" name="Tijdelijke aanduiding voor inhoud 2"/>
+          <p:cNvSpPr>
+            <a:spLocks noGrp="1"/>
+          </p:cNvSpPr>
+          <p:nvPr>
+            <p:ph idx="1"/>
+          </p:nvPr>
+        </p:nvSpPr>
+        <p:spPr>
+          <a:xfrm>
+            <a:off x="755576" y="1484784"/>
+            <a:ext cx="7881938" cy="5780044"/>
+          </a:xfrm>
+        </p:spPr>
+        <p:txBody>
+          <a:bodyPr/>
+          <a:lstStyle/>
+          <a:p>
+            <a:r>
+              <a:rPr lang="en-US" sz="1600" b="1" dirty="0"/>
+              <a:t>Introduction</a:t>
+            </a:r>
+            <a:r>
+              <a:rPr lang="en-US" sz="1600" dirty="0"/>
+              <a:t>: in which you define the context, the research question and the practical relevance</a:t>
+            </a:r>
+          </a:p>
+          <a:p>
+            <a:endParaRPr lang="en-US" sz="1600" dirty="0" smtClean="0"/>
+          </a:p>
+          <a:p>
+            <a:r>
+              <a:rPr lang="en-US" sz="1600" b="1" dirty="0" smtClean="0"/>
+              <a:t>Data </a:t>
+            </a:r>
+            <a:r>
+              <a:rPr lang="en-US" sz="1600" b="1" dirty="0"/>
+              <a:t>set</a:t>
+            </a:r>
+            <a:r>
+              <a:rPr lang="en-US" sz="1600" dirty="0"/>
+              <a:t>: in which you explain how you acquired the data, and show your data cleaning steps</a:t>
+            </a:r>
+          </a:p>
+          <a:p>
+            <a:endParaRPr lang="en-US" sz="1600" dirty="0" smtClean="0"/>
+          </a:p>
+          <a:p>
+            <a:r>
+              <a:rPr lang="en-US" sz="1600" b="1" dirty="0" smtClean="0"/>
+              <a:t>Feature </a:t>
+            </a:r>
+            <a:r>
+              <a:rPr lang="en-US" sz="1600" b="1" dirty="0"/>
+              <a:t>engineering</a:t>
+            </a:r>
+            <a:r>
+              <a:rPr lang="en-US" sz="1600" dirty="0"/>
+              <a:t>: in which you explain which transformations you have made to make your variables more informative (e.g., calculating number of days from a starting date)</a:t>
+            </a:r>
+          </a:p>
+          <a:p>
+            <a:endParaRPr lang="en-US" sz="1600" dirty="0" smtClean="0"/>
+          </a:p>
+          <a:p>
+            <a:r>
+              <a:rPr lang="en-US" sz="1600" b="1" dirty="0" smtClean="0"/>
+              <a:t>Descriptive </a:t>
+            </a:r>
+            <a:r>
+              <a:rPr lang="en-US" sz="1600" b="1" dirty="0"/>
+              <a:t>analysis</a:t>
+            </a:r>
+            <a:r>
+              <a:rPr lang="en-US" sz="1600" dirty="0"/>
+              <a:t>: in which you show </a:t>
+            </a:r>
+            <a:r>
+              <a:rPr lang="en-US" sz="1600" i="1" dirty="0"/>
+              <a:t>relevant</a:t>
+            </a:r>
+            <a:r>
+              <a:rPr lang="en-US" sz="1600" dirty="0"/>
+              <a:t> graphs, tables and numbers with respect to your problem</a:t>
+            </a:r>
+          </a:p>
+          <a:p>
+            <a:endParaRPr lang="en-US" sz="1600" dirty="0" smtClean="0"/>
+          </a:p>
+          <a:p>
+            <a:r>
+              <a:rPr lang="en-US" sz="1600" b="1" dirty="0" smtClean="0"/>
+              <a:t>Predictive </a:t>
+            </a:r>
+            <a:r>
+              <a:rPr lang="en-US" sz="1600" b="1" dirty="0"/>
+              <a:t>model</a:t>
+            </a:r>
+            <a:r>
+              <a:rPr lang="en-US" sz="1600" dirty="0"/>
+              <a:t>: in which you explain which analysis you have chosen and why. In which you build a relevant statistical model or train a machine learning algorithm.</a:t>
+            </a:r>
+          </a:p>
+          <a:p>
+            <a:endParaRPr lang="en-US" sz="1600" dirty="0" smtClean="0"/>
+          </a:p>
+          <a:p>
+            <a:r>
+              <a:rPr lang="en-US" sz="1600" b="1" dirty="0" smtClean="0"/>
+              <a:t>Evaluation</a:t>
+            </a:r>
+            <a:r>
+              <a:rPr lang="en-US" sz="1600" dirty="0"/>
+              <a:t>: in which you evaluate the model: numerically, qualitatively and in terms of practical value.</a:t>
+            </a:r>
+          </a:p>
+          <a:p>
+            <a:endParaRPr lang="nl-NL" dirty="0"/>
+          </a:p>
+        </p:txBody>
+      </p:sp>
+    </p:spTree>
+    <p:extLst>
+      <p:ext uri="{BB962C8B-B14F-4D97-AF65-F5344CB8AC3E}">
+        <p14:creationId xmlns:p14="http://schemas.microsoft.com/office/powerpoint/2010/main" val="908726166"/>
+      </p:ext>
+    </p:extLst>
+  </p:cSld>
+  <p:clrMapOvr>
+    <a:masterClrMapping/>
+  </p:clrMapOvr>
+</p:sld>
+</file>
+
+<file path=ppt/slides/slide15.xml><?xml version="1.0" encoding="utf-8"?>
+<p:sld xmlns:a="http://schemas.openxmlformats.org/drawingml/2006/main" xmlns:r="http://schemas.openxmlformats.org/officeDocument/2006/relationships" xmlns:p="http://schemas.openxmlformats.org/presentationml/2006/main">
+  <p:cSld>
+    <p:spTree>
+      <p:nvGrpSpPr>
+        <p:cNvPr id="1" name=""/>
+        <p:cNvGrpSpPr/>
+        <p:nvPr/>
+      </p:nvGrpSpPr>
+      <p:grpSpPr>
+        <a:xfrm>
+          <a:off x="0" y="0"/>
+          <a:ext cx="0" cy="0"/>
+          <a:chOff x="0" y="0"/>
+          <a:chExt cx="0" cy="0"/>
+        </a:xfrm>
+      </p:grpSpPr>
+      <p:sp>
+        <p:nvSpPr>
+          <p:cNvPr id="2" name="Titel 1"/>
+          <p:cNvSpPr>
+            <a:spLocks noGrp="1"/>
+          </p:cNvSpPr>
+          <p:nvPr>
+            <p:ph type="title"/>
+          </p:nvPr>
+        </p:nvSpPr>
+        <p:spPr/>
+        <p:txBody>
+          <a:bodyPr/>
+          <a:lstStyle/>
+          <a:p>
+            <a:r>
+              <a:rPr lang="nl-NL" dirty="0" smtClean="0"/>
+              <a:t>Peer </a:t>
+            </a:r>
+            <a:r>
+              <a:rPr lang="nl-NL" dirty="0" err="1" smtClean="0"/>
+              <a:t>groups</a:t>
             </a:r>
             <a:endParaRPr lang="nl-NL" dirty="0"/>
           </a:p>
@@ -6674,7 +9969,7 @@
         <p:spPr>
           <a:xfrm>
             <a:off x="762000" y="1762125"/>
-            <a:ext cx="7881938" cy="954107"/>
+            <a:ext cx="7881938" cy="5706177"/>
           </a:xfrm>
         </p:spPr>
         <p:txBody>
@@ -6682,41 +9977,201 @@
           <a:lstStyle/>
           <a:p>
             <a:r>
-              <a:rPr lang="nl-NL" dirty="0" smtClean="0"/>
-              <a:t>Get </a:t>
-            </a:r>
-            <a:r>
-              <a:rPr lang="nl-NL" dirty="0" err="1" smtClean="0"/>
-              <a:t>together</a:t>
-            </a:r>
-            <a:r>
-              <a:rPr lang="nl-NL" dirty="0" smtClean="0"/>
+              <a:rPr lang="nl-NL" sz="2400" dirty="0" smtClean="0"/>
+              <a:t>This week (w7) &amp; next week (w8)</a:t>
+            </a:r>
+          </a:p>
+          <a:p>
+            <a:endParaRPr lang="nl-NL" sz="2400" dirty="0"/>
+          </a:p>
+          <a:p>
+            <a:r>
+              <a:rPr lang="nl-NL" sz="2400" dirty="0" err="1" smtClean="0"/>
+              <a:t>Discussion</a:t>
+            </a:r>
+            <a:r>
+              <a:rPr lang="nl-NL" sz="2400" dirty="0" smtClean="0"/>
+              <a:t> </a:t>
+            </a:r>
+            <a:r>
+              <a:rPr lang="nl-NL" sz="2400" dirty="0" err="1" smtClean="0"/>
+              <a:t>and</a:t>
+            </a:r>
+            <a:r>
+              <a:rPr lang="nl-NL" sz="2400" dirty="0" smtClean="0"/>
+              <a:t> Q&amp;A on </a:t>
+            </a:r>
+            <a:r>
+              <a:rPr lang="nl-NL" sz="2400" dirty="0" err="1" smtClean="0"/>
+              <a:t>final</a:t>
+            </a:r>
+            <a:r>
+              <a:rPr lang="nl-NL" sz="2400" dirty="0" smtClean="0"/>
+              <a:t> </a:t>
+            </a:r>
+            <a:r>
+              <a:rPr lang="nl-NL" sz="2400" dirty="0" err="1" smtClean="0"/>
+              <a:t>assignment</a:t>
+            </a:r>
+            <a:r>
+              <a:rPr lang="nl-NL" sz="2400" dirty="0" smtClean="0"/>
+              <a:t> &amp; </a:t>
+            </a:r>
+            <a:r>
+              <a:rPr lang="nl-NL" sz="2400" dirty="0" err="1" smtClean="0"/>
+              <a:t>weekly</a:t>
+            </a:r>
+            <a:r>
+              <a:rPr lang="nl-NL" sz="2400" dirty="0" smtClean="0"/>
+              <a:t> </a:t>
+            </a:r>
+            <a:r>
+              <a:rPr lang="nl-NL" sz="2400" dirty="0" err="1" smtClean="0"/>
+              <a:t>assignments</a:t>
+            </a:r>
+            <a:endParaRPr lang="nl-NL" sz="2400" dirty="0" smtClean="0"/>
+          </a:p>
+          <a:p>
+            <a:endParaRPr lang="nl-NL" sz="2400" dirty="0"/>
+          </a:p>
+          <a:p>
+            <a:r>
+              <a:rPr lang="nl-NL" sz="2400" dirty="0" smtClean="0"/>
+              <a:t>Topic </a:t>
+            </a:r>
+            <a:r>
+              <a:rPr lang="nl-NL" sz="2400" dirty="0" smtClean="0"/>
+              <a:t>is up </a:t>
+            </a:r>
+            <a:r>
+              <a:rPr lang="nl-NL" sz="2400" dirty="0" err="1" smtClean="0"/>
+              <a:t>to</a:t>
+            </a:r>
+            <a:r>
+              <a:rPr lang="nl-NL" sz="2400" dirty="0" smtClean="0"/>
+              <a:t> </a:t>
+            </a:r>
+            <a:r>
+              <a:rPr lang="nl-NL" sz="2400" dirty="0" err="1" smtClean="0"/>
+              <a:t>you</a:t>
+            </a:r>
+            <a:r>
+              <a:rPr lang="nl-NL" sz="2400" dirty="0" smtClean="0"/>
+              <a:t>: present </a:t>
+            </a:r>
+            <a:r>
+              <a:rPr lang="nl-NL" sz="2400" dirty="0" err="1" smtClean="0"/>
+              <a:t>your</a:t>
+            </a:r>
+            <a:r>
+              <a:rPr lang="nl-NL" sz="2400" dirty="0" smtClean="0"/>
+              <a:t> </a:t>
+            </a:r>
+            <a:r>
+              <a:rPr lang="nl-NL" sz="2400" dirty="0" err="1" smtClean="0"/>
+              <a:t>work</a:t>
+            </a:r>
+            <a:r>
+              <a:rPr lang="nl-NL" sz="2400" dirty="0" smtClean="0"/>
               <a:t>, </a:t>
             </a:r>
             <a:r>
-              <a:rPr lang="nl-NL" dirty="0" err="1" smtClean="0"/>
-              <a:t>discuss</a:t>
-            </a:r>
-            <a:r>
-              <a:rPr lang="nl-NL" dirty="0" smtClean="0"/>
+              <a:rPr lang="nl-NL" sz="2400" dirty="0" err="1" smtClean="0"/>
+              <a:t>ask</a:t>
+            </a:r>
+            <a:r>
+              <a:rPr lang="nl-NL" sz="2400" dirty="0" smtClean="0"/>
               <a:t> </a:t>
             </a:r>
             <a:r>
-              <a:rPr lang="nl-NL" dirty="0" err="1" smtClean="0"/>
-              <a:t>progress</a:t>
-            </a:r>
-            <a:r>
-              <a:rPr lang="nl-NL" dirty="0" smtClean="0"/>
-              <a:t> &amp; </a:t>
-            </a:r>
-            <a:r>
-              <a:rPr lang="nl-NL" dirty="0" err="1" smtClean="0"/>
-              <a:t>problems</a:t>
-            </a:r>
-            <a:r>
-              <a:rPr lang="nl-NL" dirty="0" smtClean="0"/>
-              <a:t> (15 min.)</a:t>
-            </a:r>
+              <a:rPr lang="nl-NL" sz="2400" dirty="0" err="1" smtClean="0"/>
+              <a:t>questions</a:t>
+            </a:r>
+            <a:endParaRPr lang="nl-NL" sz="2400" dirty="0" smtClean="0"/>
+          </a:p>
+          <a:p>
+            <a:endParaRPr lang="nl-NL" sz="2400" dirty="0"/>
+          </a:p>
+          <a:p>
+            <a:r>
+              <a:rPr lang="nl-NL" sz="2400" dirty="0" smtClean="0"/>
+              <a:t>Max. 4 minutes per person</a:t>
+            </a:r>
+            <a:endParaRPr lang="nl-NL" sz="2400" dirty="0" smtClean="0"/>
+          </a:p>
+          <a:p>
+            <a:pPr marL="533400" lvl="1" indent="0">
+              <a:buNone/>
+            </a:pPr>
+            <a:endParaRPr lang="nl-NL" sz="2400" dirty="0"/>
+          </a:p>
+          <a:p>
+            <a:r>
+              <a:rPr lang="nl-NL" sz="2400" dirty="0" err="1" smtClean="0"/>
+              <a:t>Maybe</a:t>
+            </a:r>
+            <a:r>
+              <a:rPr lang="nl-NL" sz="2400" dirty="0" smtClean="0"/>
+              <a:t> </a:t>
+            </a:r>
+            <a:r>
+              <a:rPr lang="nl-NL" sz="2400" dirty="0" err="1" smtClean="0"/>
+              <a:t>you</a:t>
+            </a:r>
+            <a:r>
+              <a:rPr lang="nl-NL" sz="2400" dirty="0" smtClean="0"/>
+              <a:t> can form a Whatsapp / Teams chat </a:t>
+            </a:r>
+            <a:r>
+              <a:rPr lang="nl-NL" sz="2400" dirty="0" err="1" smtClean="0"/>
+              <a:t>to</a:t>
+            </a:r>
+            <a:r>
+              <a:rPr lang="nl-NL" sz="2400" dirty="0" smtClean="0"/>
+              <a:t> </a:t>
+            </a:r>
+            <a:r>
+              <a:rPr lang="nl-NL" sz="2400" dirty="0" err="1" smtClean="0"/>
+              <a:t>encourage</a:t>
+            </a:r>
+            <a:r>
+              <a:rPr lang="nl-NL" sz="2400" dirty="0" smtClean="0"/>
+              <a:t> </a:t>
+            </a:r>
+            <a:r>
+              <a:rPr lang="nl-NL" sz="2400" dirty="0" err="1" smtClean="0"/>
+              <a:t>and</a:t>
+            </a:r>
+            <a:r>
+              <a:rPr lang="nl-NL" sz="2400" dirty="0" smtClean="0"/>
+              <a:t> help </a:t>
+            </a:r>
+            <a:r>
+              <a:rPr lang="nl-NL" sz="2400" dirty="0" err="1" smtClean="0"/>
+              <a:t>each</a:t>
+            </a:r>
+            <a:r>
+              <a:rPr lang="nl-NL" sz="2400" dirty="0" smtClean="0"/>
+              <a:t> </a:t>
+            </a:r>
+            <a:r>
+              <a:rPr lang="nl-NL" sz="2400" dirty="0" err="1" smtClean="0"/>
+              <a:t>other</a:t>
+            </a:r>
+            <a:r>
+              <a:rPr lang="nl-NL" sz="2400" dirty="0" smtClean="0"/>
+              <a:t>?</a:t>
+            </a:r>
+            <a:endParaRPr lang="nl-NL" sz="2400" dirty="0" smtClean="0"/>
+          </a:p>
+          <a:p>
+            <a:pPr marL="533400" lvl="1" indent="0">
+              <a:buNone/>
+            </a:pPr>
+            <a:endParaRPr lang="nl-NL" dirty="0" smtClean="0"/>
+          </a:p>
+          <a:p>
+            <a:pPr lvl="1"/>
             <a:endParaRPr lang="nl-NL" dirty="0"/>
           </a:p>
         </p:txBody>
@@ -6724,7 +10179,7 @@
     </p:spTree>
     <p:extLst>
       <p:ext uri="{BB962C8B-B14F-4D97-AF65-F5344CB8AC3E}">
-        <p14:creationId xmlns:p14="http://schemas.microsoft.com/office/powerpoint/2010/main" val="1727250895"/>
+        <p14:creationId xmlns:p14="http://schemas.microsoft.com/office/powerpoint/2010/main" val="3634760836"/>
       </p:ext>
     </p:extLst>
   </p:cSld>
@@ -6734,7 +10189,7 @@
 </p:sld>
 </file>
 
-<file path=ppt/slides/slide15.xml><?xml version="1.0" encoding="utf-8"?>
+<file path=ppt/slides/slide16.xml><?xml version="1.0" encoding="utf-8"?>
 <p:sld xmlns:a="http://schemas.openxmlformats.org/drawingml/2006/main" xmlns:r="http://schemas.openxmlformats.org/officeDocument/2006/relationships" xmlns:p="http://schemas.openxmlformats.org/presentationml/2006/main">
   <p:cSld>
     <p:spTree>
@@ -6923,8 +10378,12 @@
           <a:lstStyle/>
           <a:p>
             <a:r>
+              <a:rPr lang="nl-NL" dirty="0" err="1" smtClean="0"/>
+              <a:t>Evalytics</a:t>
+            </a:r>
+            <a:r>
               <a:rPr lang="nl-NL" dirty="0" smtClean="0"/>
-              <a:t>Program</a:t>
+              <a:t> survey</a:t>
             </a:r>
             <a:endParaRPr lang="nl-NL" dirty="0"/>
           </a:p>
@@ -6951,8 +10410,34 @@
           <a:lstStyle/>
           <a:p>
             <a:r>
+              <a:rPr lang="nl-NL" dirty="0">
+                <a:hlinkClick r:id="rId2"/>
+              </a:rPr>
+              <a:t>https://app.evalytics.nl/#/</a:t>
+            </a:r>
+            <a:r>
+              <a:rPr lang="nl-NL" dirty="0" smtClean="0">
+                <a:hlinkClick r:id="rId2"/>
+              </a:rPr>
+              <a:t>login</a:t>
+            </a:r>
+            <a:endParaRPr lang="nl-NL" dirty="0" smtClean="0"/>
+          </a:p>
+          <a:p>
+            <a:endParaRPr lang="nl-NL" dirty="0"/>
+          </a:p>
+          <a:p>
+            <a:r>
               <a:rPr lang="nl-NL" dirty="0" err="1" smtClean="0"/>
-              <a:t>Unsupervised</a:t>
+              <a:t>Choose</a:t>
+            </a:r>
+            <a:r>
+              <a:rPr lang="nl-NL" dirty="0" smtClean="0"/>
+              <a:t>: </a:t>
+            </a:r>
+            <a:r>
+              <a:rPr lang="nl-NL" dirty="0" err="1" smtClean="0"/>
+              <a:t>Evaluate</a:t>
             </a:r>
             <a:r>
               <a:rPr lang="nl-NL" dirty="0" smtClean="0"/>
@@ -6960,11 +10445,11 @@
             </a:r>
             <a:r>
               <a:rPr lang="nl-NL" dirty="0" err="1" smtClean="0"/>
-              <a:t>learning</a:t>
+              <a:t>with</a:t>
             </a:r>
             <a:r>
               <a:rPr lang="nl-NL" dirty="0" smtClean="0"/>
-              <a:t> / clustering (k-means)</a:t>
+              <a:t> code</a:t>
             </a:r>
           </a:p>
           <a:p>
@@ -6973,19 +10458,423 @@
           <a:p>
             <a:r>
               <a:rPr lang="nl-NL" dirty="0" smtClean="0"/>
-              <a:t>Explanation poster </a:t>
-            </a:r>
-            <a:r>
-              <a:rPr lang="nl-NL" dirty="0" err="1" smtClean="0"/>
-              <a:t>presentations</a:t>
-            </a:r>
-            <a:endParaRPr lang="nl-NL" dirty="0" smtClean="0"/>
-          </a:p>
-          <a:p>
+              <a:t>Code: rkd-256</a:t>
+            </a:r>
             <a:endParaRPr lang="nl-NL" dirty="0"/>
           </a:p>
-          <a:p>
+        </p:txBody>
+      </p:sp>
+    </p:spTree>
+    <p:extLst>
+      <p:ext uri="{BB962C8B-B14F-4D97-AF65-F5344CB8AC3E}">
+        <p14:creationId xmlns:p14="http://schemas.microsoft.com/office/powerpoint/2010/main" val="3558248309"/>
+      </p:ext>
+    </p:extLst>
+  </p:cSld>
+  <p:clrMapOvr>
+    <a:masterClrMapping/>
+  </p:clrMapOvr>
+</p:sld>
+</file>
+
+<file path=ppt/slides/slide3.xml><?xml version="1.0" encoding="utf-8"?>
+<p:sld xmlns:a="http://schemas.openxmlformats.org/drawingml/2006/main" xmlns:r="http://schemas.openxmlformats.org/officeDocument/2006/relationships" xmlns:p="http://schemas.openxmlformats.org/presentationml/2006/main">
+  <p:cSld>
+    <p:spTree>
+      <p:nvGrpSpPr>
+        <p:cNvPr id="1" name=""/>
+        <p:cNvGrpSpPr/>
+        <p:nvPr/>
+      </p:nvGrpSpPr>
+      <p:grpSpPr>
+        <a:xfrm>
+          <a:off x="0" y="0"/>
+          <a:ext cx="0" cy="0"/>
+          <a:chOff x="0" y="0"/>
+          <a:chExt cx="0" cy="0"/>
+        </a:xfrm>
+      </p:grpSpPr>
+      <p:sp>
+        <p:nvSpPr>
+          <p:cNvPr id="2" name="Titel 1"/>
+          <p:cNvSpPr>
+            <a:spLocks noGrp="1"/>
+          </p:cNvSpPr>
+          <p:nvPr>
+            <p:ph type="title"/>
+          </p:nvPr>
+        </p:nvSpPr>
+        <p:spPr/>
+        <p:txBody>
+          <a:bodyPr/>
+          <a:lstStyle/>
+          <a:p>
+            <a:r>
+              <a:rPr lang="nl-NL" dirty="0" smtClean="0"/>
+              <a:t>Program</a:t>
+            </a:r>
             <a:endParaRPr lang="nl-NL" dirty="0"/>
+          </a:p>
+        </p:txBody>
+      </p:sp>
+      <p:sp>
+        <p:nvSpPr>
+          <p:cNvPr id="3" name="Tijdelijke aanduiding voor inhoud 2"/>
+          <p:cNvSpPr>
+            <a:spLocks noGrp="1"/>
+          </p:cNvSpPr>
+          <p:nvPr>
+            <p:ph idx="1"/>
+          </p:nvPr>
+        </p:nvSpPr>
+        <p:spPr>
+          <a:xfrm>
+            <a:off x="762000" y="1762125"/>
+            <a:ext cx="7881938" cy="1040285"/>
+          </a:xfrm>
+        </p:spPr>
+        <p:txBody>
+          <a:bodyPr/>
+          <a:lstStyle/>
+          <a:p>
+            <a:endParaRPr lang="nl-NL" dirty="0"/>
+          </a:p>
+          <a:p>
+            <a:endParaRPr lang="nl-NL" dirty="0"/>
+          </a:p>
+        </p:txBody>
+      </p:sp>
+      <p:sp>
+        <p:nvSpPr>
+          <p:cNvPr id="4" name="Tijdelijke aanduiding voor inhoud 2"/>
+          <p:cNvSpPr txBox="1">
+            <a:spLocks/>
+          </p:cNvSpPr>
+          <p:nvPr/>
+        </p:nvSpPr>
+        <p:spPr bwMode="auto">
+          <a:xfrm>
+            <a:off x="762000" y="1762125"/>
+            <a:ext cx="7050360" cy="6851106"/>
+          </a:xfrm>
+          <a:prstGeom prst="rect">
+            <a:avLst/>
+          </a:prstGeom>
+          <a:noFill/>
+          <a:ln w="9525">
+            <a:noFill/>
+            <a:miter lim="800000"/>
+            <a:headEnd/>
+            <a:tailEnd/>
+          </a:ln>
+          <a:effectLst/>
+        </p:spPr>
+        <p:txBody>
+          <a:bodyPr vert="horz" wrap="square" lIns="91440" tIns="45720" rIns="91440" bIns="45720" numCol="1" anchor="t" anchorCtr="0" compatLnSpc="1">
+            <a:prstTxWarp prst="textNoShape">
+              <a:avLst/>
+            </a:prstTxWarp>
+            <a:spAutoFit/>
+          </a:bodyPr>
+          <a:lstStyle>
+            <a:lvl1pPr marL="342900" indent="-342900" algn="l" rtl="0" fontAlgn="base">
+              <a:spcBef>
+                <a:spcPct val="20000"/>
+              </a:spcBef>
+              <a:spcAft>
+                <a:spcPct val="0"/>
+              </a:spcAft>
+              <a:buClr>
+                <a:srgbClr val="ED0010"/>
+              </a:buClr>
+              <a:buSzPct val="60000"/>
+              <a:buFont typeface="Zapf Dingbats" charset="2"/>
+              <a:buChar char="n"/>
+              <a:defRPr sz="2800">
+                <a:solidFill>
+                  <a:srgbClr val="000000"/>
+                </a:solidFill>
+                <a:latin typeface="+mn-lt"/>
+                <a:ea typeface="+mn-ea"/>
+                <a:cs typeface="+mn-cs"/>
+              </a:defRPr>
+            </a:lvl1pPr>
+            <a:lvl2pPr marL="819150" indent="-285750" algn="l" rtl="0" fontAlgn="base">
+              <a:spcBef>
+                <a:spcPct val="20000"/>
+              </a:spcBef>
+              <a:spcAft>
+                <a:spcPct val="0"/>
+              </a:spcAft>
+              <a:buClr>
+                <a:schemeClr val="accent1"/>
+              </a:buClr>
+              <a:buSzPct val="60000"/>
+              <a:buFont typeface="Zapf Dingbats" charset="2"/>
+              <a:buChar char="n"/>
+              <a:defRPr sz="2600">
+                <a:solidFill>
+                  <a:srgbClr val="000000"/>
+                </a:solidFill>
+                <a:latin typeface="+mn-lt"/>
+              </a:defRPr>
+            </a:lvl2pPr>
+            <a:lvl3pPr marL="1143000" indent="-228600" algn="l" rtl="0" fontAlgn="base">
+              <a:spcBef>
+                <a:spcPct val="20000"/>
+              </a:spcBef>
+              <a:spcAft>
+                <a:spcPct val="0"/>
+              </a:spcAft>
+              <a:buClr>
+                <a:schemeClr val="accent1"/>
+              </a:buClr>
+              <a:buSzPct val="60000"/>
+              <a:buFont typeface="Zapf Dingbats" charset="2"/>
+              <a:buChar char="n"/>
+              <a:defRPr sz="2400">
+                <a:solidFill>
+                  <a:srgbClr val="000000"/>
+                </a:solidFill>
+                <a:latin typeface="+mn-lt"/>
+              </a:defRPr>
+            </a:lvl3pPr>
+            <a:lvl4pPr marL="1562100" indent="-228600" algn="l" rtl="0" fontAlgn="base">
+              <a:spcBef>
+                <a:spcPct val="20000"/>
+              </a:spcBef>
+              <a:spcAft>
+                <a:spcPct val="0"/>
+              </a:spcAft>
+              <a:buClr>
+                <a:schemeClr val="accent1"/>
+              </a:buClr>
+              <a:buSzPct val="60000"/>
+              <a:buFont typeface="Zapf Dingbats" charset="2"/>
+              <a:buChar char="n"/>
+              <a:defRPr sz="2200">
+                <a:solidFill>
+                  <a:srgbClr val="000000"/>
+                </a:solidFill>
+                <a:latin typeface="+mn-lt"/>
+              </a:defRPr>
+            </a:lvl4pPr>
+            <a:lvl5pPr marL="1981200" indent="-228600" algn="l" rtl="0" fontAlgn="base">
+              <a:spcBef>
+                <a:spcPct val="20000"/>
+              </a:spcBef>
+              <a:spcAft>
+                <a:spcPct val="0"/>
+              </a:spcAft>
+              <a:buClr>
+                <a:schemeClr val="accent1"/>
+              </a:buClr>
+              <a:buSzPct val="60000"/>
+              <a:buFont typeface="Zapf Dingbats" charset="2"/>
+              <a:buChar char="n"/>
+              <a:defRPr sz="2000">
+                <a:solidFill>
+                  <a:srgbClr val="000000"/>
+                </a:solidFill>
+                <a:latin typeface="+mn-lt"/>
+              </a:defRPr>
+            </a:lvl5pPr>
+            <a:lvl6pPr marL="2438400" indent="-228600" algn="l" rtl="0" fontAlgn="base">
+              <a:spcBef>
+                <a:spcPct val="20000"/>
+              </a:spcBef>
+              <a:spcAft>
+                <a:spcPct val="0"/>
+              </a:spcAft>
+              <a:buClr>
+                <a:schemeClr val="accent1"/>
+              </a:buClr>
+              <a:buSzPct val="60000"/>
+              <a:buFont typeface="Zapf Dingbats" charset="2"/>
+              <a:buChar char="n"/>
+              <a:defRPr sz="2000">
+                <a:solidFill>
+                  <a:srgbClr val="000000"/>
+                </a:solidFill>
+                <a:latin typeface="+mn-lt"/>
+              </a:defRPr>
+            </a:lvl6pPr>
+            <a:lvl7pPr marL="2895600" indent="-228600" algn="l" rtl="0" fontAlgn="base">
+              <a:spcBef>
+                <a:spcPct val="20000"/>
+              </a:spcBef>
+              <a:spcAft>
+                <a:spcPct val="0"/>
+              </a:spcAft>
+              <a:buClr>
+                <a:schemeClr val="accent1"/>
+              </a:buClr>
+              <a:buSzPct val="60000"/>
+              <a:buFont typeface="Zapf Dingbats" charset="2"/>
+              <a:buChar char="n"/>
+              <a:defRPr sz="2000">
+                <a:solidFill>
+                  <a:srgbClr val="000000"/>
+                </a:solidFill>
+                <a:latin typeface="+mn-lt"/>
+              </a:defRPr>
+            </a:lvl7pPr>
+            <a:lvl8pPr marL="3352800" indent="-228600" algn="l" rtl="0" fontAlgn="base">
+              <a:spcBef>
+                <a:spcPct val="20000"/>
+              </a:spcBef>
+              <a:spcAft>
+                <a:spcPct val="0"/>
+              </a:spcAft>
+              <a:buClr>
+                <a:schemeClr val="accent1"/>
+              </a:buClr>
+              <a:buSzPct val="60000"/>
+              <a:buFont typeface="Zapf Dingbats" charset="2"/>
+              <a:buChar char="n"/>
+              <a:defRPr sz="2000">
+                <a:solidFill>
+                  <a:srgbClr val="000000"/>
+                </a:solidFill>
+                <a:latin typeface="+mn-lt"/>
+              </a:defRPr>
+            </a:lvl8pPr>
+            <a:lvl9pPr marL="3810000" indent="-228600" algn="l" rtl="0" fontAlgn="base">
+              <a:spcBef>
+                <a:spcPct val="20000"/>
+              </a:spcBef>
+              <a:spcAft>
+                <a:spcPct val="0"/>
+              </a:spcAft>
+              <a:buClr>
+                <a:schemeClr val="accent1"/>
+              </a:buClr>
+              <a:buSzPct val="60000"/>
+              <a:buFont typeface="Zapf Dingbats" charset="2"/>
+              <a:buChar char="n"/>
+              <a:defRPr sz="2000">
+                <a:solidFill>
+                  <a:srgbClr val="000000"/>
+                </a:solidFill>
+                <a:latin typeface="+mn-lt"/>
+              </a:defRPr>
+            </a:lvl9pPr>
+          </a:lstStyle>
+          <a:p>
+            <a:r>
+              <a:rPr lang="nl-NL" sz="2400" kern="0" dirty="0" smtClean="0"/>
+              <a:t>0-1.5 </a:t>
+            </a:r>
+            <a:r>
+              <a:rPr lang="nl-NL" sz="2400" kern="0" dirty="0" err="1" smtClean="0"/>
+              <a:t>hours</a:t>
+            </a:r>
+            <a:r>
+              <a:rPr lang="nl-NL" sz="2400" kern="0" dirty="0" smtClean="0"/>
+              <a:t>: short </a:t>
+            </a:r>
+            <a:r>
+              <a:rPr lang="nl-NL" sz="2400" kern="0" dirty="0" err="1" smtClean="0"/>
+              <a:t>lecture</a:t>
+            </a:r>
+            <a:endParaRPr lang="nl-NL" sz="2400" kern="0" dirty="0" smtClean="0"/>
+          </a:p>
+          <a:p>
+            <a:pPr lvl="1"/>
+            <a:r>
+              <a:rPr lang="nl-NL" sz="2200" kern="0" dirty="0" smtClean="0"/>
+              <a:t>Clustering</a:t>
+            </a:r>
+          </a:p>
+          <a:p>
+            <a:pPr lvl="1"/>
+            <a:r>
+              <a:rPr lang="nl-NL" sz="2200" kern="0" dirty="0" err="1" smtClean="0"/>
+              <a:t>Presentations</a:t>
+            </a:r>
+            <a:endParaRPr lang="nl-NL" sz="2200" kern="0" dirty="0" smtClean="0"/>
+          </a:p>
+          <a:p>
+            <a:pPr lvl="1"/>
+            <a:endParaRPr lang="nl-NL" sz="2200" kern="0" dirty="0"/>
+          </a:p>
+          <a:p>
+            <a:r>
+              <a:rPr lang="nl-NL" sz="2400" kern="0" dirty="0" smtClean="0"/>
+              <a:t>&gt;1.5 </a:t>
+            </a:r>
+            <a:r>
+              <a:rPr lang="nl-NL" sz="2400" kern="0" dirty="0" err="1" smtClean="0"/>
+              <a:t>hours</a:t>
+            </a:r>
+            <a:r>
+              <a:rPr lang="nl-NL" sz="2400" kern="0" dirty="0" smtClean="0"/>
+              <a:t>: project </a:t>
+            </a:r>
+            <a:r>
+              <a:rPr lang="nl-NL" sz="2400" kern="0" dirty="0" err="1" smtClean="0"/>
+              <a:t>supervision</a:t>
+            </a:r>
+            <a:r>
+              <a:rPr lang="nl-NL" sz="2400" kern="0" dirty="0" smtClean="0"/>
+              <a:t> / help in small </a:t>
+            </a:r>
+            <a:r>
+              <a:rPr lang="nl-NL" sz="2400" kern="0" dirty="0" err="1" smtClean="0"/>
+              <a:t>groups</a:t>
+            </a:r>
+            <a:endParaRPr lang="nl-NL" sz="2400" kern="0" dirty="0" smtClean="0"/>
+          </a:p>
+          <a:p>
+            <a:endParaRPr lang="nl-NL" sz="2400" kern="0" dirty="0"/>
+          </a:p>
+          <a:p>
+            <a:r>
+              <a:rPr lang="nl-NL" sz="2400" kern="0" dirty="0" err="1" smtClean="0"/>
+              <a:t>Participants</a:t>
+            </a:r>
+            <a:r>
+              <a:rPr lang="nl-NL" sz="2400" kern="0" dirty="0" smtClean="0"/>
+              <a:t> in AI research project get separate </a:t>
+            </a:r>
+            <a:r>
+              <a:rPr lang="nl-NL" sz="2400" kern="0" dirty="0" err="1" smtClean="0"/>
+              <a:t>supervision</a:t>
+            </a:r>
+            <a:r>
+              <a:rPr lang="nl-NL" sz="2400" kern="0" dirty="0" smtClean="0"/>
+              <a:t> next week</a:t>
+            </a:r>
+          </a:p>
+          <a:p>
+            <a:endParaRPr lang="nl-NL" sz="2400" kern="0" dirty="0"/>
+          </a:p>
+          <a:p>
+            <a:endParaRPr lang="nl-NL" sz="2400" kern="0" dirty="0"/>
+          </a:p>
+          <a:p>
+            <a:endParaRPr lang="nl-NL" sz="2400" kern="0" dirty="0" smtClean="0"/>
+          </a:p>
+          <a:p>
+            <a:endParaRPr lang="nl-NL" sz="2400" kern="0" dirty="0"/>
+          </a:p>
+          <a:p>
+            <a:endParaRPr lang="nl-NL" sz="2400" kern="0" dirty="0"/>
+          </a:p>
+          <a:p>
+            <a:pPr marL="0" indent="0">
+              <a:buNone/>
+            </a:pPr>
+            <a:endParaRPr lang="nl-NL" sz="2400" kern="0" dirty="0" smtClean="0"/>
+          </a:p>
+          <a:p>
+            <a:pPr marL="0" indent="0">
+              <a:buNone/>
+            </a:pPr>
+            <a:r>
+              <a:rPr lang="nl-NL" sz="2400" kern="0" dirty="0"/>
+              <a:t>	</a:t>
+            </a:r>
           </a:p>
         </p:txBody>
       </p:sp>
@@ -7002,7 +10891,7 @@
 </p:sld>
 </file>
 
-<file path=ppt/slides/slide3.xml><?xml version="1.0" encoding="utf-8"?>
+<file path=ppt/slides/slide4.xml><?xml version="1.0" encoding="utf-8"?>
 <p:sld xmlns:a="http://schemas.openxmlformats.org/drawingml/2006/main" xmlns:r="http://schemas.openxmlformats.org/officeDocument/2006/relationships" xmlns:p="http://schemas.openxmlformats.org/presentationml/2006/main">
   <p:cSld>
     <p:spTree>
@@ -7779,7 +11668,7 @@
 </p:sld>
 </file>
 
-<file path=ppt/slides/slide4.xml><?xml version="1.0" encoding="utf-8"?>
+<file path=ppt/slides/slide5.xml><?xml version="1.0" encoding="utf-8"?>
 <p:sld xmlns:a="http://schemas.openxmlformats.org/drawingml/2006/main" xmlns:r="http://schemas.openxmlformats.org/officeDocument/2006/relationships" xmlns:p="http://schemas.openxmlformats.org/presentationml/2006/main">
   <p:cSld>
     <p:spTree>
@@ -8057,7 +11946,7 @@
 </p:sld>
 </file>
 
-<file path=ppt/slides/slide5.xml><?xml version="1.0" encoding="utf-8"?>
+<file path=ppt/slides/slide6.xml><?xml version="1.0" encoding="utf-8"?>
 <p:sld xmlns:a="http://schemas.openxmlformats.org/drawingml/2006/main" xmlns:r="http://schemas.openxmlformats.org/officeDocument/2006/relationships" xmlns:p="http://schemas.openxmlformats.org/presentationml/2006/main">
   <p:cSld>
     <p:spTree>
@@ -8635,7 +12524,7 @@
 </p:sld>
 </file>
 
-<file path=ppt/slides/slide6.xml><?xml version="1.0" encoding="utf-8"?>
+<file path=ppt/slides/slide7.xml><?xml version="1.0" encoding="utf-8"?>
 <p:sld xmlns:a="http://schemas.openxmlformats.org/drawingml/2006/main" xmlns:r="http://schemas.openxmlformats.org/officeDocument/2006/relationships" xmlns:p="http://schemas.openxmlformats.org/presentationml/2006/main">
   <p:cSld>
     <p:spTree>
@@ -9168,7 +13057,7 @@
 </p:sld>
 </file>
 
-<file path=ppt/slides/slide7.xml><?xml version="1.0" encoding="utf-8"?>
+<file path=ppt/slides/slide8.xml><?xml version="1.0" encoding="utf-8"?>
 <p:sld xmlns:a="http://schemas.openxmlformats.org/drawingml/2006/main" xmlns:r="http://schemas.openxmlformats.org/officeDocument/2006/relationships" xmlns:p="http://schemas.openxmlformats.org/presentationml/2006/main">
   <p:cSld>
     <p:spTree>
@@ -10184,7 +14073,7 @@
 </p:sld>
 </file>
 
-<file path=ppt/slides/slide8.xml><?xml version="1.0" encoding="utf-8"?>
+<file path=ppt/slides/slide9.xml><?xml version="1.0" encoding="utf-8"?>
 <p:sld xmlns:a="http://schemas.openxmlformats.org/drawingml/2006/main" xmlns:r="http://schemas.openxmlformats.org/officeDocument/2006/relationships" xmlns:p="http://schemas.openxmlformats.org/presentationml/2006/main">
   <p:cSld>
     <p:spTree>
@@ -10257,1482 +14146,6 @@
     <p:extLst>
       <p:ext uri="{BB962C8B-B14F-4D97-AF65-F5344CB8AC3E}">
         <p14:creationId xmlns:p14="http://schemas.microsoft.com/office/powerpoint/2010/main" val="1625180845"/>
-      </p:ext>
-    </p:extLst>
-  </p:cSld>
-  <p:clrMapOvr>
-    <a:masterClrMapping/>
-  </p:clrMapOvr>
-  <p:timing>
-    <p:tnLst>
-      <p:par>
-        <p:cTn id="1" dur="indefinite" restart="never" nodeType="tmRoot"/>
-      </p:par>
-    </p:tnLst>
-  </p:timing>
-</p:sld>
-</file>
-
-<file path=ppt/slides/slide9.xml><?xml version="1.0" encoding="utf-8"?>
-<p:sld xmlns:a="http://schemas.openxmlformats.org/drawingml/2006/main" xmlns:r="http://schemas.openxmlformats.org/officeDocument/2006/relationships" xmlns:p="http://schemas.openxmlformats.org/presentationml/2006/main">
-  <p:cSld>
-    <p:spTree>
-      <p:nvGrpSpPr>
-        <p:cNvPr id="1" name=""/>
-        <p:cNvGrpSpPr/>
-        <p:nvPr/>
-      </p:nvGrpSpPr>
-      <p:grpSpPr>
-        <a:xfrm>
-          <a:off x="0" y="0"/>
-          <a:ext cx="0" cy="0"/>
-          <a:chOff x="0" y="0"/>
-          <a:chExt cx="0" cy="0"/>
-        </a:xfrm>
-      </p:grpSpPr>
-      <p:sp>
-        <p:nvSpPr>
-          <p:cNvPr id="2" name="Titel 1"/>
-          <p:cNvSpPr>
-            <a:spLocks noGrp="1"/>
-          </p:cNvSpPr>
-          <p:nvPr>
-            <p:ph type="title"/>
-          </p:nvPr>
-        </p:nvSpPr>
-        <p:spPr>
-          <a:xfrm>
-            <a:off x="838200" y="665818"/>
-            <a:ext cx="6172200" cy="523220"/>
-          </a:xfrm>
-        </p:spPr>
-        <p:txBody>
-          <a:bodyPr/>
-          <a:lstStyle/>
-          <a:p>
-            <a:r>
-              <a:rPr lang="nl-NL" sz="2800" dirty="0" err="1" smtClean="0"/>
-              <a:t>Exercise</a:t>
-            </a:r>
-            <a:r>
-              <a:rPr lang="nl-NL" sz="2800" dirty="0" smtClean="0"/>
-              <a:t>: clustering </a:t>
-            </a:r>
-            <a:r>
-              <a:rPr lang="nl-NL" sz="2800" i="1" dirty="0" smtClean="0"/>
-              <a:t>Iris </a:t>
-            </a:r>
-            <a:r>
-              <a:rPr lang="nl-NL" sz="2800" dirty="0" smtClean="0"/>
-              <a:t>data set</a:t>
-            </a:r>
-            <a:endParaRPr lang="nl-NL" sz="2800" dirty="0"/>
-          </a:p>
-        </p:txBody>
-      </p:sp>
-      <p:sp>
-        <p:nvSpPr>
-          <p:cNvPr id="4" name="Tijdelijke aanduiding voor inhoud 2"/>
-          <p:cNvSpPr txBox="1">
-            <a:spLocks/>
-          </p:cNvSpPr>
-          <p:nvPr/>
-        </p:nvSpPr>
-        <p:spPr bwMode="auto">
-          <a:xfrm>
-            <a:off x="838200" y="1484784"/>
-            <a:ext cx="7881938" cy="6383286"/>
-          </a:xfrm>
-          <a:prstGeom prst="rect">
-            <a:avLst/>
-          </a:prstGeom>
-          <a:noFill/>
-          <a:ln w="9525">
-            <a:noFill/>
-            <a:miter lim="800000"/>
-            <a:headEnd/>
-            <a:tailEnd/>
-          </a:ln>
-          <a:effectLst/>
-        </p:spPr>
-        <p:txBody>
-          <a:bodyPr vert="horz" wrap="square" lIns="91440" tIns="45720" rIns="91440" bIns="45720" numCol="1" anchor="t" anchorCtr="0" compatLnSpc="1">
-            <a:prstTxWarp prst="textNoShape">
-              <a:avLst/>
-            </a:prstTxWarp>
-            <a:spAutoFit/>
-          </a:bodyPr>
-          <a:lstStyle>
-            <a:lvl1pPr marL="342900" indent="-342900" algn="l" rtl="0" fontAlgn="base">
-              <a:spcBef>
-                <a:spcPct val="20000"/>
-              </a:spcBef>
-              <a:spcAft>
-                <a:spcPct val="0"/>
-              </a:spcAft>
-              <a:buClr>
-                <a:srgbClr val="ED0010"/>
-              </a:buClr>
-              <a:buSzPct val="60000"/>
-              <a:buFont typeface="Zapf Dingbats" charset="2"/>
-              <a:buChar char="n"/>
-              <a:defRPr sz="2800">
-                <a:solidFill>
-                  <a:srgbClr val="000000"/>
-                </a:solidFill>
-                <a:latin typeface="+mn-lt"/>
-                <a:ea typeface="+mn-ea"/>
-                <a:cs typeface="+mn-cs"/>
-              </a:defRPr>
-            </a:lvl1pPr>
-            <a:lvl2pPr marL="819150" indent="-285750" algn="l" rtl="0" fontAlgn="base">
-              <a:spcBef>
-                <a:spcPct val="20000"/>
-              </a:spcBef>
-              <a:spcAft>
-                <a:spcPct val="0"/>
-              </a:spcAft>
-              <a:buClr>
-                <a:schemeClr val="accent1"/>
-              </a:buClr>
-              <a:buSzPct val="60000"/>
-              <a:buFont typeface="Zapf Dingbats" charset="2"/>
-              <a:buChar char="n"/>
-              <a:defRPr sz="2600">
-                <a:solidFill>
-                  <a:srgbClr val="000000"/>
-                </a:solidFill>
-                <a:latin typeface="+mn-lt"/>
-              </a:defRPr>
-            </a:lvl2pPr>
-            <a:lvl3pPr marL="1143000" indent="-228600" algn="l" rtl="0" fontAlgn="base">
-              <a:spcBef>
-                <a:spcPct val="20000"/>
-              </a:spcBef>
-              <a:spcAft>
-                <a:spcPct val="0"/>
-              </a:spcAft>
-              <a:buClr>
-                <a:schemeClr val="accent1"/>
-              </a:buClr>
-              <a:buSzPct val="60000"/>
-              <a:buFont typeface="Zapf Dingbats" charset="2"/>
-              <a:buChar char="n"/>
-              <a:defRPr sz="2400">
-                <a:solidFill>
-                  <a:srgbClr val="000000"/>
-                </a:solidFill>
-                <a:latin typeface="+mn-lt"/>
-              </a:defRPr>
-            </a:lvl3pPr>
-            <a:lvl4pPr marL="1562100" indent="-228600" algn="l" rtl="0" fontAlgn="base">
-              <a:spcBef>
-                <a:spcPct val="20000"/>
-              </a:spcBef>
-              <a:spcAft>
-                <a:spcPct val="0"/>
-              </a:spcAft>
-              <a:buClr>
-                <a:schemeClr val="accent1"/>
-              </a:buClr>
-              <a:buSzPct val="60000"/>
-              <a:buFont typeface="Zapf Dingbats" charset="2"/>
-              <a:buChar char="n"/>
-              <a:defRPr sz="2200">
-                <a:solidFill>
-                  <a:srgbClr val="000000"/>
-                </a:solidFill>
-                <a:latin typeface="+mn-lt"/>
-              </a:defRPr>
-            </a:lvl4pPr>
-            <a:lvl5pPr marL="1981200" indent="-228600" algn="l" rtl="0" fontAlgn="base">
-              <a:spcBef>
-                <a:spcPct val="20000"/>
-              </a:spcBef>
-              <a:spcAft>
-                <a:spcPct val="0"/>
-              </a:spcAft>
-              <a:buClr>
-                <a:schemeClr val="accent1"/>
-              </a:buClr>
-              <a:buSzPct val="60000"/>
-              <a:buFont typeface="Zapf Dingbats" charset="2"/>
-              <a:buChar char="n"/>
-              <a:defRPr sz="2000">
-                <a:solidFill>
-                  <a:srgbClr val="000000"/>
-                </a:solidFill>
-                <a:latin typeface="+mn-lt"/>
-              </a:defRPr>
-            </a:lvl5pPr>
-            <a:lvl6pPr marL="2438400" indent="-228600" algn="l" rtl="0" fontAlgn="base">
-              <a:spcBef>
-                <a:spcPct val="20000"/>
-              </a:spcBef>
-              <a:spcAft>
-                <a:spcPct val="0"/>
-              </a:spcAft>
-              <a:buClr>
-                <a:schemeClr val="accent1"/>
-              </a:buClr>
-              <a:buSzPct val="60000"/>
-              <a:buFont typeface="Zapf Dingbats" charset="2"/>
-              <a:buChar char="n"/>
-              <a:defRPr sz="2000">
-                <a:solidFill>
-                  <a:srgbClr val="000000"/>
-                </a:solidFill>
-                <a:latin typeface="+mn-lt"/>
-              </a:defRPr>
-            </a:lvl6pPr>
-            <a:lvl7pPr marL="2895600" indent="-228600" algn="l" rtl="0" fontAlgn="base">
-              <a:spcBef>
-                <a:spcPct val="20000"/>
-              </a:spcBef>
-              <a:spcAft>
-                <a:spcPct val="0"/>
-              </a:spcAft>
-              <a:buClr>
-                <a:schemeClr val="accent1"/>
-              </a:buClr>
-              <a:buSzPct val="60000"/>
-              <a:buFont typeface="Zapf Dingbats" charset="2"/>
-              <a:buChar char="n"/>
-              <a:defRPr sz="2000">
-                <a:solidFill>
-                  <a:srgbClr val="000000"/>
-                </a:solidFill>
-                <a:latin typeface="+mn-lt"/>
-              </a:defRPr>
-            </a:lvl7pPr>
-            <a:lvl8pPr marL="3352800" indent="-228600" algn="l" rtl="0" fontAlgn="base">
-              <a:spcBef>
-                <a:spcPct val="20000"/>
-              </a:spcBef>
-              <a:spcAft>
-                <a:spcPct val="0"/>
-              </a:spcAft>
-              <a:buClr>
-                <a:schemeClr val="accent1"/>
-              </a:buClr>
-              <a:buSzPct val="60000"/>
-              <a:buFont typeface="Zapf Dingbats" charset="2"/>
-              <a:buChar char="n"/>
-              <a:defRPr sz="2000">
-                <a:solidFill>
-                  <a:srgbClr val="000000"/>
-                </a:solidFill>
-                <a:latin typeface="+mn-lt"/>
-              </a:defRPr>
-            </a:lvl8pPr>
-            <a:lvl9pPr marL="3810000" indent="-228600" algn="l" rtl="0" fontAlgn="base">
-              <a:spcBef>
-                <a:spcPct val="20000"/>
-              </a:spcBef>
-              <a:spcAft>
-                <a:spcPct val="0"/>
-              </a:spcAft>
-              <a:buClr>
-                <a:schemeClr val="accent1"/>
-              </a:buClr>
-              <a:buSzPct val="60000"/>
-              <a:buFont typeface="Zapf Dingbats" charset="2"/>
-              <a:buChar char="n"/>
-              <a:defRPr sz="2000">
-                <a:solidFill>
-                  <a:srgbClr val="000000"/>
-                </a:solidFill>
-                <a:latin typeface="+mn-lt"/>
-              </a:defRPr>
-            </a:lvl9pPr>
-          </a:lstStyle>
-          <a:p>
-            <a:pPr marL="0" indent="0">
-              <a:buNone/>
-            </a:pPr>
-            <a:r>
-              <a:rPr lang="nl-NL" sz="1400" kern="0" dirty="0" smtClean="0">
-                <a:latin typeface="Courier New" panose="02070309020205020404" pitchFamily="49" charset="0"/>
-                <a:cs typeface="Courier New" panose="02070309020205020404" pitchFamily="49" charset="0"/>
-              </a:rPr>
-              <a:t>In this </a:t>
-            </a:r>
-            <a:r>
-              <a:rPr lang="nl-NL" sz="1400" kern="0" dirty="0" err="1" smtClean="0">
-                <a:latin typeface="Courier New" panose="02070309020205020404" pitchFamily="49" charset="0"/>
-                <a:cs typeface="Courier New" panose="02070309020205020404" pitchFamily="49" charset="0"/>
-              </a:rPr>
-              <a:t>exercise</a:t>
-            </a:r>
-            <a:r>
-              <a:rPr lang="nl-NL" sz="1400" kern="0" dirty="0" smtClean="0">
-                <a:latin typeface="Courier New" panose="02070309020205020404" pitchFamily="49" charset="0"/>
-                <a:cs typeface="Courier New" panose="02070309020205020404" pitchFamily="49" charset="0"/>
-              </a:rPr>
-              <a:t>, </a:t>
-            </a:r>
-            <a:r>
-              <a:rPr lang="nl-NL" sz="1400" kern="0" dirty="0" err="1" smtClean="0">
-                <a:latin typeface="Courier New" panose="02070309020205020404" pitchFamily="49" charset="0"/>
-                <a:cs typeface="Courier New" panose="02070309020205020404" pitchFamily="49" charset="0"/>
-              </a:rPr>
-              <a:t>you</a:t>
-            </a:r>
-            <a:r>
-              <a:rPr lang="nl-NL" sz="1400" kern="0" dirty="0" smtClean="0">
-                <a:latin typeface="Courier New" panose="02070309020205020404" pitchFamily="49" charset="0"/>
-                <a:cs typeface="Courier New" panose="02070309020205020404" pitchFamily="49" charset="0"/>
-              </a:rPr>
-              <a:t> </a:t>
-            </a:r>
-            <a:r>
-              <a:rPr lang="nl-NL" sz="1400" kern="0" dirty="0" err="1" smtClean="0">
-                <a:latin typeface="Courier New" panose="02070309020205020404" pitchFamily="49" charset="0"/>
-                <a:cs typeface="Courier New" panose="02070309020205020404" pitchFamily="49" charset="0"/>
-              </a:rPr>
-              <a:t>will</a:t>
-            </a:r>
-            <a:r>
-              <a:rPr lang="nl-NL" sz="1400" kern="0" dirty="0" smtClean="0">
-                <a:latin typeface="Courier New" panose="02070309020205020404" pitchFamily="49" charset="0"/>
-                <a:cs typeface="Courier New" panose="02070309020205020404" pitchFamily="49" charset="0"/>
-              </a:rPr>
-              <a:t> </a:t>
-            </a:r>
-            <a:r>
-              <a:rPr lang="nl-NL" sz="1400" kern="0" dirty="0" err="1" smtClean="0">
-                <a:latin typeface="Courier New" panose="02070309020205020404" pitchFamily="49" charset="0"/>
-                <a:cs typeface="Courier New" panose="02070309020205020404" pitchFamily="49" charset="0"/>
-              </a:rPr>
-              <a:t>explore</a:t>
-            </a:r>
-            <a:r>
-              <a:rPr lang="nl-NL" sz="1400" kern="0" dirty="0" smtClean="0">
-                <a:latin typeface="Courier New" panose="02070309020205020404" pitchFamily="49" charset="0"/>
-                <a:cs typeface="Courier New" panose="02070309020205020404" pitchFamily="49" charset="0"/>
-              </a:rPr>
-              <a:t> the logic of clustering </a:t>
-            </a:r>
-            <a:r>
-              <a:rPr lang="nl-NL" sz="1400" kern="0" dirty="0" err="1" smtClean="0">
-                <a:latin typeface="Courier New" panose="02070309020205020404" pitchFamily="49" charset="0"/>
-                <a:cs typeface="Courier New" panose="02070309020205020404" pitchFamily="49" charset="0"/>
-              </a:rPr>
-              <a:t>using</a:t>
-            </a:r>
-            <a:r>
-              <a:rPr lang="nl-NL" sz="1400" kern="0" dirty="0" smtClean="0">
-                <a:latin typeface="Courier New" panose="02070309020205020404" pitchFamily="49" charset="0"/>
-                <a:cs typeface="Courier New" panose="02070309020205020404" pitchFamily="49" charset="0"/>
-              </a:rPr>
-              <a:t> the </a:t>
-            </a:r>
-            <a:r>
-              <a:rPr lang="nl-NL" sz="1400" kern="0" dirty="0" err="1" smtClean="0">
-                <a:latin typeface="Courier New" panose="02070309020205020404" pitchFamily="49" charset="0"/>
-                <a:cs typeface="Courier New" panose="02070309020205020404" pitchFamily="49" charset="0"/>
-              </a:rPr>
-              <a:t>famous</a:t>
-            </a:r>
-            <a:r>
-              <a:rPr lang="nl-NL" sz="1400" kern="0" dirty="0" smtClean="0">
-                <a:latin typeface="Courier New" panose="02070309020205020404" pitchFamily="49" charset="0"/>
-                <a:cs typeface="Courier New" panose="02070309020205020404" pitchFamily="49" charset="0"/>
-              </a:rPr>
-              <a:t> </a:t>
-            </a:r>
-            <a:r>
-              <a:rPr lang="nl-NL" sz="1400" i="1" kern="0" dirty="0" smtClean="0">
-                <a:latin typeface="Courier New" panose="02070309020205020404" pitchFamily="49" charset="0"/>
-                <a:cs typeface="Courier New" panose="02070309020205020404" pitchFamily="49" charset="0"/>
-              </a:rPr>
-              <a:t>Iris</a:t>
-            </a:r>
-            <a:r>
-              <a:rPr lang="nl-NL" sz="1400" kern="0" dirty="0" smtClean="0">
-                <a:latin typeface="Courier New" panose="02070309020205020404" pitchFamily="49" charset="0"/>
-                <a:cs typeface="Courier New" panose="02070309020205020404" pitchFamily="49" charset="0"/>
-              </a:rPr>
-              <a:t> data set. See the </a:t>
-            </a:r>
-            <a:r>
-              <a:rPr lang="nl-NL" sz="1400" kern="0" dirty="0" err="1" smtClean="0">
-                <a:latin typeface="Courier New" panose="02070309020205020404" pitchFamily="49" charset="0"/>
-                <a:cs typeface="Courier New" panose="02070309020205020404" pitchFamily="49" charset="0"/>
-              </a:rPr>
-              <a:t>Exercise</a:t>
-            </a:r>
-            <a:r>
-              <a:rPr lang="nl-NL" sz="1400" kern="0" dirty="0" smtClean="0">
-                <a:latin typeface="Courier New" panose="02070309020205020404" pitchFamily="49" charset="0"/>
-                <a:cs typeface="Courier New" panose="02070309020205020404" pitchFamily="49" charset="0"/>
-              </a:rPr>
-              <a:t> folder for the data set (</a:t>
-            </a:r>
-            <a:r>
-              <a:rPr lang="nl-NL" sz="1400" i="1" kern="0" dirty="0" smtClean="0">
-                <a:latin typeface="Courier New" panose="02070309020205020404" pitchFamily="49" charset="0"/>
-                <a:cs typeface="Courier New" panose="02070309020205020404" pitchFamily="49" charset="0"/>
-              </a:rPr>
-              <a:t>iris.csv</a:t>
-            </a:r>
-            <a:r>
-              <a:rPr lang="nl-NL" sz="1400" kern="0" dirty="0" smtClean="0">
-                <a:latin typeface="Courier New" panose="02070309020205020404" pitchFamily="49" charset="0"/>
-                <a:cs typeface="Courier New" panose="02070309020205020404" pitchFamily="49" charset="0"/>
-              </a:rPr>
-              <a:t>), </a:t>
-            </a:r>
-            <a:r>
-              <a:rPr lang="nl-NL" sz="1400" kern="0" dirty="0" err="1" smtClean="0">
-                <a:latin typeface="Courier New" panose="02070309020205020404" pitchFamily="49" charset="0"/>
-                <a:cs typeface="Courier New" panose="02070309020205020404" pitchFamily="49" charset="0"/>
-              </a:rPr>
-              <a:t>and</a:t>
-            </a:r>
-            <a:r>
-              <a:rPr lang="nl-NL" sz="1400" kern="0" dirty="0" smtClean="0">
-                <a:latin typeface="Courier New" panose="02070309020205020404" pitchFamily="49" charset="0"/>
-                <a:cs typeface="Courier New" panose="02070309020205020404" pitchFamily="49" charset="0"/>
-              </a:rPr>
-              <a:t> the Notebook </a:t>
-            </a:r>
-            <a:r>
-              <a:rPr lang="nl-NL" sz="1400" i="1" kern="0" dirty="0" smtClean="0">
-                <a:latin typeface="Courier New" panose="02070309020205020404" pitchFamily="49" charset="0"/>
-                <a:cs typeface="Courier New" panose="02070309020205020404" pitchFamily="49" charset="0"/>
-              </a:rPr>
-              <a:t>k-means </a:t>
-            </a:r>
-            <a:r>
-              <a:rPr lang="nl-NL" sz="1400" kern="0" dirty="0" smtClean="0">
-                <a:latin typeface="Courier New" panose="02070309020205020404" pitchFamily="49" charset="0"/>
-                <a:cs typeface="Courier New" panose="02070309020205020404" pitchFamily="49" charset="0"/>
-              </a:rPr>
-              <a:t>in the </a:t>
-            </a:r>
-            <a:r>
-              <a:rPr lang="nl-NL" sz="1400" kern="0" dirty="0" err="1" smtClean="0">
-                <a:latin typeface="Courier New" panose="02070309020205020404" pitchFamily="49" charset="0"/>
-                <a:cs typeface="Courier New" panose="02070309020205020404" pitchFamily="49" charset="0"/>
-              </a:rPr>
-              <a:t>Examples</a:t>
-            </a:r>
-            <a:r>
-              <a:rPr lang="nl-NL" sz="1400" kern="0" dirty="0" smtClean="0">
-                <a:latin typeface="Courier New" panose="02070309020205020404" pitchFamily="49" charset="0"/>
-                <a:cs typeface="Courier New" panose="02070309020205020404" pitchFamily="49" charset="0"/>
-              </a:rPr>
-              <a:t> folder. </a:t>
-            </a:r>
-            <a:endParaRPr lang="nl-NL" sz="1400" kern="0" dirty="0">
-              <a:latin typeface="Courier New" panose="02070309020205020404" pitchFamily="49" charset="0"/>
-              <a:cs typeface="Courier New" panose="02070309020205020404" pitchFamily="49" charset="0"/>
-            </a:endParaRPr>
-          </a:p>
-          <a:p>
-            <a:pPr>
-              <a:buFont typeface="+mj-lt"/>
-              <a:buAutoNum type="arabicPeriod"/>
-            </a:pPr>
-            <a:endParaRPr lang="nl-NL" sz="1400" kern="0" dirty="0" smtClean="0">
-              <a:latin typeface="Courier New" panose="02070309020205020404" pitchFamily="49" charset="0"/>
-              <a:cs typeface="Courier New" panose="02070309020205020404" pitchFamily="49" charset="0"/>
-            </a:endParaRPr>
-          </a:p>
-          <a:p>
-            <a:pPr>
-              <a:buFont typeface="+mj-lt"/>
-              <a:buAutoNum type="arabicPeriod"/>
-            </a:pPr>
-            <a:r>
-              <a:rPr lang="nl-NL" sz="1400" kern="0" dirty="0" smtClean="0">
-                <a:latin typeface="Courier New" panose="02070309020205020404" pitchFamily="49" charset="0"/>
-                <a:cs typeface="Courier New" panose="02070309020205020404" pitchFamily="49" charset="0"/>
-              </a:rPr>
-              <a:t>Read in the </a:t>
-            </a:r>
-            <a:r>
-              <a:rPr lang="nl-NL" sz="1400" kern="0" dirty="0" err="1" smtClean="0">
-                <a:latin typeface="Courier New" panose="02070309020205020404" pitchFamily="49" charset="0"/>
-                <a:cs typeface="Courier New" panose="02070309020205020404" pitchFamily="49" charset="0"/>
-              </a:rPr>
-              <a:t>csv</a:t>
-            </a:r>
-            <a:r>
-              <a:rPr lang="nl-NL" sz="1400" kern="0" dirty="0" smtClean="0">
-                <a:latin typeface="Courier New" panose="02070309020205020404" pitchFamily="49" charset="0"/>
-                <a:cs typeface="Courier New" panose="02070309020205020404" pitchFamily="49" charset="0"/>
-              </a:rPr>
-              <a:t> file.</a:t>
-            </a:r>
-          </a:p>
-          <a:p>
-            <a:pPr>
-              <a:buFont typeface="+mj-lt"/>
-              <a:buAutoNum type="arabicPeriod"/>
-            </a:pPr>
-            <a:endParaRPr lang="nl-NL" sz="1400" kern="0" dirty="0">
-              <a:latin typeface="Courier New" panose="02070309020205020404" pitchFamily="49" charset="0"/>
-              <a:cs typeface="Courier New" panose="02070309020205020404" pitchFamily="49" charset="0"/>
-            </a:endParaRPr>
-          </a:p>
-          <a:p>
-            <a:pPr>
-              <a:buFont typeface="+mj-lt"/>
-              <a:buAutoNum type="arabicPeriod"/>
-            </a:pPr>
-            <a:r>
-              <a:rPr lang="nl-NL" sz="1400" kern="0" dirty="0" smtClean="0">
-                <a:latin typeface="Courier New" panose="02070309020205020404" pitchFamily="49" charset="0"/>
-                <a:cs typeface="Courier New" panose="02070309020205020404" pitchFamily="49" charset="0"/>
-              </a:rPr>
-              <a:t>Using a Seaborn </a:t>
-            </a:r>
-            <a:r>
-              <a:rPr lang="nl-NL" sz="1400" kern="0" dirty="0" err="1" smtClean="0">
-                <a:latin typeface="Courier New" panose="02070309020205020404" pitchFamily="49" charset="0"/>
-                <a:cs typeface="Courier New" panose="02070309020205020404" pitchFamily="49" charset="0"/>
-              </a:rPr>
-              <a:t>scatterplot</a:t>
-            </a:r>
-            <a:r>
-              <a:rPr lang="nl-NL" sz="1400" kern="0" dirty="0" smtClean="0">
-                <a:latin typeface="Courier New" panose="02070309020205020404" pitchFamily="49" charset="0"/>
-                <a:cs typeface="Courier New" panose="02070309020205020404" pitchFamily="49" charset="0"/>
-              </a:rPr>
-              <a:t>, plot the </a:t>
-            </a:r>
-            <a:r>
-              <a:rPr lang="nl-NL" sz="1400" i="1" kern="0" dirty="0" smtClean="0">
-                <a:latin typeface="Courier New" panose="02070309020205020404" pitchFamily="49" charset="0"/>
-                <a:cs typeface="Courier New" panose="02070309020205020404" pitchFamily="49" charset="0"/>
-              </a:rPr>
-              <a:t>Iris </a:t>
-            </a:r>
-            <a:r>
-              <a:rPr lang="nl-NL" sz="1400" kern="0" dirty="0" smtClean="0">
-                <a:latin typeface="Courier New" panose="02070309020205020404" pitchFamily="49" charset="0"/>
-                <a:cs typeface="Courier New" panose="02070309020205020404" pitchFamily="49" charset="0"/>
-              </a:rPr>
-              <a:t>data set </a:t>
-            </a:r>
-            <a:r>
-              <a:rPr lang="nl-NL" sz="1400" kern="0" dirty="0" err="1" smtClean="0">
-                <a:latin typeface="Courier New" panose="02070309020205020404" pitchFamily="49" charset="0"/>
-                <a:cs typeface="Courier New" panose="02070309020205020404" pitchFamily="49" charset="0"/>
-              </a:rPr>
-              <a:t>with</a:t>
-            </a:r>
-            <a:r>
-              <a:rPr lang="nl-NL" sz="1400" kern="0" dirty="0" smtClean="0">
-                <a:latin typeface="Courier New" panose="02070309020205020404" pitchFamily="49" charset="0"/>
-                <a:cs typeface="Courier New" panose="02070309020205020404" pitchFamily="49" charset="0"/>
-              </a:rPr>
-              <a:t> </a:t>
-            </a:r>
-            <a:r>
-              <a:rPr lang="nl-NL" sz="1400" kern="0" dirty="0" err="1" smtClean="0">
-                <a:latin typeface="Courier New" panose="02070309020205020404" pitchFamily="49" charset="0"/>
-                <a:cs typeface="Courier New" panose="02070309020205020404" pitchFamily="49" charset="0"/>
-              </a:rPr>
-              <a:t>petal</a:t>
-            </a:r>
-            <a:r>
-              <a:rPr lang="nl-NL" sz="1400" kern="0" dirty="0" smtClean="0">
-                <a:latin typeface="Courier New" panose="02070309020205020404" pitchFamily="49" charset="0"/>
-                <a:cs typeface="Courier New" panose="02070309020205020404" pitchFamily="49" charset="0"/>
-              </a:rPr>
-              <a:t> </a:t>
-            </a:r>
-            <a:r>
-              <a:rPr lang="nl-NL" sz="1400" kern="0" dirty="0" err="1" smtClean="0">
-                <a:latin typeface="Courier New" panose="02070309020205020404" pitchFamily="49" charset="0"/>
-                <a:cs typeface="Courier New" panose="02070309020205020404" pitchFamily="49" charset="0"/>
-              </a:rPr>
-              <a:t>length</a:t>
-            </a:r>
-            <a:r>
-              <a:rPr lang="nl-NL" sz="1400" kern="0" dirty="0" smtClean="0">
-                <a:latin typeface="Courier New" panose="02070309020205020404" pitchFamily="49" charset="0"/>
-                <a:cs typeface="Courier New" panose="02070309020205020404" pitchFamily="49" charset="0"/>
-              </a:rPr>
-              <a:t> on the x-</a:t>
-            </a:r>
-            <a:r>
-              <a:rPr lang="nl-NL" sz="1400" kern="0" dirty="0" err="1" smtClean="0">
-                <a:latin typeface="Courier New" panose="02070309020205020404" pitchFamily="49" charset="0"/>
-                <a:cs typeface="Courier New" panose="02070309020205020404" pitchFamily="49" charset="0"/>
-              </a:rPr>
-              <a:t>axis</a:t>
-            </a:r>
-            <a:r>
-              <a:rPr lang="nl-NL" sz="1400" kern="0" dirty="0" smtClean="0">
-                <a:latin typeface="Courier New" panose="02070309020205020404" pitchFamily="49" charset="0"/>
-                <a:cs typeface="Courier New" panose="02070309020205020404" pitchFamily="49" charset="0"/>
-              </a:rPr>
-              <a:t> </a:t>
-            </a:r>
-            <a:r>
-              <a:rPr lang="nl-NL" sz="1400" kern="0" dirty="0" err="1" smtClean="0">
-                <a:latin typeface="Courier New" panose="02070309020205020404" pitchFamily="49" charset="0"/>
-                <a:cs typeface="Courier New" panose="02070309020205020404" pitchFamily="49" charset="0"/>
-              </a:rPr>
-              <a:t>and</a:t>
-            </a:r>
-            <a:r>
-              <a:rPr lang="nl-NL" sz="1400" kern="0" dirty="0" smtClean="0">
-                <a:latin typeface="Courier New" panose="02070309020205020404" pitchFamily="49" charset="0"/>
-                <a:cs typeface="Courier New" panose="02070309020205020404" pitchFamily="49" charset="0"/>
-              </a:rPr>
-              <a:t> </a:t>
-            </a:r>
-            <a:r>
-              <a:rPr lang="nl-NL" sz="1400" kern="0" dirty="0" err="1" smtClean="0">
-                <a:latin typeface="Courier New" panose="02070309020205020404" pitchFamily="49" charset="0"/>
-                <a:cs typeface="Courier New" panose="02070309020205020404" pitchFamily="49" charset="0"/>
-              </a:rPr>
-              <a:t>sepal</a:t>
-            </a:r>
-            <a:r>
-              <a:rPr lang="nl-NL" sz="1400" kern="0" dirty="0" smtClean="0">
-                <a:latin typeface="Courier New" panose="02070309020205020404" pitchFamily="49" charset="0"/>
-                <a:cs typeface="Courier New" panose="02070309020205020404" pitchFamily="49" charset="0"/>
-              </a:rPr>
-              <a:t> </a:t>
-            </a:r>
-            <a:r>
-              <a:rPr lang="nl-NL" sz="1400" kern="0" dirty="0" err="1" smtClean="0">
-                <a:latin typeface="Courier New" panose="02070309020205020404" pitchFamily="49" charset="0"/>
-                <a:cs typeface="Courier New" panose="02070309020205020404" pitchFamily="49" charset="0"/>
-              </a:rPr>
-              <a:t>length</a:t>
-            </a:r>
-            <a:r>
-              <a:rPr lang="nl-NL" sz="1400" kern="0" dirty="0" smtClean="0">
-                <a:latin typeface="Courier New" panose="02070309020205020404" pitchFamily="49" charset="0"/>
-                <a:cs typeface="Courier New" panose="02070309020205020404" pitchFamily="49" charset="0"/>
-              </a:rPr>
-              <a:t> on the y-</a:t>
-            </a:r>
-            <a:r>
-              <a:rPr lang="nl-NL" sz="1400" kern="0" dirty="0" err="1" smtClean="0">
-                <a:latin typeface="Courier New" panose="02070309020205020404" pitchFamily="49" charset="0"/>
-                <a:cs typeface="Courier New" panose="02070309020205020404" pitchFamily="49" charset="0"/>
-              </a:rPr>
-              <a:t>axis</a:t>
-            </a:r>
-            <a:r>
-              <a:rPr lang="nl-NL" sz="1400" kern="0" dirty="0" smtClean="0">
-                <a:latin typeface="Courier New" panose="02070309020205020404" pitchFamily="49" charset="0"/>
-                <a:cs typeface="Courier New" panose="02070309020205020404" pitchFamily="49" charset="0"/>
-              </a:rPr>
-              <a:t>. Plot the different Iris species </a:t>
-            </a:r>
-            <a:r>
-              <a:rPr lang="nl-NL" sz="1400" kern="0" dirty="0" err="1" smtClean="0">
-                <a:latin typeface="Courier New" panose="02070309020205020404" pitchFamily="49" charset="0"/>
-                <a:cs typeface="Courier New" panose="02070309020205020404" pitchFamily="49" charset="0"/>
-              </a:rPr>
-              <a:t>with</a:t>
-            </a:r>
-            <a:r>
-              <a:rPr lang="nl-NL" sz="1400" kern="0" dirty="0" smtClean="0">
-                <a:latin typeface="Courier New" panose="02070309020205020404" pitchFamily="49" charset="0"/>
-                <a:cs typeface="Courier New" panose="02070309020205020404" pitchFamily="49" charset="0"/>
-              </a:rPr>
-              <a:t> a different </a:t>
-            </a:r>
-            <a:r>
-              <a:rPr lang="nl-NL" sz="1400" kern="0" dirty="0" err="1" smtClean="0">
-                <a:latin typeface="Courier New" panose="02070309020205020404" pitchFamily="49" charset="0"/>
-                <a:cs typeface="Courier New" panose="02070309020205020404" pitchFamily="49" charset="0"/>
-              </a:rPr>
-              <a:t>symbol</a:t>
-            </a:r>
-            <a:r>
-              <a:rPr lang="nl-NL" sz="1400" kern="0" dirty="0" smtClean="0">
-                <a:latin typeface="Courier New" panose="02070309020205020404" pitchFamily="49" charset="0"/>
-                <a:cs typeface="Courier New" panose="02070309020205020404" pitchFamily="49" charset="0"/>
-              </a:rPr>
-              <a:t> (</a:t>
-            </a:r>
-            <a:r>
-              <a:rPr lang="nl-NL" sz="1400" b="1" kern="0" dirty="0" err="1" smtClean="0">
-                <a:latin typeface="Courier New" panose="02070309020205020404" pitchFamily="49" charset="0"/>
-                <a:cs typeface="Courier New" panose="02070309020205020404" pitchFamily="49" charset="0"/>
-              </a:rPr>
-              <a:t>see</a:t>
-            </a:r>
-            <a:r>
-              <a:rPr lang="nl-NL" sz="1400" b="1" kern="0" dirty="0" smtClean="0">
-                <a:latin typeface="Courier New" panose="02070309020205020404" pitchFamily="49" charset="0"/>
-                <a:cs typeface="Courier New" panose="02070309020205020404" pitchFamily="49" charset="0"/>
-              </a:rPr>
-              <a:t> the Seaborn documentation</a:t>
-            </a:r>
-            <a:r>
-              <a:rPr lang="nl-NL" sz="1400" kern="0" dirty="0" smtClean="0">
-                <a:latin typeface="Courier New" panose="02070309020205020404" pitchFamily="49" charset="0"/>
-                <a:cs typeface="Courier New" panose="02070309020205020404" pitchFamily="49" charset="0"/>
-              </a:rPr>
-              <a:t>). </a:t>
-            </a:r>
-          </a:p>
-          <a:p>
-            <a:pPr>
-              <a:buFont typeface="+mj-lt"/>
-              <a:buAutoNum type="arabicPeriod"/>
-            </a:pPr>
-            <a:endParaRPr lang="nl-NL" sz="1400" kern="0" dirty="0">
-              <a:latin typeface="Courier New" panose="02070309020205020404" pitchFamily="49" charset="0"/>
-              <a:cs typeface="Courier New" panose="02070309020205020404" pitchFamily="49" charset="0"/>
-            </a:endParaRPr>
-          </a:p>
-          <a:p>
-            <a:pPr>
-              <a:buFont typeface="+mj-lt"/>
-              <a:buAutoNum type="arabicPeriod"/>
-            </a:pPr>
-            <a:r>
-              <a:rPr lang="nl-NL" sz="1400" kern="0" dirty="0" err="1" smtClean="0">
-                <a:latin typeface="Courier New" panose="02070309020205020404" pitchFamily="49" charset="0"/>
-                <a:cs typeface="Courier New" panose="02070309020205020404" pitchFamily="49" charset="0"/>
-              </a:rPr>
-              <a:t>What</a:t>
-            </a:r>
-            <a:r>
-              <a:rPr lang="nl-NL" sz="1400" kern="0" dirty="0" smtClean="0">
-                <a:latin typeface="Courier New" panose="02070309020205020404" pitchFamily="49" charset="0"/>
-                <a:cs typeface="Courier New" panose="02070309020205020404" pitchFamily="49" charset="0"/>
-              </a:rPr>
-              <a:t> </a:t>
-            </a:r>
-            <a:r>
-              <a:rPr lang="nl-NL" sz="1400" kern="0" dirty="0" err="1" smtClean="0">
-                <a:latin typeface="Courier New" panose="02070309020205020404" pitchFamily="49" charset="0"/>
-                <a:cs typeface="Courier New" panose="02070309020205020404" pitchFamily="49" charset="0"/>
-              </a:rPr>
-              <a:t>possible</a:t>
-            </a:r>
-            <a:r>
-              <a:rPr lang="nl-NL" sz="1400" kern="0" dirty="0" smtClean="0">
-                <a:latin typeface="Courier New" panose="02070309020205020404" pitchFamily="49" charset="0"/>
-                <a:cs typeface="Courier New" panose="02070309020205020404" pitchFamily="49" charset="0"/>
-              </a:rPr>
-              <a:t> clusters do </a:t>
-            </a:r>
-            <a:r>
-              <a:rPr lang="nl-NL" sz="1400" kern="0" dirty="0" err="1" smtClean="0">
-                <a:latin typeface="Courier New" panose="02070309020205020404" pitchFamily="49" charset="0"/>
-                <a:cs typeface="Courier New" panose="02070309020205020404" pitchFamily="49" charset="0"/>
-              </a:rPr>
-              <a:t>you</a:t>
-            </a:r>
-            <a:r>
-              <a:rPr lang="nl-NL" sz="1400" kern="0" dirty="0" smtClean="0">
-                <a:latin typeface="Courier New" panose="02070309020205020404" pitchFamily="49" charset="0"/>
-                <a:cs typeface="Courier New" panose="02070309020205020404" pitchFamily="49" charset="0"/>
-              </a:rPr>
-              <a:t> </a:t>
-            </a:r>
-            <a:r>
-              <a:rPr lang="nl-NL" sz="1400" kern="0" dirty="0" err="1" smtClean="0">
-                <a:latin typeface="Courier New" panose="02070309020205020404" pitchFamily="49" charset="0"/>
-                <a:cs typeface="Courier New" panose="02070309020205020404" pitchFamily="49" charset="0"/>
-              </a:rPr>
-              <a:t>see</a:t>
-            </a:r>
-            <a:r>
-              <a:rPr lang="nl-NL" sz="1400" kern="0" dirty="0" smtClean="0">
-                <a:latin typeface="Courier New" panose="02070309020205020404" pitchFamily="49" charset="0"/>
-                <a:cs typeface="Courier New" panose="02070309020205020404" pitchFamily="49" charset="0"/>
-              </a:rPr>
-              <a:t> </a:t>
-            </a:r>
-            <a:r>
-              <a:rPr lang="nl-NL" sz="1400" kern="0" dirty="0" err="1" smtClean="0">
-                <a:latin typeface="Courier New" panose="02070309020205020404" pitchFamily="49" charset="0"/>
-                <a:cs typeface="Courier New" panose="02070309020205020404" pitchFamily="49" charset="0"/>
-              </a:rPr>
-              <a:t>with</a:t>
-            </a:r>
-            <a:r>
-              <a:rPr lang="nl-NL" sz="1400" kern="0" dirty="0" smtClean="0">
-                <a:latin typeface="Courier New" panose="02070309020205020404" pitchFamily="49" charset="0"/>
-                <a:cs typeface="Courier New" panose="02070309020205020404" pitchFamily="49" charset="0"/>
-              </a:rPr>
-              <a:t> the </a:t>
-            </a:r>
-            <a:r>
-              <a:rPr lang="nl-NL" sz="1400" kern="0" dirty="0" err="1" smtClean="0">
-                <a:latin typeface="Courier New" panose="02070309020205020404" pitchFamily="49" charset="0"/>
-                <a:cs typeface="Courier New" panose="02070309020205020404" pitchFamily="49" charset="0"/>
-              </a:rPr>
-              <a:t>naked</a:t>
-            </a:r>
-            <a:r>
-              <a:rPr lang="nl-NL" sz="1400" kern="0" dirty="0" smtClean="0">
-                <a:latin typeface="Courier New" panose="02070309020205020404" pitchFamily="49" charset="0"/>
-                <a:cs typeface="Courier New" panose="02070309020205020404" pitchFamily="49" charset="0"/>
-              </a:rPr>
-              <a:t> </a:t>
-            </a:r>
-            <a:r>
-              <a:rPr lang="nl-NL" sz="1400" kern="0" dirty="0" err="1" smtClean="0">
-                <a:latin typeface="Courier New" panose="02070309020205020404" pitchFamily="49" charset="0"/>
-                <a:cs typeface="Courier New" panose="02070309020205020404" pitchFamily="49" charset="0"/>
-              </a:rPr>
-              <a:t>eye</a:t>
-            </a:r>
-            <a:r>
-              <a:rPr lang="nl-NL" sz="1400" kern="0" dirty="0" smtClean="0">
-                <a:latin typeface="Courier New" panose="02070309020205020404" pitchFamily="49" charset="0"/>
-                <a:cs typeface="Courier New" panose="02070309020205020404" pitchFamily="49" charset="0"/>
-              </a:rPr>
-              <a:t>? How do </a:t>
-            </a:r>
-            <a:r>
-              <a:rPr lang="nl-NL" sz="1400" kern="0" dirty="0" err="1" smtClean="0">
-                <a:latin typeface="Courier New" panose="02070309020205020404" pitchFamily="49" charset="0"/>
-                <a:cs typeface="Courier New" panose="02070309020205020404" pitchFamily="49" charset="0"/>
-              </a:rPr>
-              <a:t>they</a:t>
-            </a:r>
-            <a:r>
-              <a:rPr lang="nl-NL" sz="1400" kern="0" dirty="0" smtClean="0">
-                <a:latin typeface="Courier New" panose="02070309020205020404" pitchFamily="49" charset="0"/>
-                <a:cs typeface="Courier New" panose="02070309020205020404" pitchFamily="49" charset="0"/>
-              </a:rPr>
-              <a:t> </a:t>
-            </a:r>
-            <a:r>
-              <a:rPr lang="nl-NL" sz="1400" kern="0" dirty="0" err="1" smtClean="0">
-                <a:latin typeface="Courier New" panose="02070309020205020404" pitchFamily="49" charset="0"/>
-                <a:cs typeface="Courier New" panose="02070309020205020404" pitchFamily="49" charset="0"/>
-              </a:rPr>
-              <a:t>relate</a:t>
-            </a:r>
-            <a:r>
-              <a:rPr lang="nl-NL" sz="1400" kern="0" dirty="0" smtClean="0">
-                <a:latin typeface="Courier New" panose="02070309020205020404" pitchFamily="49" charset="0"/>
-                <a:cs typeface="Courier New" panose="02070309020205020404" pitchFamily="49" charset="0"/>
-              </a:rPr>
-              <a:t> </a:t>
-            </a:r>
-            <a:r>
-              <a:rPr lang="nl-NL" sz="1400" kern="0" dirty="0" err="1" smtClean="0">
-                <a:latin typeface="Courier New" panose="02070309020205020404" pitchFamily="49" charset="0"/>
-                <a:cs typeface="Courier New" panose="02070309020205020404" pitchFamily="49" charset="0"/>
-              </a:rPr>
-              <a:t>to</a:t>
-            </a:r>
-            <a:r>
-              <a:rPr lang="nl-NL" sz="1400" kern="0" dirty="0" smtClean="0">
-                <a:latin typeface="Courier New" panose="02070309020205020404" pitchFamily="49" charset="0"/>
-                <a:cs typeface="Courier New" panose="02070309020205020404" pitchFamily="49" charset="0"/>
-              </a:rPr>
-              <a:t> the </a:t>
-            </a:r>
-            <a:r>
-              <a:rPr lang="nl-NL" sz="1400" kern="0" dirty="0" err="1" smtClean="0">
-                <a:latin typeface="Courier New" panose="02070309020205020404" pitchFamily="49" charset="0"/>
-                <a:cs typeface="Courier New" panose="02070309020205020404" pitchFamily="49" charset="0"/>
-              </a:rPr>
-              <a:t>three</a:t>
-            </a:r>
-            <a:r>
-              <a:rPr lang="nl-NL" sz="1400" kern="0" dirty="0" smtClean="0">
-                <a:latin typeface="Courier New" panose="02070309020205020404" pitchFamily="49" charset="0"/>
-                <a:cs typeface="Courier New" panose="02070309020205020404" pitchFamily="49" charset="0"/>
-              </a:rPr>
-              <a:t> species?</a:t>
-            </a:r>
-          </a:p>
-          <a:p>
-            <a:pPr>
-              <a:buFont typeface="+mj-lt"/>
-              <a:buAutoNum type="arabicPeriod"/>
-            </a:pPr>
-            <a:endParaRPr lang="nl-NL" sz="1400" kern="0" dirty="0" smtClean="0">
-              <a:latin typeface="Courier New" panose="02070309020205020404" pitchFamily="49" charset="0"/>
-              <a:cs typeface="Courier New" panose="02070309020205020404" pitchFamily="49" charset="0"/>
-            </a:endParaRPr>
-          </a:p>
-          <a:p>
-            <a:pPr>
-              <a:buFont typeface="+mj-lt"/>
-              <a:buAutoNum type="arabicPeriod"/>
-            </a:pPr>
-            <a:r>
-              <a:rPr lang="nl-NL" sz="1400" kern="0" dirty="0" smtClean="0">
-                <a:latin typeface="Courier New" panose="02070309020205020404" pitchFamily="49" charset="0"/>
-                <a:cs typeface="Courier New" panose="02070309020205020404" pitchFamily="49" charset="0"/>
-              </a:rPr>
-              <a:t>Using </a:t>
-            </a:r>
-            <a:r>
-              <a:rPr lang="nl-NL" sz="1400" i="1" kern="0" dirty="0" smtClean="0">
-                <a:latin typeface="Courier New" panose="02070309020205020404" pitchFamily="49" charset="0"/>
-                <a:cs typeface="Courier New" panose="02070309020205020404" pitchFamily="49" charset="0"/>
-              </a:rPr>
-              <a:t>k-</a:t>
-            </a:r>
-            <a:r>
-              <a:rPr lang="nl-NL" sz="1400" kern="0" dirty="0" smtClean="0">
-                <a:latin typeface="Courier New" panose="02070309020205020404" pitchFamily="49" charset="0"/>
-                <a:cs typeface="Courier New" panose="02070309020205020404" pitchFamily="49" charset="0"/>
-              </a:rPr>
-              <a:t>means clustering </a:t>
-            </a:r>
-            <a:r>
-              <a:rPr lang="nl-NL" sz="1400" kern="0" dirty="0" err="1" smtClean="0">
-                <a:latin typeface="Courier New" panose="02070309020205020404" pitchFamily="49" charset="0"/>
-                <a:cs typeface="Courier New" panose="02070309020205020404" pitchFamily="49" charset="0"/>
-              </a:rPr>
-              <a:t>with</a:t>
-            </a:r>
-            <a:r>
-              <a:rPr lang="nl-NL" sz="1400" kern="0" dirty="0" smtClean="0">
-                <a:latin typeface="Courier New" panose="02070309020205020404" pitchFamily="49" charset="0"/>
-                <a:cs typeface="Courier New" panose="02070309020205020404" pitchFamily="49" charset="0"/>
-              </a:rPr>
-              <a:t> 3 clusters (</a:t>
-            </a:r>
-            <a:r>
-              <a:rPr lang="nl-NL" sz="1400" kern="0" dirty="0" err="1" smtClean="0">
-                <a:latin typeface="Courier New" panose="02070309020205020404" pitchFamily="49" charset="0"/>
-                <a:cs typeface="Courier New" panose="02070309020205020404" pitchFamily="49" charset="0"/>
-              </a:rPr>
-              <a:t>using</a:t>
-            </a:r>
-            <a:r>
-              <a:rPr lang="nl-NL" sz="1400" kern="0" dirty="0" smtClean="0">
-                <a:latin typeface="Courier New" panose="02070309020205020404" pitchFamily="49" charset="0"/>
-                <a:cs typeface="Courier New" panose="02070309020205020404" pitchFamily="49" charset="0"/>
-              </a:rPr>
-              <a:t> </a:t>
-            </a:r>
-            <a:r>
-              <a:rPr lang="nl-NL" sz="1400" b="1" kern="0" dirty="0" err="1" smtClean="0">
-                <a:latin typeface="Courier New" panose="02070309020205020404" pitchFamily="49" charset="0"/>
-                <a:cs typeface="Courier New" panose="02070309020205020404" pitchFamily="49" charset="0"/>
-              </a:rPr>
-              <a:t>only</a:t>
-            </a:r>
-            <a:r>
-              <a:rPr lang="nl-NL" sz="1400" b="1" kern="0" dirty="0" smtClean="0">
-                <a:latin typeface="Courier New" panose="02070309020205020404" pitchFamily="49" charset="0"/>
-                <a:cs typeface="Courier New" panose="02070309020205020404" pitchFamily="49" charset="0"/>
-              </a:rPr>
-              <a:t> </a:t>
-            </a:r>
-            <a:r>
-              <a:rPr lang="nl-NL" sz="1400" kern="0" dirty="0" err="1" smtClean="0">
-                <a:latin typeface="Courier New" panose="02070309020205020404" pitchFamily="49" charset="0"/>
-                <a:cs typeface="Courier New" panose="02070309020205020404" pitchFamily="49" charset="0"/>
-              </a:rPr>
-              <a:t>petal</a:t>
-            </a:r>
-            <a:r>
-              <a:rPr lang="nl-NL" sz="1400" kern="0" dirty="0" smtClean="0">
-                <a:latin typeface="Courier New" panose="02070309020205020404" pitchFamily="49" charset="0"/>
-                <a:cs typeface="Courier New" panose="02070309020205020404" pitchFamily="49" charset="0"/>
-              </a:rPr>
-              <a:t> </a:t>
-            </a:r>
-            <a:r>
-              <a:rPr lang="nl-NL" sz="1400" kern="0" dirty="0" err="1" smtClean="0">
-                <a:latin typeface="Courier New" panose="02070309020205020404" pitchFamily="49" charset="0"/>
-                <a:cs typeface="Courier New" panose="02070309020205020404" pitchFamily="49" charset="0"/>
-              </a:rPr>
-              <a:t>length</a:t>
-            </a:r>
-            <a:r>
-              <a:rPr lang="nl-NL" sz="1400" kern="0" dirty="0" smtClean="0">
-                <a:latin typeface="Courier New" panose="02070309020205020404" pitchFamily="49" charset="0"/>
-                <a:cs typeface="Courier New" panose="02070309020205020404" pitchFamily="49" charset="0"/>
-              </a:rPr>
-              <a:t> </a:t>
-            </a:r>
-            <a:r>
-              <a:rPr lang="nl-NL" sz="1400" kern="0" dirty="0" err="1" smtClean="0">
-                <a:latin typeface="Courier New" panose="02070309020205020404" pitchFamily="49" charset="0"/>
-                <a:cs typeface="Courier New" panose="02070309020205020404" pitchFamily="49" charset="0"/>
-              </a:rPr>
-              <a:t>and</a:t>
-            </a:r>
-            <a:r>
-              <a:rPr lang="nl-NL" sz="1400" kern="0" dirty="0" smtClean="0">
-                <a:latin typeface="Courier New" panose="02070309020205020404" pitchFamily="49" charset="0"/>
-                <a:cs typeface="Courier New" panose="02070309020205020404" pitchFamily="49" charset="0"/>
-              </a:rPr>
-              <a:t> </a:t>
-            </a:r>
-            <a:r>
-              <a:rPr lang="nl-NL" sz="1400" kern="0" dirty="0" err="1" smtClean="0">
-                <a:latin typeface="Courier New" panose="02070309020205020404" pitchFamily="49" charset="0"/>
-                <a:cs typeface="Courier New" panose="02070309020205020404" pitchFamily="49" charset="0"/>
-              </a:rPr>
-              <a:t>sepal</a:t>
-            </a:r>
-            <a:r>
-              <a:rPr lang="nl-NL" sz="1400" kern="0" dirty="0" smtClean="0">
-                <a:latin typeface="Courier New" panose="02070309020205020404" pitchFamily="49" charset="0"/>
-                <a:cs typeface="Courier New" panose="02070309020205020404" pitchFamily="49" charset="0"/>
-              </a:rPr>
-              <a:t> </a:t>
-            </a:r>
-            <a:r>
-              <a:rPr lang="nl-NL" sz="1400" kern="0" dirty="0" err="1" smtClean="0">
-                <a:latin typeface="Courier New" panose="02070309020205020404" pitchFamily="49" charset="0"/>
-                <a:cs typeface="Courier New" panose="02070309020205020404" pitchFamily="49" charset="0"/>
-              </a:rPr>
-              <a:t>length</a:t>
-            </a:r>
-            <a:r>
-              <a:rPr lang="nl-NL" sz="1400" kern="0" dirty="0" smtClean="0">
-                <a:latin typeface="Courier New" panose="02070309020205020404" pitchFamily="49" charset="0"/>
-                <a:cs typeface="Courier New" panose="02070309020205020404" pitchFamily="49" charset="0"/>
-              </a:rPr>
-              <a:t> as X variables), </a:t>
-            </a:r>
-            <a:r>
-              <a:rPr lang="nl-NL" sz="1400" kern="0" dirty="0" err="1" smtClean="0">
-                <a:latin typeface="Courier New" panose="02070309020205020404" pitchFamily="49" charset="0"/>
-                <a:cs typeface="Courier New" panose="02070309020205020404" pitchFamily="49" charset="0"/>
-              </a:rPr>
-              <a:t>create</a:t>
-            </a:r>
-            <a:r>
-              <a:rPr lang="nl-NL" sz="1400" kern="0" dirty="0" smtClean="0">
-                <a:latin typeface="Courier New" panose="02070309020205020404" pitchFamily="49" charset="0"/>
-                <a:cs typeface="Courier New" panose="02070309020205020404" pitchFamily="49" charset="0"/>
-              </a:rPr>
-              <a:t> a new </a:t>
-            </a:r>
-            <a:r>
-              <a:rPr lang="nl-NL" sz="1400" kern="0" dirty="0" err="1" smtClean="0">
-                <a:latin typeface="Courier New" panose="02070309020205020404" pitchFamily="49" charset="0"/>
-                <a:cs typeface="Courier New" panose="02070309020205020404" pitchFamily="49" charset="0"/>
-              </a:rPr>
-              <a:t>variable</a:t>
-            </a:r>
-            <a:r>
-              <a:rPr lang="nl-NL" sz="1400" kern="0" dirty="0" smtClean="0">
-                <a:latin typeface="Courier New" panose="02070309020205020404" pitchFamily="49" charset="0"/>
-                <a:cs typeface="Courier New" panose="02070309020205020404" pitchFamily="49" charset="0"/>
-              </a:rPr>
-              <a:t> </a:t>
-            </a:r>
-            <a:r>
-              <a:rPr lang="nl-NL" sz="1400" i="1" kern="0" dirty="0" smtClean="0">
-                <a:latin typeface="Courier New" panose="02070309020205020404" pitchFamily="49" charset="0"/>
-                <a:cs typeface="Courier New" panose="02070309020205020404" pitchFamily="49" charset="0"/>
-              </a:rPr>
-              <a:t>cluster</a:t>
-            </a:r>
-            <a:r>
-              <a:rPr lang="nl-NL" sz="1400" kern="0" dirty="0" smtClean="0">
-                <a:latin typeface="Courier New" panose="02070309020205020404" pitchFamily="49" charset="0"/>
-                <a:cs typeface="Courier New" panose="02070309020205020404" pitchFamily="49" charset="0"/>
-              </a:rPr>
-              <a:t> </a:t>
-            </a:r>
-            <a:r>
-              <a:rPr lang="nl-NL" sz="1400" kern="0" dirty="0" err="1" smtClean="0">
-                <a:latin typeface="Courier New" panose="02070309020205020404" pitchFamily="49" charset="0"/>
-                <a:cs typeface="Courier New" panose="02070309020205020404" pitchFamily="49" charset="0"/>
-              </a:rPr>
-              <a:t>and</a:t>
-            </a:r>
-            <a:r>
-              <a:rPr lang="nl-NL" sz="1400" kern="0" dirty="0" smtClean="0">
-                <a:latin typeface="Courier New" panose="02070309020205020404" pitchFamily="49" charset="0"/>
-                <a:cs typeface="Courier New" panose="02070309020205020404" pitchFamily="49" charset="0"/>
-              </a:rPr>
-              <a:t> </a:t>
-            </a:r>
-            <a:r>
-              <a:rPr lang="nl-NL" sz="1400" kern="0" dirty="0" err="1" smtClean="0">
-                <a:latin typeface="Courier New" panose="02070309020205020404" pitchFamily="49" charset="0"/>
-                <a:cs typeface="Courier New" panose="02070309020205020404" pitchFamily="49" charset="0"/>
-              </a:rPr>
-              <a:t>use</a:t>
-            </a:r>
-            <a:r>
-              <a:rPr lang="nl-NL" sz="1400" kern="0" dirty="0" smtClean="0">
-                <a:latin typeface="Courier New" panose="02070309020205020404" pitchFamily="49" charset="0"/>
-                <a:cs typeface="Courier New" panose="02070309020205020404" pitchFamily="49" charset="0"/>
-              </a:rPr>
-              <a:t> this </a:t>
-            </a:r>
-            <a:r>
-              <a:rPr lang="nl-NL" sz="1400" kern="0" dirty="0" err="1" smtClean="0">
-                <a:latin typeface="Courier New" panose="02070309020205020404" pitchFamily="49" charset="0"/>
-                <a:cs typeface="Courier New" panose="02070309020205020404" pitchFamily="49" charset="0"/>
-              </a:rPr>
-              <a:t>to</a:t>
-            </a:r>
-            <a:r>
-              <a:rPr lang="nl-NL" sz="1400" kern="0" dirty="0" smtClean="0">
-                <a:latin typeface="Courier New" panose="02070309020205020404" pitchFamily="49" charset="0"/>
-                <a:cs typeface="Courier New" panose="02070309020205020404" pitchFamily="49" charset="0"/>
-              </a:rPr>
-              <a:t> make </a:t>
-            </a:r>
-            <a:r>
-              <a:rPr lang="nl-NL" sz="1400" kern="0" dirty="0" err="1" smtClean="0">
-                <a:latin typeface="Courier New" panose="02070309020205020404" pitchFamily="49" charset="0"/>
-                <a:cs typeface="Courier New" panose="02070309020205020404" pitchFamily="49" charset="0"/>
-              </a:rPr>
-              <a:t>another</a:t>
-            </a:r>
-            <a:r>
-              <a:rPr lang="nl-NL" sz="1400" kern="0" dirty="0" smtClean="0">
-                <a:latin typeface="Courier New" panose="02070309020205020404" pitchFamily="49" charset="0"/>
-                <a:cs typeface="Courier New" panose="02070309020205020404" pitchFamily="49" charset="0"/>
-              </a:rPr>
-              <a:t> </a:t>
-            </a:r>
-            <a:r>
-              <a:rPr lang="nl-NL" sz="1400" kern="0" dirty="0" err="1" smtClean="0">
-                <a:latin typeface="Courier New" panose="02070309020205020404" pitchFamily="49" charset="0"/>
-                <a:cs typeface="Courier New" panose="02070309020205020404" pitchFamily="49" charset="0"/>
-              </a:rPr>
-              <a:t>scatterplot</a:t>
-            </a:r>
-            <a:r>
-              <a:rPr lang="nl-NL" sz="1400" kern="0" dirty="0" smtClean="0">
-                <a:latin typeface="Courier New" panose="02070309020205020404" pitchFamily="49" charset="0"/>
-                <a:cs typeface="Courier New" panose="02070309020205020404" pitchFamily="49" charset="0"/>
-              </a:rPr>
-              <a:t>, </a:t>
-            </a:r>
-            <a:r>
-              <a:rPr lang="nl-NL" sz="1400" kern="0" dirty="0" err="1" smtClean="0">
-                <a:latin typeface="Courier New" panose="02070309020205020404" pitchFamily="49" charset="0"/>
-                <a:cs typeface="Courier New" panose="02070309020205020404" pitchFamily="49" charset="0"/>
-              </a:rPr>
-              <a:t>using</a:t>
-            </a:r>
-            <a:r>
-              <a:rPr lang="nl-NL" sz="1400" kern="0" dirty="0" smtClean="0">
-                <a:latin typeface="Courier New" panose="02070309020205020404" pitchFamily="49" charset="0"/>
-                <a:cs typeface="Courier New" panose="02070309020205020404" pitchFamily="49" charset="0"/>
-              </a:rPr>
-              <a:t> </a:t>
-            </a:r>
-            <a:r>
-              <a:rPr lang="nl-NL" sz="1400" kern="0" dirty="0" err="1" smtClean="0">
-                <a:latin typeface="Courier New" panose="02070309020205020404" pitchFamily="49" charset="0"/>
-                <a:cs typeface="Courier New" panose="02070309020205020404" pitchFamily="49" charset="0"/>
-              </a:rPr>
-              <a:t>color</a:t>
-            </a:r>
-            <a:r>
-              <a:rPr lang="nl-NL" sz="1400" kern="0" dirty="0" smtClean="0">
-                <a:latin typeface="Courier New" panose="02070309020205020404" pitchFamily="49" charset="0"/>
-                <a:cs typeface="Courier New" panose="02070309020205020404" pitchFamily="49" charset="0"/>
-              </a:rPr>
-              <a:t> </a:t>
-            </a:r>
-            <a:r>
-              <a:rPr lang="nl-NL" sz="1400" kern="0" dirty="0" err="1" smtClean="0">
-                <a:latin typeface="Courier New" panose="02070309020205020404" pitchFamily="49" charset="0"/>
-                <a:cs typeface="Courier New" panose="02070309020205020404" pitchFamily="49" charset="0"/>
-              </a:rPr>
-              <a:t>for</a:t>
-            </a:r>
-            <a:r>
-              <a:rPr lang="nl-NL" sz="1400" kern="0" dirty="0" smtClean="0">
-                <a:latin typeface="Courier New" panose="02070309020205020404" pitchFamily="49" charset="0"/>
-                <a:cs typeface="Courier New" panose="02070309020205020404" pitchFamily="49" charset="0"/>
-              </a:rPr>
-              <a:t> </a:t>
-            </a:r>
-            <a:r>
-              <a:rPr lang="nl-NL" sz="1400" i="1" kern="0" dirty="0" smtClean="0">
-                <a:latin typeface="Courier New" panose="02070309020205020404" pitchFamily="49" charset="0"/>
-                <a:cs typeface="Courier New" panose="02070309020205020404" pitchFamily="49" charset="0"/>
-              </a:rPr>
-              <a:t>cluster</a:t>
-            </a:r>
-            <a:r>
-              <a:rPr lang="nl-NL" sz="1400" kern="0" dirty="0" smtClean="0">
-                <a:latin typeface="Courier New" panose="02070309020205020404" pitchFamily="49" charset="0"/>
-                <a:cs typeface="Courier New" panose="02070309020205020404" pitchFamily="49" charset="0"/>
-              </a:rPr>
-              <a:t>.</a:t>
-            </a:r>
-          </a:p>
-          <a:p>
-            <a:pPr>
-              <a:buFont typeface="+mj-lt"/>
-              <a:buAutoNum type="arabicPeriod"/>
-            </a:pPr>
-            <a:endParaRPr lang="nl-NL" sz="1400" kern="0" dirty="0">
-              <a:latin typeface="Courier New" panose="02070309020205020404" pitchFamily="49" charset="0"/>
-              <a:cs typeface="Courier New" panose="02070309020205020404" pitchFamily="49" charset="0"/>
-            </a:endParaRPr>
-          </a:p>
-          <a:p>
-            <a:pPr>
-              <a:buFont typeface="+mj-lt"/>
-              <a:buAutoNum type="arabicPeriod"/>
-            </a:pPr>
-            <a:r>
-              <a:rPr lang="nl-NL" sz="1400" kern="0" dirty="0" smtClean="0">
-                <a:latin typeface="Courier New" panose="02070309020205020404" pitchFamily="49" charset="0"/>
-                <a:cs typeface="Courier New" panose="02070309020205020404" pitchFamily="49" charset="0"/>
-              </a:rPr>
-              <a:t>How does </a:t>
-            </a:r>
-            <a:r>
-              <a:rPr lang="nl-NL" sz="1400" i="1" kern="0" dirty="0" smtClean="0">
-                <a:latin typeface="Courier New" panose="02070309020205020404" pitchFamily="49" charset="0"/>
-                <a:cs typeface="Courier New" panose="02070309020205020404" pitchFamily="49" charset="0"/>
-              </a:rPr>
-              <a:t>k-</a:t>
-            </a:r>
-            <a:r>
-              <a:rPr lang="nl-NL" sz="1400" kern="0" dirty="0" smtClean="0">
-                <a:latin typeface="Courier New" panose="02070309020205020404" pitchFamily="49" charset="0"/>
-                <a:cs typeface="Courier New" panose="02070309020205020404" pitchFamily="49" charset="0"/>
-              </a:rPr>
-              <a:t>means </a:t>
-            </a:r>
-            <a:r>
-              <a:rPr lang="nl-NL" sz="1400" kern="0" dirty="0" err="1" smtClean="0">
-                <a:latin typeface="Courier New" panose="02070309020205020404" pitchFamily="49" charset="0"/>
-                <a:cs typeface="Courier New" panose="02070309020205020404" pitchFamily="49" charset="0"/>
-              </a:rPr>
-              <a:t>perform</a:t>
-            </a:r>
-            <a:r>
-              <a:rPr lang="nl-NL" sz="1400" kern="0" dirty="0" smtClean="0">
-                <a:latin typeface="Courier New" panose="02070309020205020404" pitchFamily="49" charset="0"/>
-                <a:cs typeface="Courier New" panose="02070309020205020404" pitchFamily="49" charset="0"/>
-              </a:rPr>
-              <a:t>?</a:t>
-            </a:r>
-          </a:p>
-          <a:p>
-            <a:pPr>
-              <a:buFont typeface="+mj-lt"/>
-              <a:buAutoNum type="arabicPeriod"/>
-            </a:pPr>
-            <a:endParaRPr lang="nl-NL" sz="1400" kern="0" dirty="0">
-              <a:latin typeface="Courier New" panose="02070309020205020404" pitchFamily="49" charset="0"/>
-              <a:cs typeface="Courier New" panose="02070309020205020404" pitchFamily="49" charset="0"/>
-            </a:endParaRPr>
-          </a:p>
-          <a:p>
-            <a:pPr>
-              <a:buFont typeface="+mj-lt"/>
-              <a:buAutoNum type="arabicPeriod"/>
-            </a:pPr>
-            <a:r>
-              <a:rPr lang="nl-NL" sz="1400" kern="0" dirty="0" err="1" smtClean="0">
-                <a:latin typeface="Courier New" panose="02070309020205020404" pitchFamily="49" charset="0"/>
-                <a:cs typeface="Courier New" panose="02070309020205020404" pitchFamily="49" charset="0"/>
-              </a:rPr>
-              <a:t>Try</a:t>
-            </a:r>
-            <a:r>
-              <a:rPr lang="nl-NL" sz="1400" kern="0" dirty="0" smtClean="0">
-                <a:latin typeface="Courier New" panose="02070309020205020404" pitchFamily="49" charset="0"/>
-                <a:cs typeface="Courier New" panose="02070309020205020404" pitchFamily="49" charset="0"/>
-              </a:rPr>
-              <a:t> out different </a:t>
-            </a:r>
-            <a:r>
-              <a:rPr lang="nl-NL" sz="1400" kern="0" dirty="0" err="1" smtClean="0">
-                <a:latin typeface="Courier New" panose="02070309020205020404" pitchFamily="49" charset="0"/>
-                <a:cs typeface="Courier New" panose="02070309020205020404" pitchFamily="49" charset="0"/>
-              </a:rPr>
-              <a:t>numbers</a:t>
-            </a:r>
-            <a:r>
-              <a:rPr lang="nl-NL" sz="1400" kern="0" dirty="0" smtClean="0">
-                <a:latin typeface="Courier New" panose="02070309020205020404" pitchFamily="49" charset="0"/>
-                <a:cs typeface="Courier New" panose="02070309020205020404" pitchFamily="49" charset="0"/>
-              </a:rPr>
-              <a:t> of clusters </a:t>
-            </a:r>
-            <a:r>
-              <a:rPr lang="nl-NL" sz="1400" kern="0" dirty="0" err="1" smtClean="0">
-                <a:latin typeface="Courier New" panose="02070309020205020404" pitchFamily="49" charset="0"/>
-                <a:cs typeface="Courier New" panose="02070309020205020404" pitchFamily="49" charset="0"/>
-              </a:rPr>
-              <a:t>to</a:t>
-            </a:r>
-            <a:r>
-              <a:rPr lang="nl-NL" sz="1400" kern="0" dirty="0" smtClean="0">
-                <a:latin typeface="Courier New" panose="02070309020205020404" pitchFamily="49" charset="0"/>
-                <a:cs typeface="Courier New" panose="02070309020205020404" pitchFamily="49" charset="0"/>
-              </a:rPr>
-              <a:t> </a:t>
-            </a:r>
-            <a:r>
-              <a:rPr lang="nl-NL" sz="1400" kern="0" dirty="0" err="1" smtClean="0">
-                <a:latin typeface="Courier New" panose="02070309020205020404" pitchFamily="49" charset="0"/>
-                <a:cs typeface="Courier New" panose="02070309020205020404" pitchFamily="49" charset="0"/>
-              </a:rPr>
-              <a:t>see</a:t>
-            </a:r>
-            <a:r>
-              <a:rPr lang="nl-NL" sz="1400" kern="0" dirty="0" smtClean="0">
-                <a:latin typeface="Courier New" panose="02070309020205020404" pitchFamily="49" charset="0"/>
-                <a:cs typeface="Courier New" panose="02070309020205020404" pitchFamily="49" charset="0"/>
-              </a:rPr>
-              <a:t> </a:t>
-            </a:r>
-            <a:r>
-              <a:rPr lang="nl-NL" sz="1400" kern="0" dirty="0" err="1" smtClean="0">
-                <a:latin typeface="Courier New" panose="02070309020205020404" pitchFamily="49" charset="0"/>
-                <a:cs typeface="Courier New" panose="02070309020205020404" pitchFamily="49" charset="0"/>
-              </a:rPr>
-              <a:t>what</a:t>
-            </a:r>
-            <a:r>
-              <a:rPr lang="nl-NL" sz="1400" kern="0" dirty="0" smtClean="0">
-                <a:latin typeface="Courier New" panose="02070309020205020404" pitchFamily="49" charset="0"/>
-                <a:cs typeface="Courier New" panose="02070309020205020404" pitchFamily="49" charset="0"/>
-              </a:rPr>
-              <a:t> </a:t>
-            </a:r>
-            <a:r>
-              <a:rPr lang="nl-NL" sz="1400" kern="0" dirty="0" err="1" smtClean="0">
-                <a:latin typeface="Courier New" panose="02070309020205020404" pitchFamily="49" charset="0"/>
-                <a:cs typeface="Courier New" panose="02070309020205020404" pitchFamily="49" charset="0"/>
-              </a:rPr>
-              <a:t>happens</a:t>
-            </a:r>
-            <a:r>
-              <a:rPr lang="nl-NL" sz="1400" kern="0" dirty="0" smtClean="0">
-                <a:latin typeface="Courier New" panose="02070309020205020404" pitchFamily="49" charset="0"/>
-                <a:cs typeface="Courier New" panose="02070309020205020404" pitchFamily="49" charset="0"/>
-              </a:rPr>
-              <a:t>. </a:t>
-            </a:r>
-            <a:r>
-              <a:rPr lang="nl-NL" sz="1400" kern="0" dirty="0" err="1" smtClean="0">
-                <a:latin typeface="Courier New" panose="02070309020205020404" pitchFamily="49" charset="0"/>
-                <a:cs typeface="Courier New" panose="02070309020205020404" pitchFamily="49" charset="0"/>
-              </a:rPr>
-              <a:t>What</a:t>
-            </a:r>
-            <a:r>
-              <a:rPr lang="nl-NL" sz="1400" kern="0" dirty="0" smtClean="0">
-                <a:latin typeface="Courier New" panose="02070309020205020404" pitchFamily="49" charset="0"/>
-                <a:cs typeface="Courier New" panose="02070309020205020404" pitchFamily="49" charset="0"/>
-              </a:rPr>
-              <a:t> </a:t>
-            </a:r>
-            <a:r>
-              <a:rPr lang="nl-NL" sz="1400" kern="0" dirty="0" err="1" smtClean="0">
-                <a:latin typeface="Courier New" panose="02070309020205020404" pitchFamily="49" charset="0"/>
-                <a:cs typeface="Courier New" panose="02070309020205020404" pitchFamily="49" charset="0"/>
-              </a:rPr>
-              <a:t>seems</a:t>
-            </a:r>
-            <a:r>
-              <a:rPr lang="nl-NL" sz="1400" kern="0" dirty="0" smtClean="0">
-                <a:latin typeface="Courier New" panose="02070309020205020404" pitchFamily="49" charset="0"/>
-                <a:cs typeface="Courier New" panose="02070309020205020404" pitchFamily="49" charset="0"/>
-              </a:rPr>
-              <a:t> like the ‘</a:t>
-            </a:r>
-            <a:r>
-              <a:rPr lang="nl-NL" sz="1400" kern="0" dirty="0" err="1" smtClean="0">
-                <a:latin typeface="Courier New" panose="02070309020205020404" pitchFamily="49" charset="0"/>
-                <a:cs typeface="Courier New" panose="02070309020205020404" pitchFamily="49" charset="0"/>
-              </a:rPr>
-              <a:t>natural</a:t>
-            </a:r>
-            <a:r>
-              <a:rPr lang="nl-NL" sz="1400" kern="0" dirty="0" smtClean="0">
-                <a:latin typeface="Courier New" panose="02070309020205020404" pitchFamily="49" charset="0"/>
-                <a:cs typeface="Courier New" panose="02070309020205020404" pitchFamily="49" charset="0"/>
-              </a:rPr>
-              <a:t>’ </a:t>
-            </a:r>
-            <a:r>
-              <a:rPr lang="nl-NL" sz="1400" kern="0" dirty="0" err="1" smtClean="0">
-                <a:latin typeface="Courier New" panose="02070309020205020404" pitchFamily="49" charset="0"/>
-                <a:cs typeface="Courier New" panose="02070309020205020404" pitchFamily="49" charset="0"/>
-              </a:rPr>
-              <a:t>number</a:t>
-            </a:r>
-            <a:r>
-              <a:rPr lang="nl-NL" sz="1400" kern="0" dirty="0" smtClean="0">
-                <a:latin typeface="Courier New" panose="02070309020205020404" pitchFamily="49" charset="0"/>
-                <a:cs typeface="Courier New" panose="02070309020205020404" pitchFamily="49" charset="0"/>
-              </a:rPr>
-              <a:t> of clusters </a:t>
-            </a:r>
-            <a:r>
-              <a:rPr lang="nl-NL" sz="1400" kern="0" dirty="0" err="1" smtClean="0">
-                <a:latin typeface="Courier New" panose="02070309020205020404" pitchFamily="49" charset="0"/>
-                <a:cs typeface="Courier New" panose="02070309020205020404" pitchFamily="49" charset="0"/>
-              </a:rPr>
-              <a:t>for</a:t>
-            </a:r>
-            <a:r>
-              <a:rPr lang="nl-NL" sz="1400" kern="0" dirty="0" smtClean="0">
-                <a:latin typeface="Courier New" panose="02070309020205020404" pitchFamily="49" charset="0"/>
-                <a:cs typeface="Courier New" panose="02070309020205020404" pitchFamily="49" charset="0"/>
-              </a:rPr>
-              <a:t> this data set?</a:t>
-            </a:r>
-          </a:p>
-          <a:p>
-            <a:pPr marL="0" indent="0">
-              <a:buFont typeface="Zapf Dingbats" charset="2"/>
-              <a:buNone/>
-            </a:pPr>
-            <a:endParaRPr lang="nl-NL" sz="1400" kern="0" dirty="0">
-              <a:latin typeface="Courier New" panose="02070309020205020404" pitchFamily="49" charset="0"/>
-              <a:cs typeface="Courier New" panose="02070309020205020404" pitchFamily="49" charset="0"/>
-            </a:endParaRPr>
-          </a:p>
-          <a:p>
-            <a:pPr marL="0" indent="0">
-              <a:buFont typeface="Zapf Dingbats" charset="2"/>
-              <a:buNone/>
-            </a:pPr>
-            <a:endParaRPr lang="nl-NL" sz="1400" kern="0" dirty="0" smtClean="0">
-              <a:latin typeface="Courier New" panose="02070309020205020404" pitchFamily="49" charset="0"/>
-              <a:cs typeface="Courier New" panose="02070309020205020404" pitchFamily="49" charset="0"/>
-            </a:endParaRPr>
-          </a:p>
-          <a:p>
-            <a:pPr marL="0" indent="0">
-              <a:buFont typeface="Zapf Dingbats" charset="2"/>
-              <a:buNone/>
-            </a:pPr>
-            <a:endParaRPr lang="nl-NL" sz="1400" kern="0" dirty="0">
-              <a:latin typeface="Courier New" panose="02070309020205020404" pitchFamily="49" charset="0"/>
-              <a:cs typeface="Courier New" panose="02070309020205020404" pitchFamily="49" charset="0"/>
-            </a:endParaRPr>
-          </a:p>
-          <a:p>
-            <a:pPr marL="0" indent="0">
-              <a:buFont typeface="Zapf Dingbats" charset="2"/>
-              <a:buNone/>
-            </a:pPr>
-            <a:endParaRPr lang="nl-NL" sz="1400" kern="0" dirty="0" smtClean="0">
-              <a:latin typeface="Courier New" panose="02070309020205020404" pitchFamily="49" charset="0"/>
-              <a:cs typeface="Courier New" panose="02070309020205020404" pitchFamily="49" charset="0"/>
-            </a:endParaRPr>
-          </a:p>
-        </p:txBody>
-      </p:sp>
-    </p:spTree>
-    <p:extLst>
-      <p:ext uri="{BB962C8B-B14F-4D97-AF65-F5344CB8AC3E}">
-        <p14:creationId xmlns:p14="http://schemas.microsoft.com/office/powerpoint/2010/main" val="1748469836"/>
       </p:ext>
     </p:extLst>
   </p:cSld>
